--- a/Documentation/Templates/Template #7/Template #7 - Final Project Presentation - 7.0.pptx
+++ b/Documentation/Templates/Template #7/Template #7 - Final Project Presentation - 7.0.pptx
@@ -5,7 +5,7 @@
     <p:sldMasterId id="2147483648" r:id="rId1"/>
   </p:sldMasterIdLst>
   <p:notesMasterIdLst>
-    <p:notesMasterId r:id="rId85"/>
+    <p:notesMasterId r:id="rId84"/>
   </p:notesMasterIdLst>
   <p:sldIdLst>
     <p:sldId id="256" r:id="rId2"/>
@@ -49,48 +49,47 @@
     <p:sldId id="267" r:id="rId40"/>
     <p:sldId id="268" r:id="rId41"/>
     <p:sldId id="302" r:id="rId42"/>
-    <p:sldId id="303" r:id="rId43"/>
-    <p:sldId id="304" r:id="rId44"/>
-    <p:sldId id="305" r:id="rId45"/>
-    <p:sldId id="300" r:id="rId46"/>
-    <p:sldId id="333" r:id="rId47"/>
-    <p:sldId id="301" r:id="rId48"/>
-    <p:sldId id="309" r:id="rId49"/>
-    <p:sldId id="310" r:id="rId50"/>
-    <p:sldId id="307" r:id="rId51"/>
-    <p:sldId id="311" r:id="rId52"/>
-    <p:sldId id="308" r:id="rId53"/>
-    <p:sldId id="306" r:id="rId54"/>
-    <p:sldId id="334" r:id="rId55"/>
-    <p:sldId id="269" r:id="rId56"/>
-    <p:sldId id="312" r:id="rId57"/>
-    <p:sldId id="336" r:id="rId58"/>
-    <p:sldId id="335" r:id="rId59"/>
-    <p:sldId id="313" r:id="rId60"/>
-    <p:sldId id="314" r:id="rId61"/>
-    <p:sldId id="315" r:id="rId62"/>
-    <p:sldId id="270" r:id="rId63"/>
-    <p:sldId id="271" r:id="rId64"/>
-    <p:sldId id="316" r:id="rId65"/>
-    <p:sldId id="339" r:id="rId66"/>
-    <p:sldId id="318" r:id="rId67"/>
-    <p:sldId id="340" r:id="rId68"/>
-    <p:sldId id="317" r:id="rId69"/>
-    <p:sldId id="341" r:id="rId70"/>
-    <p:sldId id="324" r:id="rId71"/>
-    <p:sldId id="272" r:id="rId72"/>
-    <p:sldId id="273" r:id="rId73"/>
-    <p:sldId id="274" r:id="rId74"/>
-    <p:sldId id="319" r:id="rId75"/>
-    <p:sldId id="320" r:id="rId76"/>
-    <p:sldId id="321" r:id="rId77"/>
-    <p:sldId id="322" r:id="rId78"/>
-    <p:sldId id="275" r:id="rId79"/>
-    <p:sldId id="276" r:id="rId80"/>
-    <p:sldId id="337" r:id="rId81"/>
-    <p:sldId id="323" r:id="rId82"/>
-    <p:sldId id="338" r:id="rId83"/>
-    <p:sldId id="277" r:id="rId84"/>
+    <p:sldId id="304" r:id="rId43"/>
+    <p:sldId id="305" r:id="rId44"/>
+    <p:sldId id="300" r:id="rId45"/>
+    <p:sldId id="333" r:id="rId46"/>
+    <p:sldId id="301" r:id="rId47"/>
+    <p:sldId id="309" r:id="rId48"/>
+    <p:sldId id="310" r:id="rId49"/>
+    <p:sldId id="307" r:id="rId50"/>
+    <p:sldId id="311" r:id="rId51"/>
+    <p:sldId id="308" r:id="rId52"/>
+    <p:sldId id="306" r:id="rId53"/>
+    <p:sldId id="334" r:id="rId54"/>
+    <p:sldId id="269" r:id="rId55"/>
+    <p:sldId id="312" r:id="rId56"/>
+    <p:sldId id="336" r:id="rId57"/>
+    <p:sldId id="335" r:id="rId58"/>
+    <p:sldId id="313" r:id="rId59"/>
+    <p:sldId id="314" r:id="rId60"/>
+    <p:sldId id="315" r:id="rId61"/>
+    <p:sldId id="270" r:id="rId62"/>
+    <p:sldId id="271" r:id="rId63"/>
+    <p:sldId id="316" r:id="rId64"/>
+    <p:sldId id="339" r:id="rId65"/>
+    <p:sldId id="318" r:id="rId66"/>
+    <p:sldId id="340" r:id="rId67"/>
+    <p:sldId id="317" r:id="rId68"/>
+    <p:sldId id="341" r:id="rId69"/>
+    <p:sldId id="324" r:id="rId70"/>
+    <p:sldId id="272" r:id="rId71"/>
+    <p:sldId id="273" r:id="rId72"/>
+    <p:sldId id="274" r:id="rId73"/>
+    <p:sldId id="319" r:id="rId74"/>
+    <p:sldId id="320" r:id="rId75"/>
+    <p:sldId id="321" r:id="rId76"/>
+    <p:sldId id="322" r:id="rId77"/>
+    <p:sldId id="275" r:id="rId78"/>
+    <p:sldId id="276" r:id="rId79"/>
+    <p:sldId id="337" r:id="rId80"/>
+    <p:sldId id="323" r:id="rId81"/>
+    <p:sldId id="338" r:id="rId82"/>
+    <p:sldId id="277" r:id="rId83"/>
   </p:sldIdLst>
   <p:sldSz cx="9144000" cy="6858000" type="screen4x3"/>
   <p:notesSz cx="7315200" cy="9601200"/>
@@ -381,7 +380,6 @@
           <p14:sldIdLst>
             <p14:sldId id="268"/>
             <p14:sldId id="302"/>
-            <p14:sldId id="303"/>
             <p14:sldId id="304"/>
             <p14:sldId id="305"/>
             <p14:sldId id="300"/>
@@ -450,10 +448,152 @@
       </p15:sldGuideLst>
     </p:ext>
     <p:ext uri="http://customooxmlschemas.google.com/">
-      <go:slidesCustomData xmlns="" xmlns:mc="http://schemas.openxmlformats.org/markup-compatibility/2006" xmlns:mv="urn:schemas-microsoft-com:mac:vml" xmlns:c="http://schemas.openxmlformats.org/drawingml/2006/chart" xmlns:dgm="http://schemas.openxmlformats.org/drawingml/2006/diagram" xmlns:o="urn:schemas-microsoft-com:office:office" xmlns:v="urn:schemas-microsoft-com:vml" xmlns:pvml="urn:schemas-microsoft-com:office:powerpoint" xmlns:com="http://schemas.openxmlformats.org/drawingml/2006/compatibility" xmlns:p14="http://schemas.microsoft.com/office/powerpoint/2010/main" xmlns:p15="http://schemas.microsoft.com/office/powerpoint/2012/main" xmlns:ahyp="http://schemas.microsoft.com/office/drawing/2018/hyperlinkcolor" xmlns:go="http://customooxmlschemas.google.com/" r:id="rId86" roundtripDataSignature="AMtx7mgD4Kl0eymbPsSACaHDcTfhYrGFKA=="/>
+      <go:slidesCustomData xmlns:go="http://customooxmlschemas.google.com/" xmlns:ahyp="http://schemas.microsoft.com/office/drawing/2018/hyperlinkcolor" xmlns:p15="http://schemas.microsoft.com/office/powerpoint/2012/main" xmlns:p14="http://schemas.microsoft.com/office/powerpoint/2010/main" xmlns:com="http://schemas.openxmlformats.org/drawingml/2006/compatibility" xmlns:pvml="urn:schemas-microsoft-com:office:powerpoint" xmlns:v="urn:schemas-microsoft-com:vml" xmlns:o="urn:schemas-microsoft-com:office:office" xmlns:dgm="http://schemas.openxmlformats.org/drawingml/2006/diagram" xmlns:c="http://schemas.openxmlformats.org/drawingml/2006/chart" xmlns:mv="urn:schemas-microsoft-com:mac:vml" xmlns:mc="http://schemas.openxmlformats.org/markup-compatibility/2006" xmlns="" r:id="rId86" roundtripDataSignature="AMtx7mgD4Kl0eymbPsSACaHDcTfhYrGFKA=="/>
     </p:ext>
   </p:extLst>
 </p:presentation>
+</file>
+
+<file path=ppt/revisionInfo.xml><?xml version="1.0" encoding="utf-8"?>
+<p1510:revInfo xmlns:a="http://schemas.openxmlformats.org/drawingml/2006/main" xmlns:r="http://schemas.openxmlformats.org/officeDocument/2006/relationships" xmlns:p1510="http://schemas.microsoft.com/office/powerpoint/2015/10/main">
+  <p1510:revLst>
+    <p1510:client id="{AA2F82D3-8C1A-4E19-B7C7-D63EE0C4B045}" v="1" dt="2025-06-23T09:33:33.419"/>
+  </p1510:revLst>
+</p1510:revInfo>
+</file>
+
+<file path=ppt/changesInfos/changesInfo1.xml><?xml version="1.0" encoding="utf-8"?>
+<pc:chgInfo xmlns:a="http://schemas.openxmlformats.org/drawingml/2006/main" xmlns:r="http://schemas.openxmlformats.org/officeDocument/2006/relationships" xmlns:ac="http://schemas.microsoft.com/office/drawing/2013/main/command" xmlns:pc="http://schemas.microsoft.com/office/powerpoint/2013/main/command">
+  <pc:docChgLst>
+    <pc:chgData name="Umar Waqar 27668" userId="f0186443-8082-43fc-bb02-6aa6a4f82a32" providerId="ADAL" clId="{AA2F82D3-8C1A-4E19-B7C7-D63EE0C4B045}"/>
+    <pc:docChg chg="undo custSel delSld modSld modSection">
+      <pc:chgData name="Umar Waqar 27668" userId="f0186443-8082-43fc-bb02-6aa6a4f82a32" providerId="ADAL" clId="{AA2F82D3-8C1A-4E19-B7C7-D63EE0C4B045}" dt="2025-06-23T09:37:32.483" v="69" actId="20577"/>
+      <pc:docMkLst>
+        <pc:docMk/>
+      </pc:docMkLst>
+      <pc:sldChg chg="modSp mod">
+        <pc:chgData name="Umar Waqar 27668" userId="f0186443-8082-43fc-bb02-6aa6a4f82a32" providerId="ADAL" clId="{AA2F82D3-8C1A-4E19-B7C7-D63EE0C4B045}" dt="2025-06-23T09:34:59.335" v="38" actId="20577"/>
+        <pc:sldMkLst>
+          <pc:docMk/>
+          <pc:sldMk cId="2938306186" sldId="301"/>
+        </pc:sldMkLst>
+        <pc:spChg chg="mod">
+          <ac:chgData name="Umar Waqar 27668" userId="f0186443-8082-43fc-bb02-6aa6a4f82a32" providerId="ADAL" clId="{AA2F82D3-8C1A-4E19-B7C7-D63EE0C4B045}" dt="2025-06-23T09:34:59.335" v="38" actId="20577"/>
+          <ac:spMkLst>
+            <pc:docMk/>
+            <pc:sldMk cId="2938306186" sldId="301"/>
+            <ac:spMk id="3" creationId="{92B24276-2C5E-C5E7-FF7B-CAF157774712}"/>
+          </ac:spMkLst>
+        </pc:spChg>
+      </pc:sldChg>
+      <pc:sldChg chg="modSp mod">
+        <pc:chgData name="Umar Waqar 27668" userId="f0186443-8082-43fc-bb02-6aa6a4f82a32" providerId="ADAL" clId="{AA2F82D3-8C1A-4E19-B7C7-D63EE0C4B045}" dt="2025-06-23T09:33:33.418" v="6"/>
+        <pc:sldMkLst>
+          <pc:docMk/>
+          <pc:sldMk cId="1200839246" sldId="302"/>
+        </pc:sldMkLst>
+        <pc:spChg chg="mod">
+          <ac:chgData name="Umar Waqar 27668" userId="f0186443-8082-43fc-bb02-6aa6a4f82a32" providerId="ADAL" clId="{AA2F82D3-8C1A-4E19-B7C7-D63EE0C4B045}" dt="2025-06-23T09:33:33.418" v="6"/>
+          <ac:spMkLst>
+            <pc:docMk/>
+            <pc:sldMk cId="1200839246" sldId="302"/>
+            <ac:spMk id="3" creationId="{49CA9F76-1928-7241-8CB5-C901A00B0F65}"/>
+          </ac:spMkLst>
+        </pc:spChg>
+      </pc:sldChg>
+      <pc:sldChg chg="modSp del mod">
+        <pc:chgData name="Umar Waqar 27668" userId="f0186443-8082-43fc-bb02-6aa6a4f82a32" providerId="ADAL" clId="{AA2F82D3-8C1A-4E19-B7C7-D63EE0C4B045}" dt="2025-06-23T09:33:45.478" v="7" actId="47"/>
+        <pc:sldMkLst>
+          <pc:docMk/>
+          <pc:sldMk cId="113743702" sldId="303"/>
+        </pc:sldMkLst>
+        <pc:spChg chg="mod">
+          <ac:chgData name="Umar Waqar 27668" userId="f0186443-8082-43fc-bb02-6aa6a4f82a32" providerId="ADAL" clId="{AA2F82D3-8C1A-4E19-B7C7-D63EE0C4B045}" dt="2025-06-23T09:33:10.721" v="3" actId="20577"/>
+          <ac:spMkLst>
+            <pc:docMk/>
+            <pc:sldMk cId="113743702" sldId="303"/>
+            <ac:spMk id="3" creationId="{D719A41B-6884-DCEA-F323-1561DBB2C37D}"/>
+          </ac:spMkLst>
+        </pc:spChg>
+      </pc:sldChg>
+      <pc:sldChg chg="modSp mod">
+        <pc:chgData name="Umar Waqar 27668" userId="f0186443-8082-43fc-bb02-6aa6a4f82a32" providerId="ADAL" clId="{AA2F82D3-8C1A-4E19-B7C7-D63EE0C4B045}" dt="2025-06-23T09:34:00.332" v="34" actId="20577"/>
+        <pc:sldMkLst>
+          <pc:docMk/>
+          <pc:sldMk cId="2066457212" sldId="304"/>
+        </pc:sldMkLst>
+        <pc:spChg chg="mod">
+          <ac:chgData name="Umar Waqar 27668" userId="f0186443-8082-43fc-bb02-6aa6a4f82a32" providerId="ADAL" clId="{AA2F82D3-8C1A-4E19-B7C7-D63EE0C4B045}" dt="2025-06-23T09:34:00.332" v="34" actId="20577"/>
+          <ac:spMkLst>
+            <pc:docMk/>
+            <pc:sldMk cId="2066457212" sldId="304"/>
+            <ac:spMk id="3" creationId="{C65B92E4-AC16-A82F-161C-D06000732C2D}"/>
+          </ac:spMkLst>
+        </pc:spChg>
+      </pc:sldChg>
+      <pc:sldChg chg="modSp mod">
+        <pc:chgData name="Umar Waqar 27668" userId="f0186443-8082-43fc-bb02-6aa6a4f82a32" providerId="ADAL" clId="{AA2F82D3-8C1A-4E19-B7C7-D63EE0C4B045}" dt="2025-06-23T09:36:52.182" v="57" actId="20577"/>
+        <pc:sldMkLst>
+          <pc:docMk/>
+          <pc:sldMk cId="2429851732" sldId="308"/>
+        </pc:sldMkLst>
+        <pc:spChg chg="mod">
+          <ac:chgData name="Umar Waqar 27668" userId="f0186443-8082-43fc-bb02-6aa6a4f82a32" providerId="ADAL" clId="{AA2F82D3-8C1A-4E19-B7C7-D63EE0C4B045}" dt="2025-06-23T09:36:52.182" v="57" actId="20577"/>
+          <ac:spMkLst>
+            <pc:docMk/>
+            <pc:sldMk cId="2429851732" sldId="308"/>
+            <ac:spMk id="3" creationId="{A6B868DC-6504-08F7-C5EA-98C7BF255E9F}"/>
+          </ac:spMkLst>
+        </pc:spChg>
+      </pc:sldChg>
+      <pc:sldChg chg="modSp mod">
+        <pc:chgData name="Umar Waqar 27668" userId="f0186443-8082-43fc-bb02-6aa6a4f82a32" providerId="ADAL" clId="{AA2F82D3-8C1A-4E19-B7C7-D63EE0C4B045}" dt="2025-06-23T09:35:41.584" v="51" actId="20577"/>
+        <pc:sldMkLst>
+          <pc:docMk/>
+          <pc:sldMk cId="3381778271" sldId="309"/>
+        </pc:sldMkLst>
+        <pc:spChg chg="mod">
+          <ac:chgData name="Umar Waqar 27668" userId="f0186443-8082-43fc-bb02-6aa6a4f82a32" providerId="ADAL" clId="{AA2F82D3-8C1A-4E19-B7C7-D63EE0C4B045}" dt="2025-06-23T09:35:41.584" v="51" actId="20577"/>
+          <ac:spMkLst>
+            <pc:docMk/>
+            <pc:sldMk cId="3381778271" sldId="309"/>
+            <ac:spMk id="3" creationId="{F8A65EC5-D0B7-0782-3C3C-DA1D127B9AEC}"/>
+          </ac:spMkLst>
+        </pc:spChg>
+      </pc:sldChg>
+      <pc:sldChg chg="modSp mod">
+        <pc:chgData name="Umar Waqar 27668" userId="f0186443-8082-43fc-bb02-6aa6a4f82a32" providerId="ADAL" clId="{AA2F82D3-8C1A-4E19-B7C7-D63EE0C4B045}" dt="2025-06-23T09:36:07.112" v="55" actId="20577"/>
+        <pc:sldMkLst>
+          <pc:docMk/>
+          <pc:sldMk cId="3611066053" sldId="310"/>
+        </pc:sldMkLst>
+        <pc:spChg chg="mod">
+          <ac:chgData name="Umar Waqar 27668" userId="f0186443-8082-43fc-bb02-6aa6a4f82a32" providerId="ADAL" clId="{AA2F82D3-8C1A-4E19-B7C7-D63EE0C4B045}" dt="2025-06-23T09:36:07.112" v="55" actId="20577"/>
+          <ac:spMkLst>
+            <pc:docMk/>
+            <pc:sldMk cId="3611066053" sldId="310"/>
+            <ac:spMk id="3" creationId="{6F3CEBD9-A9F8-77A4-F0E6-3B0A2AC77BE6}"/>
+          </ac:spMkLst>
+        </pc:spChg>
+      </pc:sldChg>
+      <pc:sldChg chg="modSp mod">
+        <pc:chgData name="Umar Waqar 27668" userId="f0186443-8082-43fc-bb02-6aa6a4f82a32" providerId="ADAL" clId="{AA2F82D3-8C1A-4E19-B7C7-D63EE0C4B045}" dt="2025-06-23T09:37:32.483" v="69" actId="20577"/>
+        <pc:sldMkLst>
+          <pc:docMk/>
+          <pc:sldMk cId="3504246648" sldId="334"/>
+        </pc:sldMkLst>
+        <pc:spChg chg="mod">
+          <ac:chgData name="Umar Waqar 27668" userId="f0186443-8082-43fc-bb02-6aa6a4f82a32" providerId="ADAL" clId="{AA2F82D3-8C1A-4E19-B7C7-D63EE0C4B045}" dt="2025-06-23T09:37:32.483" v="69" actId="20577"/>
+          <ac:spMkLst>
+            <pc:docMk/>
+            <pc:sldMk cId="3504246648" sldId="334"/>
+            <ac:spMk id="3" creationId="{8C78470B-DD5D-6FCB-9FF4-EFEBBA3CEF17}"/>
+          </ac:spMkLst>
+        </pc:spChg>
+      </pc:sldChg>
+    </pc:docChg>
+  </pc:docChgLst>
+</pc:chgInfo>
 </file>
 
 <file path=ppt/notesMasters/notesMaster1.xml><?xml version="1.0" encoding="utf-8"?>
@@ -26006,6 +26146,27 @@
               <a:rPr lang="en-GB" sz="2800" b="1" dirty="0"/>
               <a:t>Testing Tools:</a:t>
             </a:r>
+            <a:r>
+              <a:rPr lang="en-GB" sz="2800" dirty="0"/>
+              <a:t>	</a:t>
+            </a:r>
+          </a:p>
+          <a:p>
+            <a:pPr>
+              <a:buNone/>
+            </a:pPr>
+            <a:r>
+              <a:rPr lang="en-US" sz="2800" b="1" dirty="0"/>
+              <a:t>-</a:t>
+            </a:r>
+            <a:r>
+              <a:rPr lang="en-PK" sz="2800" b="1" dirty="0"/>
+              <a:t> </a:t>
+            </a:r>
+            <a:r>
+              <a:rPr lang="en-GB" sz="2800" b="1" dirty="0"/>
+              <a:t>Database:</a:t>
+            </a:r>
           </a:p>
           <a:p>
             <a:pPr>
@@ -26014,7 +26175,7 @@
             </a:pPr>
             <a:r>
               <a:rPr lang="en-GB" sz="2800" b="1" dirty="0"/>
-              <a:t>Jest</a:t>
+              <a:t>PostgreSQL</a:t>
             </a:r>
             <a:r>
               <a:rPr lang="en-GB" sz="2800" dirty="0"/>
@@ -26027,7 +26188,16 @@
             </a:pPr>
             <a:r>
               <a:rPr lang="en-GB" sz="2400" dirty="0"/>
-              <a:t>	– JavaScript testing framework</a:t>
+              <a:t>	– Relational database management system</a:t>
+            </a:r>
+          </a:p>
+          <a:p>
+            <a:pPr>
+              <a:buNone/>
+            </a:pPr>
+            <a:r>
+              <a:rPr lang="en-GB" sz="2800" b="1" dirty="0"/>
+              <a:t>Security &amp; Authentication:</a:t>
             </a:r>
           </a:p>
           <a:p>
@@ -26037,7 +26207,7 @@
             </a:pPr>
             <a:r>
               <a:rPr lang="en-GB" sz="2800" b="1" dirty="0"/>
-              <a:t>Cypress</a:t>
+              <a:t>JWT (JSON Web Tokens)</a:t>
             </a:r>
             <a:r>
               <a:rPr lang="en-GB" sz="2800" dirty="0"/>
@@ -26050,57 +26220,9 @@
             </a:pPr>
             <a:r>
               <a:rPr lang="en-GB" sz="2400" dirty="0"/>
-              <a:t>	– End-to-end testing for frontend authentication</a:t>
-            </a:r>
-          </a:p>
-          <a:p>
-            <a:pPr>
-              <a:buNone/>
-            </a:pPr>
-            <a:r>
-              <a:rPr lang="en-GB" sz="2800" dirty="0"/>
-              <a:t>	</a:t>
-            </a:r>
-          </a:p>
-          <a:p>
-            <a:pPr>
-              <a:buNone/>
-            </a:pPr>
-            <a:r>
-              <a:rPr lang="en-US" sz="2800" b="1" dirty="0"/>
-              <a:t>-</a:t>
-            </a:r>
-            <a:r>
-              <a:rPr lang="en-PK" sz="2800" b="1" dirty="0"/>
-              <a:t> </a:t>
-            </a:r>
-            <a:r>
-              <a:rPr lang="en-GB" sz="2800" b="1" dirty="0"/>
-              <a:t>Database:</a:t>
-            </a:r>
-          </a:p>
-          <a:p>
-            <a:pPr>
-              <a:buFont typeface="Arial" panose="020B0604020202020204" pitchFamily="34" charset="0"/>
-              <a:buChar char="•"/>
-            </a:pPr>
-            <a:r>
-              <a:rPr lang="en-GB" sz="2800" b="1" dirty="0"/>
-              <a:t>PostgreSQL</a:t>
-            </a:r>
-            <a:r>
-              <a:rPr lang="en-GB" sz="2800" dirty="0"/>
-              <a:t> </a:t>
-            </a:r>
-          </a:p>
-          <a:p>
-            <a:pPr marL="571500" lvl="1" indent="0">
-              <a:buNone/>
-            </a:pPr>
-            <a:r>
-              <a:rPr lang="en-GB" sz="2400" dirty="0"/>
-              <a:t>	– Relational database management system</a:t>
-            </a:r>
+              <a:t>	– Token-based</a:t>
+            </a:r>
+            <a:endParaRPr lang="en-GB" sz="2400" b="1" dirty="0"/>
           </a:p>
           <a:p>
             <a:pPr>
@@ -26148,200 +26270,6 @@
           <p:cNvPr id="2" name="Title 1">
             <a:extLst>
               <a:ext uri="{FF2B5EF4-FFF2-40B4-BE49-F238E27FC236}">
-                <a16:creationId xmlns:a16="http://schemas.microsoft.com/office/drawing/2014/main" id="{33946DDE-DDF6-198C-1CE2-0ACDBB677C43}"/>
-              </a:ext>
-            </a:extLst>
-          </p:cNvPr>
-          <p:cNvSpPr>
-            <a:spLocks noGrp="1"/>
-          </p:cNvSpPr>
-          <p:nvPr>
-            <p:ph type="title"/>
-          </p:nvPr>
-        </p:nvSpPr>
-        <p:spPr/>
-        <p:txBody>
-          <a:bodyPr/>
-          <a:lstStyle/>
-          <a:p>
-            <a:r>
-              <a:rPr lang="en-US" dirty="0">
-                <a:solidFill>
-                  <a:srgbClr val="C00000"/>
-                </a:solidFill>
-              </a:rPr>
-              <a:t>Implementation</a:t>
-            </a:r>
-            <a:endParaRPr lang="en-PK" dirty="0">
-              <a:solidFill>
-                <a:srgbClr val="C00000"/>
-              </a:solidFill>
-            </a:endParaRPr>
-          </a:p>
-        </p:txBody>
-      </p:sp>
-      <p:sp>
-        <p:nvSpPr>
-          <p:cNvPr id="3" name="Text Placeholder 2">
-            <a:extLst>
-              <a:ext uri="{FF2B5EF4-FFF2-40B4-BE49-F238E27FC236}">
-                <a16:creationId xmlns:a16="http://schemas.microsoft.com/office/drawing/2014/main" id="{D719A41B-6884-DCEA-F323-1561DBB2C37D}"/>
-              </a:ext>
-            </a:extLst>
-          </p:cNvPr>
-          <p:cNvSpPr>
-            <a:spLocks noGrp="1"/>
-          </p:cNvSpPr>
-          <p:nvPr>
-            <p:ph type="body" idx="1"/>
-          </p:nvPr>
-        </p:nvSpPr>
-        <p:spPr/>
-        <p:txBody>
-          <a:bodyPr/>
-          <a:lstStyle/>
-          <a:p>
-            <a:pPr>
-              <a:buNone/>
-            </a:pPr>
-            <a:r>
-              <a:rPr lang="en-GB" sz="2800" b="1" dirty="0"/>
-              <a:t>- Security &amp; Authentication:</a:t>
-            </a:r>
-          </a:p>
-          <a:p>
-            <a:pPr>
-              <a:buFont typeface="Arial" panose="020B0604020202020204" pitchFamily="34" charset="0"/>
-              <a:buChar char="•"/>
-            </a:pPr>
-            <a:r>
-              <a:rPr lang="en-GB" sz="2800" b="1" dirty="0"/>
-              <a:t>JWT (JSON Web Tokens)</a:t>
-            </a:r>
-            <a:r>
-              <a:rPr lang="en-GB" sz="2800" dirty="0"/>
-              <a:t> </a:t>
-            </a:r>
-          </a:p>
-          <a:p>
-            <a:pPr marL="571500" lvl="1" indent="0">
-              <a:buNone/>
-            </a:pPr>
-            <a:r>
-              <a:rPr lang="en-GB" sz="2400" dirty="0"/>
-              <a:t>	– Token-based</a:t>
-            </a:r>
-            <a:endParaRPr lang="en-GB" sz="2400" b="1" dirty="0"/>
-          </a:p>
-          <a:p>
-            <a:pPr>
-              <a:buFont typeface="Arial" panose="020B0604020202020204" pitchFamily="34" charset="0"/>
-              <a:buChar char="•"/>
-            </a:pPr>
-            <a:r>
-              <a:rPr lang="en-GB" sz="2800" b="1" dirty="0"/>
-              <a:t>OAuth</a:t>
-            </a:r>
-            <a:r>
-              <a:rPr lang="en-GB" sz="2800" dirty="0"/>
-              <a:t> </a:t>
-            </a:r>
-          </a:p>
-          <a:p>
-            <a:pPr marL="571500" lvl="1" indent="0">
-              <a:buNone/>
-            </a:pPr>
-            <a:r>
-              <a:rPr lang="en-GB" sz="2400" dirty="0"/>
-              <a:t>	– Open standard for access delegation</a:t>
-            </a:r>
-          </a:p>
-          <a:p>
-            <a:pPr>
-              <a:buFont typeface="Arial" panose="020B0604020202020204" pitchFamily="34" charset="0"/>
-              <a:buChar char="•"/>
-            </a:pPr>
-            <a:r>
-              <a:rPr lang="en-GB" sz="2800" b="1" dirty="0"/>
-              <a:t>Google reCAPTCHA</a:t>
-            </a:r>
-            <a:r>
-              <a:rPr lang="en-GB" sz="2800" dirty="0"/>
-              <a:t> </a:t>
-            </a:r>
-          </a:p>
-          <a:p>
-            <a:pPr marL="571500" lvl="1" indent="0">
-              <a:buNone/>
-            </a:pPr>
-            <a:r>
-              <a:rPr lang="en-GB" sz="2400" dirty="0"/>
-              <a:t>	– Bot detection and spam prevention</a:t>
-            </a:r>
-          </a:p>
-          <a:p>
-            <a:pPr>
-              <a:buFont typeface="Arial" panose="020B0604020202020204" pitchFamily="34" charset="0"/>
-              <a:buChar char="•"/>
-            </a:pPr>
-            <a:r>
-              <a:rPr lang="en-GB" sz="2800" b="1" dirty="0"/>
-              <a:t>MFA (Multi-Factor Authentication)</a:t>
-            </a:r>
-            <a:r>
-              <a:rPr lang="en-GB" sz="2800" dirty="0"/>
-              <a:t> </a:t>
-            </a:r>
-          </a:p>
-          <a:p>
-            <a:pPr marL="571500" lvl="1" indent="0">
-              <a:buNone/>
-            </a:pPr>
-            <a:r>
-              <a:rPr lang="en-GB" sz="2400" dirty="0"/>
-              <a:t>	– Enhanced access control</a:t>
-            </a:r>
-          </a:p>
-          <a:p>
-            <a:endParaRPr lang="en-PK" sz="2800" dirty="0"/>
-          </a:p>
-        </p:txBody>
-      </p:sp>
-    </p:spTree>
-    <p:extLst>
-      <p:ext uri="{BB962C8B-B14F-4D97-AF65-F5344CB8AC3E}">
-        <p14:creationId xmlns:p14="http://schemas.microsoft.com/office/powerpoint/2010/main" val="113743702"/>
-      </p:ext>
-    </p:extLst>
-  </p:cSld>
-  <p:clrMapOvr>
-    <a:masterClrMapping/>
-  </p:clrMapOvr>
-</p:sld>
-</file>
-
-<file path=ppt/slides/slide43.xml><?xml version="1.0" encoding="utf-8"?>
-<p:sld xmlns:a="http://schemas.openxmlformats.org/drawingml/2006/main" xmlns:r="http://schemas.openxmlformats.org/officeDocument/2006/relationships" xmlns:p="http://schemas.openxmlformats.org/presentationml/2006/main">
-  <p:cSld>
-    <p:spTree>
-      <p:nvGrpSpPr>
-        <p:cNvPr id="1" name=""/>
-        <p:cNvGrpSpPr/>
-        <p:nvPr/>
-      </p:nvGrpSpPr>
-      <p:grpSpPr>
-        <a:xfrm>
-          <a:off x="0" y="0"/>
-          <a:ext cx="0" cy="0"/>
-          <a:chOff x="0" y="0"/>
-          <a:chExt cx="0" cy="0"/>
-        </a:xfrm>
-      </p:grpSpPr>
-      <p:sp>
-        <p:nvSpPr>
-          <p:cNvPr id="2" name="Title 1">
-            <a:extLst>
-              <a:ext uri="{FF2B5EF4-FFF2-40B4-BE49-F238E27FC236}">
                 <a16:creationId xmlns:a16="http://schemas.microsoft.com/office/drawing/2014/main" id="{D013DF4F-693F-01AF-B494-6155991B6574}"/>
               </a:ext>
             </a:extLst>
@@ -26408,8 +26336,9 @@
             </a:r>
             <a:r>
               <a:rPr lang="en-GB" sz="2800" b="1" dirty="0"/>
-              <a:t>DevOps &amp; Containerization:</a:t>
-            </a:r>
+              <a:t>DevOps:</a:t>
+            </a:r>
+            <a:endParaRPr lang="en-GB" sz="2400" dirty="0"/>
           </a:p>
           <a:p>
             <a:pPr>
@@ -26418,7 +26347,7 @@
             </a:pPr>
             <a:r>
               <a:rPr lang="en-GB" sz="2800" b="1" dirty="0"/>
-              <a:t>Docker</a:t>
+              <a:t>GitHub</a:t>
             </a:r>
             <a:r>
               <a:rPr lang="en-GB" sz="2800" dirty="0"/>
@@ -26431,62 +26360,9 @@
             </a:pPr>
             <a:r>
               <a:rPr lang="en-GB" sz="2400" dirty="0"/>
-              <a:t>	– Containerization and deployment</a:t>
-            </a:r>
-          </a:p>
-          <a:p>
-            <a:pPr>
-              <a:buFont typeface="Arial" panose="020B0604020202020204" pitchFamily="34" charset="0"/>
-              <a:buChar char="•"/>
-            </a:pPr>
-            <a:r>
-              <a:rPr lang="en-GB" sz="2800" b="1" dirty="0"/>
-              <a:t>GitHub</a:t>
-            </a:r>
-            <a:r>
-              <a:rPr lang="en-GB" sz="2800" dirty="0"/>
-              <a:t> </a:t>
-            </a:r>
-          </a:p>
-          <a:p>
-            <a:pPr marL="571500" lvl="1" indent="0">
-              <a:buNone/>
-            </a:pPr>
-            <a:r>
-              <a:rPr lang="en-GB" sz="2400" dirty="0"/>
               <a:t>	– Source code repository and version control</a:t>
             </a:r>
             <a:endParaRPr lang="en-GB" sz="2400" b="1" dirty="0"/>
-          </a:p>
-          <a:p>
-            <a:pPr>
-              <a:buFont typeface="Arial" panose="020B0604020202020204" pitchFamily="34" charset="0"/>
-              <a:buChar char="•"/>
-            </a:pPr>
-            <a:r>
-              <a:rPr lang="en-GB" sz="2800" b="1" dirty="0"/>
-              <a:t>GitHub Actions</a:t>
-            </a:r>
-            <a:r>
-              <a:rPr lang="en-GB" sz="2800" dirty="0"/>
-              <a:t> </a:t>
-            </a:r>
-          </a:p>
-          <a:p>
-            <a:pPr marL="571500" lvl="1" indent="0">
-              <a:buNone/>
-            </a:pPr>
-            <a:r>
-              <a:rPr lang="en-GB" sz="2400" dirty="0"/>
-              <a:t>	– CI/CD automation tool</a:t>
-            </a:r>
-          </a:p>
-          <a:p>
-            <a:pPr>
-              <a:buFont typeface="Arial" panose="020B0604020202020204" pitchFamily="34" charset="0"/>
-              <a:buChar char="•"/>
-            </a:pPr>
-            <a:endParaRPr lang="en-GB" sz="2800" dirty="0"/>
           </a:p>
         </p:txBody>
       </p:sp>
@@ -26503,7 +26379,7 @@
 </p:sld>
 </file>
 
-<file path=ppt/slides/slide44.xml><?xml version="1.0" encoding="utf-8"?>
+<file path=ppt/slides/slide43.xml><?xml version="1.0" encoding="utf-8"?>
 <p:sld xmlns:a="http://schemas.openxmlformats.org/drawingml/2006/main" xmlns:r="http://schemas.openxmlformats.org/officeDocument/2006/relationships" xmlns:p="http://schemas.openxmlformats.org/presentationml/2006/main">
   <p:cSld>
     <p:spTree>
@@ -26696,7 +26572,7 @@
 </p:sld>
 </file>
 
-<file path=ppt/slides/slide45.xml><?xml version="1.0" encoding="utf-8"?>
+<file path=ppt/slides/slide44.xml><?xml version="1.0" encoding="utf-8"?>
 <p:sld xmlns:a="http://schemas.openxmlformats.org/drawingml/2006/main" xmlns:r="http://schemas.openxmlformats.org/officeDocument/2006/relationships" xmlns:p="http://schemas.openxmlformats.org/presentationml/2006/main">
   <p:cSld>
     <p:spTree>
@@ -26873,7 +26749,7 @@
 </p:sld>
 </file>
 
-<file path=ppt/slides/slide46.xml><?xml version="1.0" encoding="utf-8"?>
+<file path=ppt/slides/slide45.xml><?xml version="1.0" encoding="utf-8"?>
 <p:sld xmlns:a="http://schemas.openxmlformats.org/drawingml/2006/main" xmlns:r="http://schemas.openxmlformats.org/officeDocument/2006/relationships" xmlns:p="http://schemas.openxmlformats.org/presentationml/2006/main">
   <p:cSld>
     <p:spTree>
@@ -27106,7 +26982,7 @@
 </p:sld>
 </file>
 
-<file path=ppt/slides/slide47.xml><?xml version="1.0" encoding="utf-8"?>
+<file path=ppt/slides/slide46.xml><?xml version="1.0" encoding="utf-8"?>
 <p:sld xmlns:a="http://schemas.openxmlformats.org/drawingml/2006/main" xmlns:r="http://schemas.openxmlformats.org/officeDocument/2006/relationships" xmlns:p="http://schemas.openxmlformats.org/presentationml/2006/main">
   <p:cSld>
     <p:spTree>
@@ -27254,20 +27130,6 @@
               <a:t> – For displaying interactive charts</a:t>
             </a:r>
           </a:p>
-          <a:p>
-            <a:pPr>
-              <a:buFont typeface="Arial" panose="020B0604020202020204" pitchFamily="34" charset="0"/>
-              <a:buChar char="•"/>
-            </a:pPr>
-            <a:r>
-              <a:rPr lang="en-GB" sz="2800" b="1" dirty="0"/>
-              <a:t>Framer Motion</a:t>
-            </a:r>
-            <a:r>
-              <a:rPr lang="en-GB" sz="2800" dirty="0"/>
-              <a:t> – For animation and transitions</a:t>
-            </a:r>
-          </a:p>
         </p:txBody>
       </p:sp>
     </p:spTree>
@@ -27283,7 +27145,7 @@
 </p:sld>
 </file>
 
-<file path=ppt/slides/slide48.xml><?xml version="1.0" encoding="utf-8"?>
+<file path=ppt/slides/slide47.xml><?xml version="1.0" encoding="utf-8"?>
 <p:sld xmlns:a="http://schemas.openxmlformats.org/drawingml/2006/main" xmlns:r="http://schemas.openxmlformats.org/officeDocument/2006/relationships" xmlns:p="http://schemas.openxmlformats.org/presentationml/2006/main">
   <p:cSld>
     <p:spTree>
@@ -27364,24 +27226,6 @@
             </a:pPr>
             <a:r>
               <a:rPr lang="en-GB" sz="2800" b="1" dirty="0" err="1"/>
-              <a:t>ShadCN</a:t>
-            </a:r>
-            <a:r>
-              <a:rPr lang="en-GB" sz="2800" b="1" dirty="0"/>
-              <a:t>/UI</a:t>
-            </a:r>
-            <a:r>
-              <a:rPr lang="en-GB" sz="2800" dirty="0"/>
-              <a:t> – Component library for Tailwind-based UIs</a:t>
-            </a:r>
-          </a:p>
-          <a:p>
-            <a:pPr>
-              <a:buFont typeface="Arial" panose="020B0604020202020204" pitchFamily="34" charset="0"/>
-              <a:buChar char="•"/>
-            </a:pPr>
-            <a:r>
-              <a:rPr lang="en-GB" sz="2800" b="1" dirty="0" err="1"/>
               <a:t>Lucide</a:t>
             </a:r>
             <a:r>
@@ -27395,46 +27239,11 @@
           </a:p>
           <a:p>
             <a:pPr>
-              <a:buFont typeface="Arial" panose="020B0604020202020204" pitchFamily="34" charset="0"/>
-              <a:buChar char="•"/>
-            </a:pPr>
-            <a:endParaRPr lang="en-GB" sz="2800" dirty="0"/>
-          </a:p>
-          <a:p>
-            <a:pPr>
               <a:buNone/>
             </a:pPr>
             <a:r>
               <a:rPr lang="en-GB" sz="2800" b="1" dirty="0"/>
-              <a:t>Backend (Django):</a:t>
-            </a:r>
-          </a:p>
-          <a:p>
-            <a:pPr>
-              <a:buFont typeface="Arial" panose="020B0604020202020204" pitchFamily="34" charset="0"/>
-              <a:buChar char="•"/>
-            </a:pPr>
-            <a:r>
-              <a:rPr lang="en-GB" sz="2800" b="1" dirty="0"/>
-              <a:t>Django REST Framework</a:t>
-            </a:r>
-            <a:r>
-              <a:rPr lang="en-GB" sz="2800" dirty="0"/>
-              <a:t> – For creating REST APIs</a:t>
-            </a:r>
-          </a:p>
-          <a:p>
-            <a:pPr>
-              <a:buFont typeface="Arial" panose="020B0604020202020204" pitchFamily="34" charset="0"/>
-              <a:buChar char="•"/>
-            </a:pPr>
-            <a:r>
-              <a:rPr lang="en-GB" sz="2800" b="1" dirty="0"/>
-              <a:t>Django CORS Headers</a:t>
-            </a:r>
-            <a:r>
-              <a:rPr lang="en-GB" sz="2800" dirty="0"/>
-              <a:t> – To handle cross-origin requests</a:t>
+              <a:t>Backend (Express):</a:t>
             </a:r>
           </a:p>
           <a:p>
@@ -27458,7 +27267,7 @@
 </p:sld>
 </file>
 
-<file path=ppt/slides/slide49.xml><?xml version="1.0" encoding="utf-8"?>
+<file path=ppt/slides/slide48.xml><?xml version="1.0" encoding="utf-8"?>
 <p:sld xmlns:a="http://schemas.openxmlformats.org/drawingml/2006/main" xmlns:r="http://schemas.openxmlformats.org/officeDocument/2006/relationships" xmlns:p="http://schemas.openxmlformats.org/presentationml/2006/main">
   <p:cSld>
     <p:spTree>
@@ -27557,41 +27366,8 @@
             </a:r>
             <a:r>
               <a:rPr lang="en-GB" sz="2800" dirty="0"/>
-              <a:t> – For server-side HTTP requests (e.g., </a:t>
-            </a:r>
-            <a:r>
-              <a:rPr lang="en-GB" sz="2800" dirty="0" err="1"/>
-              <a:t>Gophish</a:t>
-            </a:r>
-            <a:r>
-              <a:rPr lang="en-GB" sz="2800" dirty="0"/>
-              <a:t> API)</a:t>
-            </a:r>
-          </a:p>
-          <a:p>
-            <a:pPr>
-              <a:buFont typeface="Arial" panose="020B0604020202020204" pitchFamily="34" charset="0"/>
-              <a:buChar char="•"/>
-            </a:pPr>
-            <a:r>
-              <a:rPr lang="en-GB" sz="2800" b="1" dirty="0"/>
-              <a:t>Django </a:t>
-            </a:r>
-            <a:r>
-              <a:rPr lang="en-GB" sz="2800" b="1" dirty="0" err="1"/>
-              <a:t>Allauth</a:t>
-            </a:r>
-            <a:r>
-              <a:rPr lang="en-GB" sz="2800" b="1" dirty="0"/>
-              <a:t> / Social Auth</a:t>
-            </a:r>
-            <a:r>
-              <a:rPr lang="en-GB" sz="2800" dirty="0"/>
-              <a:t> – For OAuth integration</a:t>
-            </a:r>
-          </a:p>
-          <a:p>
-            <a:endParaRPr lang="en-PK" sz="2800" dirty="0"/>
+              <a:t> – For server-side HTTP requests</a:t>
+            </a:r>
           </a:p>
         </p:txBody>
       </p:sp>
@@ -27599,6 +27375,146 @@
     <p:extLst>
       <p:ext uri="{BB962C8B-B14F-4D97-AF65-F5344CB8AC3E}">
         <p14:creationId xmlns:p14="http://schemas.microsoft.com/office/powerpoint/2010/main" val="3611066053"/>
+      </p:ext>
+    </p:extLst>
+  </p:cSld>
+  <p:clrMapOvr>
+    <a:masterClrMapping/>
+  </p:clrMapOvr>
+</p:sld>
+</file>
+
+<file path=ppt/slides/slide49.xml><?xml version="1.0" encoding="utf-8"?>
+<p:sld xmlns:a="http://schemas.openxmlformats.org/drawingml/2006/main" xmlns:r="http://schemas.openxmlformats.org/officeDocument/2006/relationships" xmlns:p="http://schemas.openxmlformats.org/presentationml/2006/main">
+  <p:cSld>
+    <p:spTree>
+      <p:nvGrpSpPr>
+        <p:cNvPr id="1" name=""/>
+        <p:cNvGrpSpPr/>
+        <p:nvPr/>
+      </p:nvGrpSpPr>
+      <p:grpSpPr>
+        <a:xfrm>
+          <a:off x="0" y="0"/>
+          <a:ext cx="0" cy="0"/>
+          <a:chOff x="0" y="0"/>
+          <a:chExt cx="0" cy="0"/>
+        </a:xfrm>
+      </p:grpSpPr>
+      <p:sp>
+        <p:nvSpPr>
+          <p:cNvPr id="2" name="Title 1">
+            <a:extLst>
+              <a:ext uri="{FF2B5EF4-FFF2-40B4-BE49-F238E27FC236}">
+                <a16:creationId xmlns:a16="http://schemas.microsoft.com/office/drawing/2014/main" id="{77F125E4-16FF-AD16-E9B3-4ABDFA472144}"/>
+              </a:ext>
+            </a:extLst>
+          </p:cNvPr>
+          <p:cNvSpPr>
+            <a:spLocks noGrp="1"/>
+          </p:cNvSpPr>
+          <p:nvPr>
+            <p:ph type="title"/>
+          </p:nvPr>
+        </p:nvSpPr>
+        <p:spPr/>
+        <p:txBody>
+          <a:bodyPr/>
+          <a:lstStyle/>
+          <a:p>
+            <a:r>
+              <a:rPr lang="en-US" dirty="0">
+                <a:solidFill>
+                  <a:srgbClr val="C00000"/>
+                </a:solidFill>
+              </a:rPr>
+              <a:t>Implementation</a:t>
+            </a:r>
+            <a:endParaRPr lang="en-PK" dirty="0">
+              <a:solidFill>
+                <a:srgbClr val="C00000"/>
+              </a:solidFill>
+            </a:endParaRPr>
+          </a:p>
+        </p:txBody>
+      </p:sp>
+      <p:sp>
+        <p:nvSpPr>
+          <p:cNvPr id="3" name="Text Placeholder 2">
+            <a:extLst>
+              <a:ext uri="{FF2B5EF4-FFF2-40B4-BE49-F238E27FC236}">
+                <a16:creationId xmlns:a16="http://schemas.microsoft.com/office/drawing/2014/main" id="{83A6D601-79D5-1CD6-F84D-B3BF0CA013DE}"/>
+              </a:ext>
+            </a:extLst>
+          </p:cNvPr>
+          <p:cNvSpPr>
+            <a:spLocks noGrp="1"/>
+          </p:cNvSpPr>
+          <p:nvPr>
+            <p:ph type="body" idx="1"/>
+          </p:nvPr>
+        </p:nvSpPr>
+        <p:spPr/>
+        <p:txBody>
+          <a:bodyPr/>
+          <a:lstStyle/>
+          <a:p>
+            <a:pPr>
+              <a:buNone/>
+            </a:pPr>
+            <a:r>
+              <a:rPr lang="en-GB" sz="2800" b="1" dirty="0"/>
+              <a:t>Components</a:t>
+            </a:r>
+          </a:p>
+          <a:p>
+            <a:pPr>
+              <a:buFont typeface="Arial" panose="020B0604020202020204" pitchFamily="34" charset="0"/>
+              <a:buChar char="•"/>
+            </a:pPr>
+            <a:r>
+              <a:rPr lang="en-GB" sz="2800" b="1" dirty="0"/>
+              <a:t>Authentication System</a:t>
+            </a:r>
+            <a:r>
+              <a:rPr lang="en-GB" sz="2800" dirty="0"/>
+              <a:t> – Login, registration, MFA, and token management</a:t>
+            </a:r>
+          </a:p>
+          <a:p>
+            <a:pPr>
+              <a:buFont typeface="Arial" panose="020B0604020202020204" pitchFamily="34" charset="0"/>
+              <a:buChar char="•"/>
+            </a:pPr>
+            <a:r>
+              <a:rPr lang="en-GB" sz="2800" b="1" dirty="0"/>
+              <a:t>Email Campaign Manager</a:t>
+            </a:r>
+            <a:r>
+              <a:rPr lang="en-GB" sz="2800" dirty="0"/>
+              <a:t> – Interface for phishing campaign creation and scheduling</a:t>
+            </a:r>
+          </a:p>
+          <a:p>
+            <a:pPr>
+              <a:buFont typeface="Arial" panose="020B0604020202020204" pitchFamily="34" charset="0"/>
+              <a:buChar char="•"/>
+            </a:pPr>
+            <a:r>
+              <a:rPr lang="en-GB" sz="2800" b="1" dirty="0"/>
+              <a:t>Real-Time Tracker</a:t>
+            </a:r>
+            <a:r>
+              <a:rPr lang="en-GB" sz="2800" dirty="0"/>
+              <a:t> – Tracks email interactions (open, click, submit)</a:t>
+            </a:r>
+          </a:p>
+        </p:txBody>
+      </p:sp>
+    </p:spTree>
+    <p:extLst>
+      <p:ext uri="{BB962C8B-B14F-4D97-AF65-F5344CB8AC3E}">
+        <p14:creationId xmlns:p14="http://schemas.microsoft.com/office/powerpoint/2010/main" val="3736650636"/>
       </p:ext>
     </p:extLst>
   </p:cSld>
@@ -27805,146 +27721,6 @@
           <p:cNvPr id="2" name="Title 1">
             <a:extLst>
               <a:ext uri="{FF2B5EF4-FFF2-40B4-BE49-F238E27FC236}">
-                <a16:creationId xmlns:a16="http://schemas.microsoft.com/office/drawing/2014/main" id="{77F125E4-16FF-AD16-E9B3-4ABDFA472144}"/>
-              </a:ext>
-            </a:extLst>
-          </p:cNvPr>
-          <p:cNvSpPr>
-            <a:spLocks noGrp="1"/>
-          </p:cNvSpPr>
-          <p:nvPr>
-            <p:ph type="title"/>
-          </p:nvPr>
-        </p:nvSpPr>
-        <p:spPr/>
-        <p:txBody>
-          <a:bodyPr/>
-          <a:lstStyle/>
-          <a:p>
-            <a:r>
-              <a:rPr lang="en-US" dirty="0">
-                <a:solidFill>
-                  <a:srgbClr val="C00000"/>
-                </a:solidFill>
-              </a:rPr>
-              <a:t>Implementation</a:t>
-            </a:r>
-            <a:endParaRPr lang="en-PK" dirty="0">
-              <a:solidFill>
-                <a:srgbClr val="C00000"/>
-              </a:solidFill>
-            </a:endParaRPr>
-          </a:p>
-        </p:txBody>
-      </p:sp>
-      <p:sp>
-        <p:nvSpPr>
-          <p:cNvPr id="3" name="Text Placeholder 2">
-            <a:extLst>
-              <a:ext uri="{FF2B5EF4-FFF2-40B4-BE49-F238E27FC236}">
-                <a16:creationId xmlns:a16="http://schemas.microsoft.com/office/drawing/2014/main" id="{83A6D601-79D5-1CD6-F84D-B3BF0CA013DE}"/>
-              </a:ext>
-            </a:extLst>
-          </p:cNvPr>
-          <p:cNvSpPr>
-            <a:spLocks noGrp="1"/>
-          </p:cNvSpPr>
-          <p:nvPr>
-            <p:ph type="body" idx="1"/>
-          </p:nvPr>
-        </p:nvSpPr>
-        <p:spPr/>
-        <p:txBody>
-          <a:bodyPr/>
-          <a:lstStyle/>
-          <a:p>
-            <a:pPr>
-              <a:buNone/>
-            </a:pPr>
-            <a:r>
-              <a:rPr lang="en-GB" sz="2800" b="1" dirty="0"/>
-              <a:t>Components</a:t>
-            </a:r>
-          </a:p>
-          <a:p>
-            <a:pPr>
-              <a:buFont typeface="Arial" panose="020B0604020202020204" pitchFamily="34" charset="0"/>
-              <a:buChar char="•"/>
-            </a:pPr>
-            <a:r>
-              <a:rPr lang="en-GB" sz="2800" b="1" dirty="0"/>
-              <a:t>Authentication System</a:t>
-            </a:r>
-            <a:r>
-              <a:rPr lang="en-GB" sz="2800" dirty="0"/>
-              <a:t> – Login, registration, MFA, and token management</a:t>
-            </a:r>
-          </a:p>
-          <a:p>
-            <a:pPr>
-              <a:buFont typeface="Arial" panose="020B0604020202020204" pitchFamily="34" charset="0"/>
-              <a:buChar char="•"/>
-            </a:pPr>
-            <a:r>
-              <a:rPr lang="en-GB" sz="2800" b="1" dirty="0"/>
-              <a:t>Email Campaign Manager</a:t>
-            </a:r>
-            <a:r>
-              <a:rPr lang="en-GB" sz="2800" dirty="0"/>
-              <a:t> – Interface for phishing campaign creation and scheduling</a:t>
-            </a:r>
-          </a:p>
-          <a:p>
-            <a:pPr>
-              <a:buFont typeface="Arial" panose="020B0604020202020204" pitchFamily="34" charset="0"/>
-              <a:buChar char="•"/>
-            </a:pPr>
-            <a:r>
-              <a:rPr lang="en-GB" sz="2800" b="1" dirty="0"/>
-              <a:t>Real-Time Tracker</a:t>
-            </a:r>
-            <a:r>
-              <a:rPr lang="en-GB" sz="2800" dirty="0"/>
-              <a:t> – Tracks email interactions (open, click, submit)</a:t>
-            </a:r>
-          </a:p>
-        </p:txBody>
-      </p:sp>
-    </p:spTree>
-    <p:extLst>
-      <p:ext uri="{BB962C8B-B14F-4D97-AF65-F5344CB8AC3E}">
-        <p14:creationId xmlns:p14="http://schemas.microsoft.com/office/powerpoint/2010/main" val="3736650636"/>
-      </p:ext>
-    </p:extLst>
-  </p:cSld>
-  <p:clrMapOvr>
-    <a:masterClrMapping/>
-  </p:clrMapOvr>
-</p:sld>
-</file>
-
-<file path=ppt/slides/slide51.xml><?xml version="1.0" encoding="utf-8"?>
-<p:sld xmlns:a="http://schemas.openxmlformats.org/drawingml/2006/main" xmlns:r="http://schemas.openxmlformats.org/officeDocument/2006/relationships" xmlns:p="http://schemas.openxmlformats.org/presentationml/2006/main">
-  <p:cSld>
-    <p:spTree>
-      <p:nvGrpSpPr>
-        <p:cNvPr id="1" name=""/>
-        <p:cNvGrpSpPr/>
-        <p:nvPr/>
-      </p:nvGrpSpPr>
-      <p:grpSpPr>
-        <a:xfrm>
-          <a:off x="0" y="0"/>
-          <a:ext cx="0" cy="0"/>
-          <a:chOff x="0" y="0"/>
-          <a:chExt cx="0" cy="0"/>
-        </a:xfrm>
-      </p:grpSpPr>
-      <p:sp>
-        <p:nvSpPr>
-          <p:cNvPr id="2" name="Title 1">
-            <a:extLst>
-              <a:ext uri="{FF2B5EF4-FFF2-40B4-BE49-F238E27FC236}">
                 <a16:creationId xmlns:a16="http://schemas.microsoft.com/office/drawing/2014/main" id="{941306E5-1673-F3D3-513D-470B4C641816}"/>
               </a:ext>
             </a:extLst>
@@ -28064,7 +27840,7 @@
 </p:sld>
 </file>
 
-<file path=ppt/slides/slide52.xml><?xml version="1.0" encoding="utf-8"?>
+<file path=ppt/slides/slide51.xml><?xml version="1.0" encoding="utf-8"?>
 <p:sld xmlns:a="http://schemas.openxmlformats.org/drawingml/2006/main" xmlns:r="http://schemas.openxmlformats.org/officeDocument/2006/relationships" xmlns:p="http://schemas.openxmlformats.org/presentationml/2006/main">
   <p:cSld>
     <p:spTree>
@@ -28153,44 +27929,12 @@
               <a:buChar char="•"/>
             </a:pPr>
             <a:r>
-              <a:rPr lang="en-GB" sz="2800" b="1" dirty="0" err="1"/>
-              <a:t>Gophish</a:t>
-            </a:r>
-            <a:r>
               <a:rPr lang="en-GB" sz="2800" b="1" dirty="0"/>
-              <a:t> API</a:t>
+              <a:t>API</a:t>
             </a:r>
             <a:r>
               <a:rPr lang="en-GB" sz="2800" dirty="0"/>
               <a:t> – For launching, managing, and tracking phishing campaigns</a:t>
-            </a:r>
-          </a:p>
-          <a:p>
-            <a:pPr>
-              <a:buFont typeface="Arial" panose="020B0604020202020204" pitchFamily="34" charset="0"/>
-              <a:buChar char="•"/>
-            </a:pPr>
-            <a:r>
-              <a:rPr lang="en-GB" sz="2800" b="1" dirty="0"/>
-              <a:t>Google reCAPTCHA API</a:t>
-            </a:r>
-            <a:r>
-              <a:rPr lang="en-GB" sz="2800" dirty="0"/>
-              <a:t> – For bot prevention on login/registration forms</a:t>
-            </a:r>
-          </a:p>
-          <a:p>
-            <a:pPr>
-              <a:buFont typeface="Arial" panose="020B0604020202020204" pitchFamily="34" charset="0"/>
-              <a:buChar char="•"/>
-            </a:pPr>
-            <a:r>
-              <a:rPr lang="en-GB" sz="2800" b="1" dirty="0"/>
-              <a:t>OAuth 2.0 Providers (e.g., Google)</a:t>
-            </a:r>
-            <a:r>
-              <a:rPr lang="en-GB" sz="2800" dirty="0"/>
-              <a:t> – For secure federated login</a:t>
             </a:r>
           </a:p>
           <a:p>
@@ -28225,7 +27969,7 @@
 </p:sld>
 </file>
 
-<file path=ppt/slides/slide53.xml><?xml version="1.0" encoding="utf-8"?>
+<file path=ppt/slides/slide52.xml><?xml version="1.0" encoding="utf-8"?>
 <p:sld xmlns:a="http://schemas.openxmlformats.org/drawingml/2006/main" xmlns:r="http://schemas.openxmlformats.org/officeDocument/2006/relationships" xmlns:p="http://schemas.openxmlformats.org/presentationml/2006/main">
   <p:cSld>
     <p:spTree>
@@ -28446,7 +28190,7 @@
 </p:sld>
 </file>
 
-<file path=ppt/slides/slide54.xml><?xml version="1.0" encoding="utf-8"?>
+<file path=ppt/slides/slide53.xml><?xml version="1.0" encoding="utf-8"?>
 <p:sld xmlns:a="http://schemas.openxmlformats.org/drawingml/2006/main" xmlns:r="http://schemas.openxmlformats.org/officeDocument/2006/relationships" xmlns:p="http://schemas.openxmlformats.org/presentationml/2006/main">
   <p:cSld>
     <p:spTree>
@@ -28593,7 +28337,55 @@
                 <a:ea typeface="Times New Roman" panose="02020603050405020304" pitchFamily="18" charset="0"/>
                 <a:cs typeface="Calibri" panose="020F0502020204030204" pitchFamily="34" charset="0"/>
               </a:rPr>
-              <a:t>Backend: Django (Python), Database</a:t>
+              <a:t>Backend: </a:t>
+            </a:r>
+            <a:r>
+              <a:rPr lang="en-US" sz="2800" dirty="0">
+                <a:solidFill>
+                  <a:srgbClr val="000000"/>
+                </a:solidFill>
+                <a:effectLst/>
+                <a:latin typeface="Calibri" panose="020F0502020204030204" pitchFamily="34" charset="0"/>
+                <a:ea typeface="Times New Roman" panose="02020603050405020304" pitchFamily="18" charset="0"/>
+                <a:cs typeface="Calibri" panose="020F0502020204030204" pitchFamily="34" charset="0"/>
+              </a:rPr>
+              <a:t>Express</a:t>
+            </a:r>
+            <a:r>
+              <a:rPr lang="en-PK" sz="2800" dirty="0">
+                <a:solidFill>
+                  <a:srgbClr val="000000"/>
+                </a:solidFill>
+                <a:effectLst/>
+                <a:latin typeface="Calibri" panose="020F0502020204030204" pitchFamily="34" charset="0"/>
+                <a:ea typeface="Times New Roman" panose="02020603050405020304" pitchFamily="18" charset="0"/>
+                <a:cs typeface="Calibri" panose="020F0502020204030204" pitchFamily="34" charset="0"/>
+              </a:rPr>
+              <a:t> (</a:t>
+            </a:r>
+            <a:r>
+              <a:rPr lang="en-US" sz="2800" dirty="0" err="1">
+                <a:solidFill>
+                  <a:srgbClr val="000000"/>
+                </a:solidFill>
+                <a:effectLst/>
+                <a:latin typeface="Calibri" panose="020F0502020204030204" pitchFamily="34" charset="0"/>
+                <a:ea typeface="Times New Roman" panose="02020603050405020304" pitchFamily="18" charset="0"/>
+                <a:cs typeface="Calibri" panose="020F0502020204030204" pitchFamily="34" charset="0"/>
+              </a:rPr>
+              <a:t>js</a:t>
+            </a:r>
+            <a:r>
+              <a:rPr lang="en-PK" sz="2800" dirty="0">
+                <a:solidFill>
+                  <a:srgbClr val="000000"/>
+                </a:solidFill>
+                <a:effectLst/>
+                <a:latin typeface="Calibri" panose="020F0502020204030204" pitchFamily="34" charset="0"/>
+                <a:ea typeface="Times New Roman" panose="02020603050405020304" pitchFamily="18" charset="0"/>
+                <a:cs typeface="Calibri" panose="020F0502020204030204" pitchFamily="34" charset="0"/>
+              </a:rPr>
+              <a:t>), Database</a:t>
             </a:r>
           </a:p>
           <a:p>
@@ -28643,7 +28435,7 @@
                 <a:ea typeface="Times New Roman" panose="02020603050405020304" pitchFamily="18" charset="0"/>
                 <a:cs typeface="Calibri" panose="020F0502020204030204" pitchFamily="34" charset="0"/>
               </a:rPr>
-              <a:t>Tools: Docker, GitHub, GitHub Actions, Jest, Cypress</a:t>
+              <a:t>Tools: GitHub, Jest, Cypress</a:t>
             </a:r>
           </a:p>
           <a:p>
@@ -28664,7 +28456,7 @@
 </p:sld>
 </file>
 
-<file path=ppt/slides/slide55.xml><?xml version="1.0" encoding="utf-8"?>
+<file path=ppt/slides/slide54.xml><?xml version="1.0" encoding="utf-8"?>
 <p:sld xmlns:a="http://schemas.openxmlformats.org/drawingml/2006/main" xmlns:r="http://schemas.openxmlformats.org/officeDocument/2006/relationships" xmlns:p="http://schemas.openxmlformats.org/presentationml/2006/main">
   <p:cSld>
     <p:spTree>
@@ -28864,7 +28656,7 @@
 </p:sld>
 </file>
 
-<file path=ppt/slides/slide56.xml><?xml version="1.0" encoding="utf-8"?>
+<file path=ppt/slides/slide55.xml><?xml version="1.0" encoding="utf-8"?>
 <p:sld xmlns:a="http://schemas.openxmlformats.org/drawingml/2006/main" xmlns:r="http://schemas.openxmlformats.org/officeDocument/2006/relationships" xmlns:p="http://schemas.openxmlformats.org/presentationml/2006/main">
   <p:cSld>
     <p:spTree>
@@ -29038,7 +28830,7 @@
 </p:sld>
 </file>
 
-<file path=ppt/slides/slide57.xml><?xml version="1.0" encoding="utf-8"?>
+<file path=ppt/slides/slide56.xml><?xml version="1.0" encoding="utf-8"?>
 <p:sld xmlns:a="http://schemas.openxmlformats.org/drawingml/2006/main" xmlns:r="http://schemas.openxmlformats.org/officeDocument/2006/relationships" xmlns:p="http://schemas.openxmlformats.org/presentationml/2006/main">
   <p:cSld>
     <p:spTree>
@@ -29200,7 +28992,7 @@
 </p:sld>
 </file>
 
-<file path=ppt/slides/slide58.xml><?xml version="1.0" encoding="utf-8"?>
+<file path=ppt/slides/slide57.xml><?xml version="1.0" encoding="utf-8"?>
 <p:sld xmlns:a="http://schemas.openxmlformats.org/drawingml/2006/main" xmlns:r="http://schemas.openxmlformats.org/officeDocument/2006/relationships" xmlns:p="http://schemas.openxmlformats.org/presentationml/2006/main">
   <p:cSld>
     <p:spTree>
@@ -29383,7 +29175,7 @@
 </p:sld>
 </file>
 
-<file path=ppt/slides/slide59.xml><?xml version="1.0" encoding="utf-8"?>
+<file path=ppt/slides/slide58.xml><?xml version="1.0" encoding="utf-8"?>
 <p:sld xmlns:a="http://schemas.openxmlformats.org/drawingml/2006/main" xmlns:r="http://schemas.openxmlformats.org/officeDocument/2006/relationships" xmlns:p="http://schemas.openxmlformats.org/presentationml/2006/main">
   <p:cSld>
     <p:spTree>
@@ -29521,6 +29313,167 @@
     <p:extLst>
       <p:ext uri="{BB962C8B-B14F-4D97-AF65-F5344CB8AC3E}">
         <p14:creationId xmlns:p14="http://schemas.microsoft.com/office/powerpoint/2010/main" val="3372659393"/>
+      </p:ext>
+    </p:extLst>
+  </p:cSld>
+  <p:clrMapOvr>
+    <a:masterClrMapping/>
+  </p:clrMapOvr>
+</p:sld>
+</file>
+
+<file path=ppt/slides/slide59.xml><?xml version="1.0" encoding="utf-8"?>
+<p:sld xmlns:a="http://schemas.openxmlformats.org/drawingml/2006/main" xmlns:r="http://schemas.openxmlformats.org/officeDocument/2006/relationships" xmlns:p="http://schemas.openxmlformats.org/presentationml/2006/main">
+  <p:cSld>
+    <p:spTree>
+      <p:nvGrpSpPr>
+        <p:cNvPr id="1" name=""/>
+        <p:cNvGrpSpPr/>
+        <p:nvPr/>
+      </p:nvGrpSpPr>
+      <p:grpSpPr>
+        <a:xfrm>
+          <a:off x="0" y="0"/>
+          <a:ext cx="0" cy="0"/>
+          <a:chOff x="0" y="0"/>
+          <a:chExt cx="0" cy="0"/>
+        </a:xfrm>
+      </p:grpSpPr>
+      <p:sp>
+        <p:nvSpPr>
+          <p:cNvPr id="2" name="Title 1">
+            <a:extLst>
+              <a:ext uri="{FF2B5EF4-FFF2-40B4-BE49-F238E27FC236}">
+                <a16:creationId xmlns:a16="http://schemas.microsoft.com/office/drawing/2014/main" id="{000607CB-0F73-69D5-F49B-BC7B91944829}"/>
+              </a:ext>
+            </a:extLst>
+          </p:cNvPr>
+          <p:cNvSpPr>
+            <a:spLocks noGrp="1"/>
+          </p:cNvSpPr>
+          <p:nvPr>
+            <p:ph type="title"/>
+          </p:nvPr>
+        </p:nvSpPr>
+        <p:spPr/>
+        <p:txBody>
+          <a:bodyPr/>
+          <a:lstStyle/>
+          <a:p>
+            <a:r>
+              <a:rPr lang="en-US" dirty="0">
+                <a:solidFill>
+                  <a:srgbClr val="C00000"/>
+                </a:solidFill>
+              </a:rPr>
+              <a:t>Testing</a:t>
+            </a:r>
+            <a:endParaRPr lang="en-PK" dirty="0">
+              <a:solidFill>
+                <a:srgbClr val="C00000"/>
+              </a:solidFill>
+            </a:endParaRPr>
+          </a:p>
+        </p:txBody>
+      </p:sp>
+      <p:sp>
+        <p:nvSpPr>
+          <p:cNvPr id="3" name="Text Placeholder 2">
+            <a:extLst>
+              <a:ext uri="{FF2B5EF4-FFF2-40B4-BE49-F238E27FC236}">
+                <a16:creationId xmlns:a16="http://schemas.microsoft.com/office/drawing/2014/main" id="{6D498138-668B-D5EA-1ED8-CCB41528F22E}"/>
+              </a:ext>
+            </a:extLst>
+          </p:cNvPr>
+          <p:cNvSpPr>
+            <a:spLocks noGrp="1"/>
+          </p:cNvSpPr>
+          <p:nvPr>
+            <p:ph type="body" idx="1"/>
+          </p:nvPr>
+        </p:nvSpPr>
+        <p:spPr/>
+        <p:txBody>
+          <a:bodyPr/>
+          <a:lstStyle/>
+          <a:p>
+            <a:pPr>
+              <a:buFont typeface="Arial" panose="020B0604020202020204" pitchFamily="34" charset="0"/>
+              <a:buChar char="•"/>
+            </a:pPr>
+            <a:r>
+              <a:rPr lang="en-GB" sz="2800" b="1" dirty="0"/>
+              <a:t>Analytics Dashboard Accuracy</a:t>
+            </a:r>
+            <a:r>
+              <a:rPr lang="en-GB" sz="2800" dirty="0"/>
+              <a:t> – Ensure real-time updates reflect actual clicks</a:t>
+            </a:r>
+          </a:p>
+          <a:p>
+            <a:pPr>
+              <a:buFont typeface="Arial" panose="020B0604020202020204" pitchFamily="34" charset="0"/>
+              <a:buChar char="•"/>
+            </a:pPr>
+            <a:r>
+              <a:rPr lang="en-GB" sz="2800" b="1" dirty="0"/>
+              <a:t>ReCAPTCHA Check</a:t>
+            </a:r>
+            <a:r>
+              <a:rPr lang="en-GB" sz="2800" dirty="0"/>
+              <a:t> – Prevent automated login attempts</a:t>
+            </a:r>
+          </a:p>
+          <a:p>
+            <a:pPr>
+              <a:buNone/>
+            </a:pPr>
+            <a:r>
+              <a:rPr lang="en-PK" sz="2800" b="1" dirty="0"/>
+              <a:t>5. </a:t>
+            </a:r>
+            <a:r>
+              <a:rPr lang="en-GB" sz="2800" b="1" dirty="0"/>
+              <a:t>Results &amp; Observations</a:t>
+            </a:r>
+          </a:p>
+          <a:p>
+            <a:pPr>
+              <a:buFont typeface="Arial" panose="020B0604020202020204" pitchFamily="34" charset="0"/>
+              <a:buChar char="•"/>
+            </a:pPr>
+            <a:r>
+              <a:rPr lang="en-GB" sz="2800" b="1" dirty="0"/>
+              <a:t>All critical paths passed</a:t>
+            </a:r>
+            <a:r>
+              <a:rPr lang="en-GB" sz="2800" dirty="0"/>
+              <a:t> (login, campaign, tracking, RBAC enforcement)</a:t>
+            </a:r>
+          </a:p>
+          <a:p>
+            <a:pPr>
+              <a:buFont typeface="Arial" panose="020B0604020202020204" pitchFamily="34" charset="0"/>
+              <a:buChar char="•"/>
+            </a:pPr>
+            <a:r>
+              <a:rPr lang="en-GB" sz="2800" b="1" dirty="0"/>
+              <a:t>Security vulnerabilities mitigated</a:t>
+            </a:r>
+            <a:r>
+              <a:rPr lang="en-GB" sz="2800" dirty="0"/>
+              <a:t> with WAF, token auth, and rate limits</a:t>
+            </a:r>
+          </a:p>
+          <a:p>
+            <a:endParaRPr lang="en-PK" sz="2800" dirty="0"/>
+          </a:p>
+        </p:txBody>
+      </p:sp>
+    </p:spTree>
+    <p:extLst>
+      <p:ext uri="{BB962C8B-B14F-4D97-AF65-F5344CB8AC3E}">
+        <p14:creationId xmlns:p14="http://schemas.microsoft.com/office/powerpoint/2010/main" val="671261424"/>
       </p:ext>
     </p:extLst>
   </p:cSld>
@@ -29703,167 +29656,6 @@
           <p:cNvPr id="2" name="Title 1">
             <a:extLst>
               <a:ext uri="{FF2B5EF4-FFF2-40B4-BE49-F238E27FC236}">
-                <a16:creationId xmlns:a16="http://schemas.microsoft.com/office/drawing/2014/main" id="{000607CB-0F73-69D5-F49B-BC7B91944829}"/>
-              </a:ext>
-            </a:extLst>
-          </p:cNvPr>
-          <p:cNvSpPr>
-            <a:spLocks noGrp="1"/>
-          </p:cNvSpPr>
-          <p:nvPr>
-            <p:ph type="title"/>
-          </p:nvPr>
-        </p:nvSpPr>
-        <p:spPr/>
-        <p:txBody>
-          <a:bodyPr/>
-          <a:lstStyle/>
-          <a:p>
-            <a:r>
-              <a:rPr lang="en-US" dirty="0">
-                <a:solidFill>
-                  <a:srgbClr val="C00000"/>
-                </a:solidFill>
-              </a:rPr>
-              <a:t>Testing</a:t>
-            </a:r>
-            <a:endParaRPr lang="en-PK" dirty="0">
-              <a:solidFill>
-                <a:srgbClr val="C00000"/>
-              </a:solidFill>
-            </a:endParaRPr>
-          </a:p>
-        </p:txBody>
-      </p:sp>
-      <p:sp>
-        <p:nvSpPr>
-          <p:cNvPr id="3" name="Text Placeholder 2">
-            <a:extLst>
-              <a:ext uri="{FF2B5EF4-FFF2-40B4-BE49-F238E27FC236}">
-                <a16:creationId xmlns:a16="http://schemas.microsoft.com/office/drawing/2014/main" id="{6D498138-668B-D5EA-1ED8-CCB41528F22E}"/>
-              </a:ext>
-            </a:extLst>
-          </p:cNvPr>
-          <p:cNvSpPr>
-            <a:spLocks noGrp="1"/>
-          </p:cNvSpPr>
-          <p:nvPr>
-            <p:ph type="body" idx="1"/>
-          </p:nvPr>
-        </p:nvSpPr>
-        <p:spPr/>
-        <p:txBody>
-          <a:bodyPr/>
-          <a:lstStyle/>
-          <a:p>
-            <a:pPr>
-              <a:buFont typeface="Arial" panose="020B0604020202020204" pitchFamily="34" charset="0"/>
-              <a:buChar char="•"/>
-            </a:pPr>
-            <a:r>
-              <a:rPr lang="en-GB" sz="2800" b="1" dirty="0"/>
-              <a:t>Analytics Dashboard Accuracy</a:t>
-            </a:r>
-            <a:r>
-              <a:rPr lang="en-GB" sz="2800" dirty="0"/>
-              <a:t> – Ensure real-time updates reflect actual clicks</a:t>
-            </a:r>
-          </a:p>
-          <a:p>
-            <a:pPr>
-              <a:buFont typeface="Arial" panose="020B0604020202020204" pitchFamily="34" charset="0"/>
-              <a:buChar char="•"/>
-            </a:pPr>
-            <a:r>
-              <a:rPr lang="en-GB" sz="2800" b="1" dirty="0"/>
-              <a:t>ReCAPTCHA Check</a:t>
-            </a:r>
-            <a:r>
-              <a:rPr lang="en-GB" sz="2800" dirty="0"/>
-              <a:t> – Prevent automated login attempts</a:t>
-            </a:r>
-          </a:p>
-          <a:p>
-            <a:pPr>
-              <a:buNone/>
-            </a:pPr>
-            <a:r>
-              <a:rPr lang="en-PK" sz="2800" b="1" dirty="0"/>
-              <a:t>5. </a:t>
-            </a:r>
-            <a:r>
-              <a:rPr lang="en-GB" sz="2800" b="1" dirty="0"/>
-              <a:t>Results &amp; Observations</a:t>
-            </a:r>
-          </a:p>
-          <a:p>
-            <a:pPr>
-              <a:buFont typeface="Arial" panose="020B0604020202020204" pitchFamily="34" charset="0"/>
-              <a:buChar char="•"/>
-            </a:pPr>
-            <a:r>
-              <a:rPr lang="en-GB" sz="2800" b="1" dirty="0"/>
-              <a:t>All critical paths passed</a:t>
-            </a:r>
-            <a:r>
-              <a:rPr lang="en-GB" sz="2800" dirty="0"/>
-              <a:t> (login, campaign, tracking, RBAC enforcement)</a:t>
-            </a:r>
-          </a:p>
-          <a:p>
-            <a:pPr>
-              <a:buFont typeface="Arial" panose="020B0604020202020204" pitchFamily="34" charset="0"/>
-              <a:buChar char="•"/>
-            </a:pPr>
-            <a:r>
-              <a:rPr lang="en-GB" sz="2800" b="1" dirty="0"/>
-              <a:t>Security vulnerabilities mitigated</a:t>
-            </a:r>
-            <a:r>
-              <a:rPr lang="en-GB" sz="2800" dirty="0"/>
-              <a:t> with WAF, token auth, and rate limits</a:t>
-            </a:r>
-          </a:p>
-          <a:p>
-            <a:endParaRPr lang="en-PK" sz="2800" dirty="0"/>
-          </a:p>
-        </p:txBody>
-      </p:sp>
-    </p:spTree>
-    <p:extLst>
-      <p:ext uri="{BB962C8B-B14F-4D97-AF65-F5344CB8AC3E}">
-        <p14:creationId xmlns:p14="http://schemas.microsoft.com/office/powerpoint/2010/main" val="671261424"/>
-      </p:ext>
-    </p:extLst>
-  </p:cSld>
-  <p:clrMapOvr>
-    <a:masterClrMapping/>
-  </p:clrMapOvr>
-</p:sld>
-</file>
-
-<file path=ppt/slides/slide61.xml><?xml version="1.0" encoding="utf-8"?>
-<p:sld xmlns:a="http://schemas.openxmlformats.org/drawingml/2006/main" xmlns:r="http://schemas.openxmlformats.org/officeDocument/2006/relationships" xmlns:p="http://schemas.openxmlformats.org/presentationml/2006/main">
-  <p:cSld>
-    <p:spTree>
-      <p:nvGrpSpPr>
-        <p:cNvPr id="1" name=""/>
-        <p:cNvGrpSpPr/>
-        <p:nvPr/>
-      </p:nvGrpSpPr>
-      <p:grpSpPr>
-        <a:xfrm>
-          <a:off x="0" y="0"/>
-          <a:ext cx="0" cy="0"/>
-          <a:chOff x="0" y="0"/>
-          <a:chExt cx="0" cy="0"/>
-        </a:xfrm>
-      </p:grpSpPr>
-      <p:sp>
-        <p:nvSpPr>
-          <p:cNvPr id="2" name="Title 1">
-            <a:extLst>
-              <a:ext uri="{FF2B5EF4-FFF2-40B4-BE49-F238E27FC236}">
                 <a16:creationId xmlns:a16="http://schemas.microsoft.com/office/drawing/2014/main" id="{1BEBA162-197E-A31B-C10A-4947F517368B}"/>
               </a:ext>
             </a:extLst>
@@ -30017,7 +29809,7 @@
 </p:sld>
 </file>
 
-<file path=ppt/slides/slide62.xml><?xml version="1.0" encoding="utf-8"?>
+<file path=ppt/slides/slide61.xml><?xml version="1.0" encoding="utf-8"?>
 <p:sld xmlns:a="http://schemas.openxmlformats.org/drawingml/2006/main" xmlns:r="http://schemas.openxmlformats.org/officeDocument/2006/relationships" xmlns:p="http://schemas.openxmlformats.org/presentationml/2006/main">
   <p:cSld>
     <p:spTree>
@@ -30142,7 +29934,7 @@
 </p:sld>
 </file>
 
-<file path=ppt/slides/slide63.xml><?xml version="1.0" encoding="utf-8"?>
+<file path=ppt/slides/slide62.xml><?xml version="1.0" encoding="utf-8"?>
 <p:sld xmlns:a="http://schemas.openxmlformats.org/drawingml/2006/main" xmlns:r="http://schemas.openxmlformats.org/officeDocument/2006/relationships" xmlns:p="http://schemas.openxmlformats.org/presentationml/2006/main">
   <p:cSld>
     <p:spTree>
@@ -30552,7 +30344,7 @@
 </p:sld>
 </file>
 
-<file path=ppt/slides/slide64.xml><?xml version="1.0" encoding="utf-8"?>
+<file path=ppt/slides/slide63.xml><?xml version="1.0" encoding="utf-8"?>
 <p:sld xmlns:a="http://schemas.openxmlformats.org/drawingml/2006/main" xmlns:r="http://schemas.openxmlformats.org/officeDocument/2006/relationships" xmlns:p="http://schemas.openxmlformats.org/presentationml/2006/main">
   <p:cSld>
     <p:spTree>
@@ -30704,7 +30496,7 @@
 </p:sld>
 </file>
 
-<file path=ppt/slides/slide65.xml><?xml version="1.0" encoding="utf-8"?>
+<file path=ppt/slides/slide64.xml><?xml version="1.0" encoding="utf-8"?>
 <p:sld xmlns:a="http://schemas.openxmlformats.org/drawingml/2006/main" xmlns:r="http://schemas.openxmlformats.org/officeDocument/2006/relationships" xmlns:p="http://schemas.openxmlformats.org/presentationml/2006/main">
   <p:cSld>
     <p:spTree>
@@ -30847,7 +30639,7 @@
 </p:sld>
 </file>
 
-<file path=ppt/slides/slide66.xml><?xml version="1.0" encoding="utf-8"?>
+<file path=ppt/slides/slide65.xml><?xml version="1.0" encoding="utf-8"?>
 <p:sld xmlns:a="http://schemas.openxmlformats.org/drawingml/2006/main" xmlns:r="http://schemas.openxmlformats.org/officeDocument/2006/relationships" xmlns:p="http://schemas.openxmlformats.org/presentationml/2006/main">
   <p:cSld>
     <p:spTree>
@@ -31005,7 +30797,7 @@
 </p:sld>
 </file>
 
-<file path=ppt/slides/slide67.xml><?xml version="1.0" encoding="utf-8"?>
+<file path=ppt/slides/slide66.xml><?xml version="1.0" encoding="utf-8"?>
 <p:sld xmlns:a="http://schemas.openxmlformats.org/drawingml/2006/main" xmlns:r="http://schemas.openxmlformats.org/officeDocument/2006/relationships" xmlns:p="http://schemas.openxmlformats.org/presentationml/2006/main">
   <p:cSld>
     <p:spTree>
@@ -31167,7 +30959,7 @@
 </p:sld>
 </file>
 
-<file path=ppt/slides/slide68.xml><?xml version="1.0" encoding="utf-8"?>
+<file path=ppt/slides/slide67.xml><?xml version="1.0" encoding="utf-8"?>
 <p:sld xmlns:a="http://schemas.openxmlformats.org/drawingml/2006/main" xmlns:r="http://schemas.openxmlformats.org/officeDocument/2006/relationships" xmlns:p="http://schemas.openxmlformats.org/presentationml/2006/main">
   <p:cSld>
     <p:spTree>
@@ -31336,7 +31128,7 @@
 </p:sld>
 </file>
 
-<file path=ppt/slides/slide69.xml><?xml version="1.0" encoding="utf-8"?>
+<file path=ppt/slides/slide68.xml><?xml version="1.0" encoding="utf-8"?>
 <p:sld xmlns:a="http://schemas.openxmlformats.org/drawingml/2006/main" xmlns:r="http://schemas.openxmlformats.org/officeDocument/2006/relationships" xmlns:p="http://schemas.openxmlformats.org/presentationml/2006/main">
   <p:cSld>
     <p:spTree>
@@ -31471,6 +31263,178 @@
     <p:extLst>
       <p:ext uri="{BB962C8B-B14F-4D97-AF65-F5344CB8AC3E}">
         <p14:creationId xmlns:p14="http://schemas.microsoft.com/office/powerpoint/2010/main" val="3425642810"/>
+      </p:ext>
+    </p:extLst>
+  </p:cSld>
+  <p:clrMapOvr>
+    <a:masterClrMapping/>
+  </p:clrMapOvr>
+</p:sld>
+</file>
+
+<file path=ppt/slides/slide69.xml><?xml version="1.0" encoding="utf-8"?>
+<p:sld xmlns:a="http://schemas.openxmlformats.org/drawingml/2006/main" xmlns:r="http://schemas.openxmlformats.org/officeDocument/2006/relationships" xmlns:p="http://schemas.openxmlformats.org/presentationml/2006/main">
+  <p:cSld>
+    <p:spTree>
+      <p:nvGrpSpPr>
+        <p:cNvPr id="1" name=""/>
+        <p:cNvGrpSpPr/>
+        <p:nvPr/>
+      </p:nvGrpSpPr>
+      <p:grpSpPr>
+        <a:xfrm>
+          <a:off x="0" y="0"/>
+          <a:ext cx="0" cy="0"/>
+          <a:chOff x="0" y="0"/>
+          <a:chExt cx="0" cy="0"/>
+        </a:xfrm>
+      </p:grpSpPr>
+      <p:sp>
+        <p:nvSpPr>
+          <p:cNvPr id="2" name="Title 1">
+            <a:extLst>
+              <a:ext uri="{FF2B5EF4-FFF2-40B4-BE49-F238E27FC236}">
+                <a16:creationId xmlns:a16="http://schemas.microsoft.com/office/drawing/2014/main" id="{567E9EC4-AD2E-D74E-68CF-65BA9C81AE11}"/>
+              </a:ext>
+            </a:extLst>
+          </p:cNvPr>
+          <p:cNvSpPr>
+            <a:spLocks noGrp="1"/>
+          </p:cNvSpPr>
+          <p:nvPr>
+            <p:ph type="title"/>
+          </p:nvPr>
+        </p:nvSpPr>
+        <p:spPr/>
+        <p:txBody>
+          <a:bodyPr/>
+          <a:lstStyle/>
+          <a:p>
+            <a:r>
+              <a:rPr lang="en-US" dirty="0">
+                <a:solidFill>
+                  <a:srgbClr val="C00000"/>
+                </a:solidFill>
+              </a:rPr>
+              <a:t>Endeavour</a:t>
+            </a:r>
+            <a:endParaRPr lang="en-PK" dirty="0">
+              <a:solidFill>
+                <a:srgbClr val="C00000"/>
+              </a:solidFill>
+            </a:endParaRPr>
+          </a:p>
+        </p:txBody>
+      </p:sp>
+      <p:sp>
+        <p:nvSpPr>
+          <p:cNvPr id="3" name="Text Placeholder 2">
+            <a:extLst>
+              <a:ext uri="{FF2B5EF4-FFF2-40B4-BE49-F238E27FC236}">
+                <a16:creationId xmlns:a16="http://schemas.microsoft.com/office/drawing/2014/main" id="{05F85161-0BB4-C9B3-8014-EE8211542D45}"/>
+              </a:ext>
+            </a:extLst>
+          </p:cNvPr>
+          <p:cNvSpPr>
+            <a:spLocks noGrp="1"/>
+          </p:cNvSpPr>
+          <p:nvPr>
+            <p:ph type="body" idx="1"/>
+          </p:nvPr>
+        </p:nvSpPr>
+        <p:spPr/>
+        <p:txBody>
+          <a:bodyPr/>
+          <a:lstStyle/>
+          <a:p>
+            <a:pPr>
+              <a:buFont typeface="Arial" panose="020B0604020202020204" pitchFamily="34" charset="0"/>
+              <a:buChar char="•"/>
+            </a:pPr>
+            <a:r>
+              <a:rPr lang="en-GB" sz="2800" b="1" dirty="0"/>
+              <a:t>Documentation:</a:t>
+            </a:r>
+            <a:r>
+              <a:rPr lang="en-GB" sz="2800" dirty="0"/>
+              <a:t> Structured FYP report, threat modelling, technical sections</a:t>
+            </a:r>
+          </a:p>
+          <a:p>
+            <a:pPr>
+              <a:buFont typeface="Arial" panose="020B0604020202020204" pitchFamily="34" charset="0"/>
+              <a:buChar char="•"/>
+            </a:pPr>
+            <a:r>
+              <a:rPr lang="en-GB" sz="2800" b="1" dirty="0"/>
+              <a:t>GUI Design:</a:t>
+            </a:r>
+            <a:r>
+              <a:rPr lang="en-GB" sz="2800" dirty="0"/>
+              <a:t> Created UI mock-ups and implemented Tailwind-based layouts</a:t>
+            </a:r>
+          </a:p>
+          <a:p>
+            <a:pPr>
+              <a:buFont typeface="Arial" panose="020B0604020202020204" pitchFamily="34" charset="0"/>
+              <a:buChar char="•"/>
+            </a:pPr>
+            <a:r>
+              <a:rPr lang="en-GB" sz="2800" b="1" dirty="0"/>
+              <a:t>Database:</a:t>
+            </a:r>
+            <a:r>
+              <a:rPr lang="en-GB" sz="2800" dirty="0"/>
+              <a:t> Helped model schema, normalization, indexing</a:t>
+            </a:r>
+          </a:p>
+          <a:p>
+            <a:endParaRPr lang="en-US" sz="2800" dirty="0"/>
+          </a:p>
+          <a:p>
+            <a:pPr>
+              <a:buNone/>
+            </a:pPr>
+            <a:r>
+              <a:rPr lang="en-GB" sz="2800" b="1" dirty="0"/>
+              <a:t>Umar Waqar – Development</a:t>
+            </a:r>
+          </a:p>
+          <a:p>
+            <a:pPr>
+              <a:buFont typeface="Arial" panose="020B0604020202020204" pitchFamily="34" charset="0"/>
+              <a:buChar char="•"/>
+            </a:pPr>
+            <a:r>
+              <a:rPr lang="en-GB" sz="2800" b="1" dirty="0"/>
+              <a:t>Responsibility:</a:t>
+            </a:r>
+            <a:r>
+              <a:rPr lang="en-GB" sz="2800" dirty="0"/>
+              <a:t> ?</a:t>
+            </a:r>
+          </a:p>
+          <a:p>
+            <a:pPr>
+              <a:buFont typeface="Arial" panose="020B0604020202020204" pitchFamily="34" charset="0"/>
+              <a:buChar char="•"/>
+            </a:pPr>
+            <a:r>
+              <a:rPr lang="en-GB" sz="2800" b="1" dirty="0"/>
+              <a:t>Responsibility:</a:t>
+            </a:r>
+            <a:r>
+              <a:rPr lang="en-GB" sz="2800" dirty="0"/>
+              <a:t> ?</a:t>
+            </a:r>
+            <a:endParaRPr lang="en-PK" sz="2800" dirty="0"/>
+          </a:p>
+        </p:txBody>
+      </p:sp>
+    </p:spTree>
+    <p:extLst>
+      <p:ext uri="{BB962C8B-B14F-4D97-AF65-F5344CB8AC3E}">
+        <p14:creationId xmlns:p14="http://schemas.microsoft.com/office/powerpoint/2010/main" val="1601989764"/>
       </p:ext>
     </p:extLst>
   </p:cSld>
@@ -31753,178 +31717,6 @@
   <p:cSld>
     <p:spTree>
       <p:nvGrpSpPr>
-        <p:cNvPr id="1" name=""/>
-        <p:cNvGrpSpPr/>
-        <p:nvPr/>
-      </p:nvGrpSpPr>
-      <p:grpSpPr>
-        <a:xfrm>
-          <a:off x="0" y="0"/>
-          <a:ext cx="0" cy="0"/>
-          <a:chOff x="0" y="0"/>
-          <a:chExt cx="0" cy="0"/>
-        </a:xfrm>
-      </p:grpSpPr>
-      <p:sp>
-        <p:nvSpPr>
-          <p:cNvPr id="2" name="Title 1">
-            <a:extLst>
-              <a:ext uri="{FF2B5EF4-FFF2-40B4-BE49-F238E27FC236}">
-                <a16:creationId xmlns:a16="http://schemas.microsoft.com/office/drawing/2014/main" id="{567E9EC4-AD2E-D74E-68CF-65BA9C81AE11}"/>
-              </a:ext>
-            </a:extLst>
-          </p:cNvPr>
-          <p:cNvSpPr>
-            <a:spLocks noGrp="1"/>
-          </p:cNvSpPr>
-          <p:nvPr>
-            <p:ph type="title"/>
-          </p:nvPr>
-        </p:nvSpPr>
-        <p:spPr/>
-        <p:txBody>
-          <a:bodyPr/>
-          <a:lstStyle/>
-          <a:p>
-            <a:r>
-              <a:rPr lang="en-US" dirty="0">
-                <a:solidFill>
-                  <a:srgbClr val="C00000"/>
-                </a:solidFill>
-              </a:rPr>
-              <a:t>Endeavour</a:t>
-            </a:r>
-            <a:endParaRPr lang="en-PK" dirty="0">
-              <a:solidFill>
-                <a:srgbClr val="C00000"/>
-              </a:solidFill>
-            </a:endParaRPr>
-          </a:p>
-        </p:txBody>
-      </p:sp>
-      <p:sp>
-        <p:nvSpPr>
-          <p:cNvPr id="3" name="Text Placeholder 2">
-            <a:extLst>
-              <a:ext uri="{FF2B5EF4-FFF2-40B4-BE49-F238E27FC236}">
-                <a16:creationId xmlns:a16="http://schemas.microsoft.com/office/drawing/2014/main" id="{05F85161-0BB4-C9B3-8014-EE8211542D45}"/>
-              </a:ext>
-            </a:extLst>
-          </p:cNvPr>
-          <p:cNvSpPr>
-            <a:spLocks noGrp="1"/>
-          </p:cNvSpPr>
-          <p:nvPr>
-            <p:ph type="body" idx="1"/>
-          </p:nvPr>
-        </p:nvSpPr>
-        <p:spPr/>
-        <p:txBody>
-          <a:bodyPr/>
-          <a:lstStyle/>
-          <a:p>
-            <a:pPr>
-              <a:buFont typeface="Arial" panose="020B0604020202020204" pitchFamily="34" charset="0"/>
-              <a:buChar char="•"/>
-            </a:pPr>
-            <a:r>
-              <a:rPr lang="en-GB" sz="2800" b="1" dirty="0"/>
-              <a:t>Documentation:</a:t>
-            </a:r>
-            <a:r>
-              <a:rPr lang="en-GB" sz="2800" dirty="0"/>
-              <a:t> Structured FYP report, threat modelling, technical sections</a:t>
-            </a:r>
-          </a:p>
-          <a:p>
-            <a:pPr>
-              <a:buFont typeface="Arial" panose="020B0604020202020204" pitchFamily="34" charset="0"/>
-              <a:buChar char="•"/>
-            </a:pPr>
-            <a:r>
-              <a:rPr lang="en-GB" sz="2800" b="1" dirty="0"/>
-              <a:t>GUI Design:</a:t>
-            </a:r>
-            <a:r>
-              <a:rPr lang="en-GB" sz="2800" dirty="0"/>
-              <a:t> Created UI mock-ups and implemented Tailwind-based layouts</a:t>
-            </a:r>
-          </a:p>
-          <a:p>
-            <a:pPr>
-              <a:buFont typeface="Arial" panose="020B0604020202020204" pitchFamily="34" charset="0"/>
-              <a:buChar char="•"/>
-            </a:pPr>
-            <a:r>
-              <a:rPr lang="en-GB" sz="2800" b="1" dirty="0"/>
-              <a:t>Database:</a:t>
-            </a:r>
-            <a:r>
-              <a:rPr lang="en-GB" sz="2800" dirty="0"/>
-              <a:t> Helped model schema, normalization, indexing</a:t>
-            </a:r>
-          </a:p>
-          <a:p>
-            <a:endParaRPr lang="en-US" sz="2800" dirty="0"/>
-          </a:p>
-          <a:p>
-            <a:pPr>
-              <a:buNone/>
-            </a:pPr>
-            <a:r>
-              <a:rPr lang="en-GB" sz="2800" b="1" dirty="0"/>
-              <a:t>Umar Waqar – Development</a:t>
-            </a:r>
-          </a:p>
-          <a:p>
-            <a:pPr>
-              <a:buFont typeface="Arial" panose="020B0604020202020204" pitchFamily="34" charset="0"/>
-              <a:buChar char="•"/>
-            </a:pPr>
-            <a:r>
-              <a:rPr lang="en-GB" sz="2800" b="1" dirty="0"/>
-              <a:t>Responsibility:</a:t>
-            </a:r>
-            <a:r>
-              <a:rPr lang="en-GB" sz="2800" dirty="0"/>
-              <a:t> ?</a:t>
-            </a:r>
-          </a:p>
-          <a:p>
-            <a:pPr>
-              <a:buFont typeface="Arial" panose="020B0604020202020204" pitchFamily="34" charset="0"/>
-              <a:buChar char="•"/>
-            </a:pPr>
-            <a:r>
-              <a:rPr lang="en-GB" sz="2800" b="1" dirty="0"/>
-              <a:t>Responsibility:</a:t>
-            </a:r>
-            <a:r>
-              <a:rPr lang="en-GB" sz="2800" dirty="0"/>
-              <a:t> ?</a:t>
-            </a:r>
-            <a:endParaRPr lang="en-PK" sz="2800" dirty="0"/>
-          </a:p>
-        </p:txBody>
-      </p:sp>
-    </p:spTree>
-    <p:extLst>
-      <p:ext uri="{BB962C8B-B14F-4D97-AF65-F5344CB8AC3E}">
-        <p14:creationId xmlns:p14="http://schemas.microsoft.com/office/powerpoint/2010/main" val="1601989764"/>
-      </p:ext>
-    </p:extLst>
-  </p:cSld>
-  <p:clrMapOvr>
-    <a:masterClrMapping/>
-  </p:clrMapOvr>
-</p:sld>
-</file>
-
-<file path=ppt/slides/slide71.xml><?xml version="1.0" encoding="utf-8"?>
-<p:sld xmlns:a="http://schemas.openxmlformats.org/drawingml/2006/main" xmlns:r="http://schemas.openxmlformats.org/officeDocument/2006/relationships" xmlns:p="http://schemas.openxmlformats.org/presentationml/2006/main">
-  <p:cSld>
-    <p:spTree>
-      <p:nvGrpSpPr>
         <p:cNvPr id="1" name="Shape 180"/>
         <p:cNvGrpSpPr/>
         <p:nvPr/>
@@ -32045,7 +31837,7 @@
 </p:sld>
 </file>
 
-<file path=ppt/slides/slide72.xml><?xml version="1.0" encoding="utf-8"?>
+<file path=ppt/slides/slide71.xml><?xml version="1.0" encoding="utf-8"?>
 <p:sld xmlns:a="http://schemas.openxmlformats.org/drawingml/2006/main" xmlns:r="http://schemas.openxmlformats.org/officeDocument/2006/relationships" xmlns:p="http://schemas.openxmlformats.org/presentationml/2006/main">
   <p:cSld>
     <p:spTree>
@@ -32749,7 +32541,7 @@
 </p:sld>
 </file>
 
-<file path=ppt/slides/slide73.xml><?xml version="1.0" encoding="utf-8"?>
+<file path=ppt/slides/slide72.xml><?xml version="1.0" encoding="utf-8"?>
 <p:sld xmlns:a="http://schemas.openxmlformats.org/drawingml/2006/main" xmlns:r="http://schemas.openxmlformats.org/officeDocument/2006/relationships" xmlns:p="http://schemas.openxmlformats.org/presentationml/2006/main">
   <p:cSld>
     <p:spTree>
@@ -32960,7 +32752,7 @@
 </p:sld>
 </file>
 
-<file path=ppt/slides/slide74.xml><?xml version="1.0" encoding="utf-8"?>
+<file path=ppt/slides/slide73.xml><?xml version="1.0" encoding="utf-8"?>
 <p:sld xmlns:a="http://schemas.openxmlformats.org/drawingml/2006/main" xmlns:r="http://schemas.openxmlformats.org/officeDocument/2006/relationships" xmlns:p="http://schemas.openxmlformats.org/presentationml/2006/main">
   <p:cSld>
     <p:spTree>
@@ -33103,7 +32895,7 @@
 </p:sld>
 </file>
 
-<file path=ppt/slides/slide75.xml><?xml version="1.0" encoding="utf-8"?>
+<file path=ppt/slides/slide74.xml><?xml version="1.0" encoding="utf-8"?>
 <p:sld xmlns:a="http://schemas.openxmlformats.org/drawingml/2006/main" xmlns:r="http://schemas.openxmlformats.org/officeDocument/2006/relationships" xmlns:p="http://schemas.openxmlformats.org/presentationml/2006/main">
   <p:cSld>
     <p:spTree>
@@ -33247,7 +33039,7 @@
 </p:sld>
 </file>
 
-<file path=ppt/slides/slide76.xml><?xml version="1.0" encoding="utf-8"?>
+<file path=ppt/slides/slide75.xml><?xml version="1.0" encoding="utf-8"?>
 <p:sld xmlns:a="http://schemas.openxmlformats.org/drawingml/2006/main" xmlns:r="http://schemas.openxmlformats.org/officeDocument/2006/relationships" xmlns:p="http://schemas.openxmlformats.org/presentationml/2006/main">
   <p:cSld>
     <p:spTree>
@@ -33391,7 +33183,7 @@
 </p:sld>
 </file>
 
-<file path=ppt/slides/slide77.xml><?xml version="1.0" encoding="utf-8"?>
+<file path=ppt/slides/slide76.xml><?xml version="1.0" encoding="utf-8"?>
 <p:sld xmlns:a="http://schemas.openxmlformats.org/drawingml/2006/main" xmlns:r="http://schemas.openxmlformats.org/officeDocument/2006/relationships" xmlns:p="http://schemas.openxmlformats.org/presentationml/2006/main">
   <p:cSld>
     <p:spTree>
@@ -33535,7 +33327,7 @@
 </p:sld>
 </file>
 
-<file path=ppt/slides/slide78.xml><?xml version="1.0" encoding="utf-8"?>
+<file path=ppt/slides/slide77.xml><?xml version="1.0" encoding="utf-8"?>
 <p:sld xmlns:a="http://schemas.openxmlformats.org/drawingml/2006/main" xmlns:r="http://schemas.openxmlformats.org/officeDocument/2006/relationships" xmlns:p="http://schemas.openxmlformats.org/presentationml/2006/main">
   <p:cSld>
     <p:spTree>
@@ -33660,7 +33452,7 @@
 </p:sld>
 </file>
 
-<file path=ppt/slides/slide79.xml><?xml version="1.0" encoding="utf-8"?>
+<file path=ppt/slides/slide78.xml><?xml version="1.0" encoding="utf-8"?>
 <p:sld xmlns:a="http://schemas.openxmlformats.org/drawingml/2006/main" xmlns:r="http://schemas.openxmlformats.org/officeDocument/2006/relationships" xmlns:p="http://schemas.openxmlformats.org/presentationml/2006/main">
   <p:cSld>
     <p:spTree>
@@ -33855,6 +33647,152 @@
 </p:sld>
 </file>
 
+<file path=ppt/slides/slide79.xml><?xml version="1.0" encoding="utf-8"?>
+<p:sld xmlns:a="http://schemas.openxmlformats.org/drawingml/2006/main" xmlns:r="http://schemas.openxmlformats.org/officeDocument/2006/relationships" xmlns:p="http://schemas.openxmlformats.org/presentationml/2006/main">
+  <p:cSld>
+    <p:spTree>
+      <p:nvGrpSpPr>
+        <p:cNvPr id="1" name=""/>
+        <p:cNvGrpSpPr/>
+        <p:nvPr/>
+      </p:nvGrpSpPr>
+      <p:grpSpPr>
+        <a:xfrm>
+          <a:off x="0" y="0"/>
+          <a:ext cx="0" cy="0"/>
+          <a:chOff x="0" y="0"/>
+          <a:chExt cx="0" cy="0"/>
+        </a:xfrm>
+      </p:grpSpPr>
+      <p:sp>
+        <p:nvSpPr>
+          <p:cNvPr id="2" name="Title 1">
+            <a:extLst>
+              <a:ext uri="{FF2B5EF4-FFF2-40B4-BE49-F238E27FC236}">
+                <a16:creationId xmlns:a16="http://schemas.microsoft.com/office/drawing/2014/main" id="{112613E0-967E-E673-8DFF-D93A3DE62F49}"/>
+              </a:ext>
+            </a:extLst>
+          </p:cNvPr>
+          <p:cNvSpPr>
+            <a:spLocks noGrp="1"/>
+          </p:cNvSpPr>
+          <p:nvPr>
+            <p:ph type="title"/>
+          </p:nvPr>
+        </p:nvSpPr>
+        <p:spPr/>
+        <p:txBody>
+          <a:bodyPr/>
+          <a:lstStyle/>
+          <a:p>
+            <a:r>
+              <a:rPr lang="en-US" dirty="0"/>
+              <a:t>Prototype</a:t>
+            </a:r>
+            <a:endParaRPr lang="en-PK" dirty="0"/>
+          </a:p>
+        </p:txBody>
+      </p:sp>
+      <p:sp>
+        <p:nvSpPr>
+          <p:cNvPr id="3" name="Text Placeholder 2">
+            <a:extLst>
+              <a:ext uri="{FF2B5EF4-FFF2-40B4-BE49-F238E27FC236}">
+                <a16:creationId xmlns:a16="http://schemas.microsoft.com/office/drawing/2014/main" id="{C68997B6-038D-1952-4887-0CA6CED4AE22}"/>
+              </a:ext>
+            </a:extLst>
+          </p:cNvPr>
+          <p:cNvSpPr>
+            <a:spLocks noGrp="1"/>
+          </p:cNvSpPr>
+          <p:nvPr>
+            <p:ph type="body" idx="1"/>
+          </p:nvPr>
+        </p:nvSpPr>
+        <p:spPr/>
+        <p:txBody>
+          <a:bodyPr/>
+          <a:lstStyle/>
+          <a:p>
+            <a:pPr>
+              <a:buFont typeface="Arial" panose="020B0604020202020204" pitchFamily="34" charset="0"/>
+              <a:buChar char="•"/>
+            </a:pPr>
+            <a:r>
+              <a:rPr lang="en-GB" sz="2800" b="1" dirty="0"/>
+              <a:t>Notification Mechanism:</a:t>
+            </a:r>
+            <a:endParaRPr lang="en-GB" sz="2800" dirty="0"/>
+          </a:p>
+          <a:p>
+            <a:pPr marL="742950" lvl="1" indent="-285750">
+              <a:buFont typeface="Arial" panose="020B0604020202020204" pitchFamily="34" charset="0"/>
+              <a:buChar char="•"/>
+            </a:pPr>
+            <a:r>
+              <a:rPr lang="en-GB" dirty="0"/>
+              <a:t>Real-time feedback for campaign results and system alerts.</a:t>
+            </a:r>
+          </a:p>
+          <a:p>
+            <a:pPr marL="742950" lvl="1" indent="-285750">
+              <a:buFont typeface="Arial" panose="020B0604020202020204" pitchFamily="34" charset="0"/>
+              <a:buChar char="•"/>
+            </a:pPr>
+            <a:r>
+              <a:rPr lang="en-GB" dirty="0"/>
+              <a:t>Email-based notifications for role-based tasks and updates.</a:t>
+            </a:r>
+          </a:p>
+          <a:p>
+            <a:pPr>
+              <a:buFont typeface="Arial" panose="020B0604020202020204" pitchFamily="34" charset="0"/>
+              <a:buChar char="•"/>
+            </a:pPr>
+            <a:r>
+              <a:rPr lang="en-GB" sz="2800" b="1" dirty="0"/>
+              <a:t>Dashboards:</a:t>
+            </a:r>
+            <a:endParaRPr lang="en-GB" sz="2800" dirty="0"/>
+          </a:p>
+          <a:p>
+            <a:pPr marL="742950" lvl="1" indent="-285750">
+              <a:buFont typeface="Arial" panose="020B0604020202020204" pitchFamily="34" charset="0"/>
+              <a:buChar char="•"/>
+            </a:pPr>
+            <a:r>
+              <a:rPr lang="en-GB" dirty="0"/>
+              <a:t>Role-specific dashboards for Admin, Tutor, User, and Managers.</a:t>
+            </a:r>
+          </a:p>
+          <a:p>
+            <a:pPr marL="742950" lvl="1" indent="-285750">
+              <a:buFont typeface="Arial" panose="020B0604020202020204" pitchFamily="34" charset="0"/>
+              <a:buChar char="•"/>
+            </a:pPr>
+            <a:r>
+              <a:rPr lang="en-GB" dirty="0"/>
+              <a:t>Real-time campaign statistics, email interaction metrics, and alerts.</a:t>
+            </a:r>
+          </a:p>
+          <a:p>
+            <a:endParaRPr lang="en-PK" dirty="0"/>
+          </a:p>
+        </p:txBody>
+      </p:sp>
+    </p:spTree>
+    <p:extLst>
+      <p:ext uri="{BB962C8B-B14F-4D97-AF65-F5344CB8AC3E}">
+        <p14:creationId xmlns:p14="http://schemas.microsoft.com/office/powerpoint/2010/main" val="23143656"/>
+      </p:ext>
+    </p:extLst>
+  </p:cSld>
+  <p:clrMapOvr>
+    <a:masterClrMapping/>
+  </p:clrMapOvr>
+</p:sld>
+</file>
+
 <file path=ppt/slides/slide8.xml><?xml version="1.0" encoding="utf-8"?>
 <p:sld xmlns:a="http://schemas.openxmlformats.org/drawingml/2006/main" xmlns:r="http://schemas.openxmlformats.org/officeDocument/2006/relationships" xmlns:p="http://schemas.openxmlformats.org/presentationml/2006/main">
   <p:cSld>
@@ -34116,152 +34054,6 @@
           <p:cNvPr id="2" name="Title 1">
             <a:extLst>
               <a:ext uri="{FF2B5EF4-FFF2-40B4-BE49-F238E27FC236}">
-                <a16:creationId xmlns:a16="http://schemas.microsoft.com/office/drawing/2014/main" id="{112613E0-967E-E673-8DFF-D93A3DE62F49}"/>
-              </a:ext>
-            </a:extLst>
-          </p:cNvPr>
-          <p:cNvSpPr>
-            <a:spLocks noGrp="1"/>
-          </p:cNvSpPr>
-          <p:nvPr>
-            <p:ph type="title"/>
-          </p:nvPr>
-        </p:nvSpPr>
-        <p:spPr/>
-        <p:txBody>
-          <a:bodyPr/>
-          <a:lstStyle/>
-          <a:p>
-            <a:r>
-              <a:rPr lang="en-US" dirty="0"/>
-              <a:t>Prototype</a:t>
-            </a:r>
-            <a:endParaRPr lang="en-PK" dirty="0"/>
-          </a:p>
-        </p:txBody>
-      </p:sp>
-      <p:sp>
-        <p:nvSpPr>
-          <p:cNvPr id="3" name="Text Placeholder 2">
-            <a:extLst>
-              <a:ext uri="{FF2B5EF4-FFF2-40B4-BE49-F238E27FC236}">
-                <a16:creationId xmlns:a16="http://schemas.microsoft.com/office/drawing/2014/main" id="{C68997B6-038D-1952-4887-0CA6CED4AE22}"/>
-              </a:ext>
-            </a:extLst>
-          </p:cNvPr>
-          <p:cNvSpPr>
-            <a:spLocks noGrp="1"/>
-          </p:cNvSpPr>
-          <p:nvPr>
-            <p:ph type="body" idx="1"/>
-          </p:nvPr>
-        </p:nvSpPr>
-        <p:spPr/>
-        <p:txBody>
-          <a:bodyPr/>
-          <a:lstStyle/>
-          <a:p>
-            <a:pPr>
-              <a:buFont typeface="Arial" panose="020B0604020202020204" pitchFamily="34" charset="0"/>
-              <a:buChar char="•"/>
-            </a:pPr>
-            <a:r>
-              <a:rPr lang="en-GB" sz="2800" b="1" dirty="0"/>
-              <a:t>Notification Mechanism:</a:t>
-            </a:r>
-            <a:endParaRPr lang="en-GB" sz="2800" dirty="0"/>
-          </a:p>
-          <a:p>
-            <a:pPr marL="742950" lvl="1" indent="-285750">
-              <a:buFont typeface="Arial" panose="020B0604020202020204" pitchFamily="34" charset="0"/>
-              <a:buChar char="•"/>
-            </a:pPr>
-            <a:r>
-              <a:rPr lang="en-GB" dirty="0"/>
-              <a:t>Real-time feedback for campaign results and system alerts.</a:t>
-            </a:r>
-          </a:p>
-          <a:p>
-            <a:pPr marL="742950" lvl="1" indent="-285750">
-              <a:buFont typeface="Arial" panose="020B0604020202020204" pitchFamily="34" charset="0"/>
-              <a:buChar char="•"/>
-            </a:pPr>
-            <a:r>
-              <a:rPr lang="en-GB" dirty="0"/>
-              <a:t>Email-based notifications for role-based tasks and updates.</a:t>
-            </a:r>
-          </a:p>
-          <a:p>
-            <a:pPr>
-              <a:buFont typeface="Arial" panose="020B0604020202020204" pitchFamily="34" charset="0"/>
-              <a:buChar char="•"/>
-            </a:pPr>
-            <a:r>
-              <a:rPr lang="en-GB" sz="2800" b="1" dirty="0"/>
-              <a:t>Dashboards:</a:t>
-            </a:r>
-            <a:endParaRPr lang="en-GB" sz="2800" dirty="0"/>
-          </a:p>
-          <a:p>
-            <a:pPr marL="742950" lvl="1" indent="-285750">
-              <a:buFont typeface="Arial" panose="020B0604020202020204" pitchFamily="34" charset="0"/>
-              <a:buChar char="•"/>
-            </a:pPr>
-            <a:r>
-              <a:rPr lang="en-GB" dirty="0"/>
-              <a:t>Role-specific dashboards for Admin, Tutor, User, and Managers.</a:t>
-            </a:r>
-          </a:p>
-          <a:p>
-            <a:pPr marL="742950" lvl="1" indent="-285750">
-              <a:buFont typeface="Arial" panose="020B0604020202020204" pitchFamily="34" charset="0"/>
-              <a:buChar char="•"/>
-            </a:pPr>
-            <a:r>
-              <a:rPr lang="en-GB" dirty="0"/>
-              <a:t>Real-time campaign statistics, email interaction metrics, and alerts.</a:t>
-            </a:r>
-          </a:p>
-          <a:p>
-            <a:endParaRPr lang="en-PK" dirty="0"/>
-          </a:p>
-        </p:txBody>
-      </p:sp>
-    </p:spTree>
-    <p:extLst>
-      <p:ext uri="{BB962C8B-B14F-4D97-AF65-F5344CB8AC3E}">
-        <p14:creationId xmlns:p14="http://schemas.microsoft.com/office/powerpoint/2010/main" val="23143656"/>
-      </p:ext>
-    </p:extLst>
-  </p:cSld>
-  <p:clrMapOvr>
-    <a:masterClrMapping/>
-  </p:clrMapOvr>
-</p:sld>
-</file>
-
-<file path=ppt/slides/slide81.xml><?xml version="1.0" encoding="utf-8"?>
-<p:sld xmlns:a="http://schemas.openxmlformats.org/drawingml/2006/main" xmlns:r="http://schemas.openxmlformats.org/officeDocument/2006/relationships" xmlns:p="http://schemas.openxmlformats.org/presentationml/2006/main">
-  <p:cSld>
-    <p:spTree>
-      <p:nvGrpSpPr>
-        <p:cNvPr id="1" name=""/>
-        <p:cNvGrpSpPr/>
-        <p:nvPr/>
-      </p:nvGrpSpPr>
-      <p:grpSpPr>
-        <a:xfrm>
-          <a:off x="0" y="0"/>
-          <a:ext cx="0" cy="0"/>
-          <a:chOff x="0" y="0"/>
-          <a:chExt cx="0" cy="0"/>
-        </a:xfrm>
-      </p:grpSpPr>
-      <p:sp>
-        <p:nvSpPr>
-          <p:cNvPr id="2" name="Title 1">
-            <a:extLst>
-              <a:ext uri="{FF2B5EF4-FFF2-40B4-BE49-F238E27FC236}">
                 <a16:creationId xmlns:a16="http://schemas.microsoft.com/office/drawing/2014/main" id="{681487BF-69D0-2B38-6071-AB9578A828D9}"/>
               </a:ext>
             </a:extLst>
@@ -34395,7 +34187,7 @@
 </p:sld>
 </file>
 
-<file path=ppt/slides/slide82.xml><?xml version="1.0" encoding="utf-8"?>
+<file path=ppt/slides/slide81.xml><?xml version="1.0" encoding="utf-8"?>
 <p:sld xmlns:a="http://schemas.openxmlformats.org/drawingml/2006/main" xmlns:r="http://schemas.openxmlformats.org/officeDocument/2006/relationships" xmlns:p="http://schemas.openxmlformats.org/presentationml/2006/main">
   <p:cSld>
     <p:spTree>
@@ -34549,7 +34341,7 @@
 </p:sld>
 </file>
 
-<file path=ppt/slides/slide83.xml><?xml version="1.0" encoding="utf-8"?>
+<file path=ppt/slides/slide82.xml><?xml version="1.0" encoding="utf-8"?>
 <p:sld xmlns:a="http://schemas.openxmlformats.org/drawingml/2006/main" xmlns:r="http://schemas.openxmlformats.org/officeDocument/2006/relationships" xmlns:p="http://schemas.openxmlformats.org/presentationml/2006/main">
   <p:cSld>
     <p:spTree>

--- a/Documentation/Templates/Template #7/Template #7 - Final Project Presentation - 7.0.pptx
+++ b/Documentation/Templates/Template #7/Template #7 - Final Project Presentation - 7.0.pptx
@@ -5,7 +5,7 @@
     <p:sldMasterId id="2147483648" r:id="rId1"/>
   </p:sldMasterIdLst>
   <p:notesMasterIdLst>
-    <p:notesMasterId r:id="rId84"/>
+    <p:notesMasterId r:id="rId85"/>
   </p:notesMasterIdLst>
   <p:sldIdLst>
     <p:sldId id="256" r:id="rId2"/>
@@ -49,47 +49,48 @@
     <p:sldId id="267" r:id="rId40"/>
     <p:sldId id="268" r:id="rId41"/>
     <p:sldId id="302" r:id="rId42"/>
-    <p:sldId id="304" r:id="rId43"/>
-    <p:sldId id="305" r:id="rId44"/>
-    <p:sldId id="300" r:id="rId45"/>
-    <p:sldId id="333" r:id="rId46"/>
-    <p:sldId id="301" r:id="rId47"/>
-    <p:sldId id="309" r:id="rId48"/>
-    <p:sldId id="310" r:id="rId49"/>
-    <p:sldId id="307" r:id="rId50"/>
-    <p:sldId id="311" r:id="rId51"/>
-    <p:sldId id="308" r:id="rId52"/>
-    <p:sldId id="306" r:id="rId53"/>
-    <p:sldId id="334" r:id="rId54"/>
-    <p:sldId id="269" r:id="rId55"/>
-    <p:sldId id="312" r:id="rId56"/>
-    <p:sldId id="336" r:id="rId57"/>
-    <p:sldId id="335" r:id="rId58"/>
-    <p:sldId id="313" r:id="rId59"/>
-    <p:sldId id="314" r:id="rId60"/>
-    <p:sldId id="315" r:id="rId61"/>
-    <p:sldId id="270" r:id="rId62"/>
-    <p:sldId id="271" r:id="rId63"/>
-    <p:sldId id="316" r:id="rId64"/>
-    <p:sldId id="339" r:id="rId65"/>
-    <p:sldId id="318" r:id="rId66"/>
-    <p:sldId id="340" r:id="rId67"/>
-    <p:sldId id="317" r:id="rId68"/>
-    <p:sldId id="341" r:id="rId69"/>
-    <p:sldId id="324" r:id="rId70"/>
-    <p:sldId id="272" r:id="rId71"/>
-    <p:sldId id="273" r:id="rId72"/>
-    <p:sldId id="274" r:id="rId73"/>
-    <p:sldId id="319" r:id="rId74"/>
-    <p:sldId id="320" r:id="rId75"/>
-    <p:sldId id="321" r:id="rId76"/>
-    <p:sldId id="322" r:id="rId77"/>
-    <p:sldId id="275" r:id="rId78"/>
-    <p:sldId id="276" r:id="rId79"/>
-    <p:sldId id="337" r:id="rId80"/>
-    <p:sldId id="323" r:id="rId81"/>
-    <p:sldId id="338" r:id="rId82"/>
-    <p:sldId id="277" r:id="rId83"/>
+    <p:sldId id="303" r:id="rId43"/>
+    <p:sldId id="304" r:id="rId44"/>
+    <p:sldId id="305" r:id="rId45"/>
+    <p:sldId id="300" r:id="rId46"/>
+    <p:sldId id="333" r:id="rId47"/>
+    <p:sldId id="301" r:id="rId48"/>
+    <p:sldId id="309" r:id="rId49"/>
+    <p:sldId id="310" r:id="rId50"/>
+    <p:sldId id="307" r:id="rId51"/>
+    <p:sldId id="311" r:id="rId52"/>
+    <p:sldId id="308" r:id="rId53"/>
+    <p:sldId id="306" r:id="rId54"/>
+    <p:sldId id="334" r:id="rId55"/>
+    <p:sldId id="269" r:id="rId56"/>
+    <p:sldId id="312" r:id="rId57"/>
+    <p:sldId id="336" r:id="rId58"/>
+    <p:sldId id="335" r:id="rId59"/>
+    <p:sldId id="313" r:id="rId60"/>
+    <p:sldId id="314" r:id="rId61"/>
+    <p:sldId id="315" r:id="rId62"/>
+    <p:sldId id="270" r:id="rId63"/>
+    <p:sldId id="271" r:id="rId64"/>
+    <p:sldId id="316" r:id="rId65"/>
+    <p:sldId id="339" r:id="rId66"/>
+    <p:sldId id="318" r:id="rId67"/>
+    <p:sldId id="340" r:id="rId68"/>
+    <p:sldId id="317" r:id="rId69"/>
+    <p:sldId id="341" r:id="rId70"/>
+    <p:sldId id="324" r:id="rId71"/>
+    <p:sldId id="272" r:id="rId72"/>
+    <p:sldId id="273" r:id="rId73"/>
+    <p:sldId id="274" r:id="rId74"/>
+    <p:sldId id="319" r:id="rId75"/>
+    <p:sldId id="320" r:id="rId76"/>
+    <p:sldId id="321" r:id="rId77"/>
+    <p:sldId id="322" r:id="rId78"/>
+    <p:sldId id="275" r:id="rId79"/>
+    <p:sldId id="276" r:id="rId80"/>
+    <p:sldId id="337" r:id="rId81"/>
+    <p:sldId id="323" r:id="rId82"/>
+    <p:sldId id="338" r:id="rId83"/>
+    <p:sldId id="277" r:id="rId84"/>
   </p:sldIdLst>
   <p:sldSz cx="9144000" cy="6858000" type="screen4x3"/>
   <p:notesSz cx="7315200" cy="9601200"/>
@@ -380,6 +381,7 @@
           <p14:sldIdLst>
             <p14:sldId id="268"/>
             <p14:sldId id="302"/>
+            <p14:sldId id="303"/>
             <p14:sldId id="304"/>
             <p14:sldId id="305"/>
             <p14:sldId id="300"/>
@@ -448,152 +450,10 @@
       </p15:sldGuideLst>
     </p:ext>
     <p:ext uri="http://customooxmlschemas.google.com/">
-      <go:slidesCustomData xmlns:go="http://customooxmlschemas.google.com/" xmlns:ahyp="http://schemas.microsoft.com/office/drawing/2018/hyperlinkcolor" xmlns:p15="http://schemas.microsoft.com/office/powerpoint/2012/main" xmlns:p14="http://schemas.microsoft.com/office/powerpoint/2010/main" xmlns:com="http://schemas.openxmlformats.org/drawingml/2006/compatibility" xmlns:pvml="urn:schemas-microsoft-com:office:powerpoint" xmlns:v="urn:schemas-microsoft-com:vml" xmlns:o="urn:schemas-microsoft-com:office:office" xmlns:dgm="http://schemas.openxmlformats.org/drawingml/2006/diagram" xmlns:c="http://schemas.openxmlformats.org/drawingml/2006/chart" xmlns:mv="urn:schemas-microsoft-com:mac:vml" xmlns:mc="http://schemas.openxmlformats.org/markup-compatibility/2006" xmlns="" r:id="rId86" roundtripDataSignature="AMtx7mgD4Kl0eymbPsSACaHDcTfhYrGFKA=="/>
+      <go:slidesCustomData xmlns="" xmlns:mc="http://schemas.openxmlformats.org/markup-compatibility/2006" xmlns:mv="urn:schemas-microsoft-com:mac:vml" xmlns:c="http://schemas.openxmlformats.org/drawingml/2006/chart" xmlns:dgm="http://schemas.openxmlformats.org/drawingml/2006/diagram" xmlns:o="urn:schemas-microsoft-com:office:office" xmlns:v="urn:schemas-microsoft-com:vml" xmlns:pvml="urn:schemas-microsoft-com:office:powerpoint" xmlns:com="http://schemas.openxmlformats.org/drawingml/2006/compatibility" xmlns:p14="http://schemas.microsoft.com/office/powerpoint/2010/main" xmlns:p15="http://schemas.microsoft.com/office/powerpoint/2012/main" xmlns:ahyp="http://schemas.microsoft.com/office/drawing/2018/hyperlinkcolor" xmlns:go="http://customooxmlschemas.google.com/" r:id="rId86" roundtripDataSignature="AMtx7mgD4Kl0eymbPsSACaHDcTfhYrGFKA=="/>
     </p:ext>
   </p:extLst>
 </p:presentation>
-</file>
-
-<file path=ppt/revisionInfo.xml><?xml version="1.0" encoding="utf-8"?>
-<p1510:revInfo xmlns:a="http://schemas.openxmlformats.org/drawingml/2006/main" xmlns:r="http://schemas.openxmlformats.org/officeDocument/2006/relationships" xmlns:p1510="http://schemas.microsoft.com/office/powerpoint/2015/10/main">
-  <p1510:revLst>
-    <p1510:client id="{AA2F82D3-8C1A-4E19-B7C7-D63EE0C4B045}" v="1" dt="2025-06-23T09:33:33.419"/>
-  </p1510:revLst>
-</p1510:revInfo>
-</file>
-
-<file path=ppt/changesInfos/changesInfo1.xml><?xml version="1.0" encoding="utf-8"?>
-<pc:chgInfo xmlns:a="http://schemas.openxmlformats.org/drawingml/2006/main" xmlns:r="http://schemas.openxmlformats.org/officeDocument/2006/relationships" xmlns:ac="http://schemas.microsoft.com/office/drawing/2013/main/command" xmlns:pc="http://schemas.microsoft.com/office/powerpoint/2013/main/command">
-  <pc:docChgLst>
-    <pc:chgData name="Umar Waqar 27668" userId="f0186443-8082-43fc-bb02-6aa6a4f82a32" providerId="ADAL" clId="{AA2F82D3-8C1A-4E19-B7C7-D63EE0C4B045}"/>
-    <pc:docChg chg="undo custSel delSld modSld modSection">
-      <pc:chgData name="Umar Waqar 27668" userId="f0186443-8082-43fc-bb02-6aa6a4f82a32" providerId="ADAL" clId="{AA2F82D3-8C1A-4E19-B7C7-D63EE0C4B045}" dt="2025-06-23T09:37:32.483" v="69" actId="20577"/>
-      <pc:docMkLst>
-        <pc:docMk/>
-      </pc:docMkLst>
-      <pc:sldChg chg="modSp mod">
-        <pc:chgData name="Umar Waqar 27668" userId="f0186443-8082-43fc-bb02-6aa6a4f82a32" providerId="ADAL" clId="{AA2F82D3-8C1A-4E19-B7C7-D63EE0C4B045}" dt="2025-06-23T09:34:59.335" v="38" actId="20577"/>
-        <pc:sldMkLst>
-          <pc:docMk/>
-          <pc:sldMk cId="2938306186" sldId="301"/>
-        </pc:sldMkLst>
-        <pc:spChg chg="mod">
-          <ac:chgData name="Umar Waqar 27668" userId="f0186443-8082-43fc-bb02-6aa6a4f82a32" providerId="ADAL" clId="{AA2F82D3-8C1A-4E19-B7C7-D63EE0C4B045}" dt="2025-06-23T09:34:59.335" v="38" actId="20577"/>
-          <ac:spMkLst>
-            <pc:docMk/>
-            <pc:sldMk cId="2938306186" sldId="301"/>
-            <ac:spMk id="3" creationId="{92B24276-2C5E-C5E7-FF7B-CAF157774712}"/>
-          </ac:spMkLst>
-        </pc:spChg>
-      </pc:sldChg>
-      <pc:sldChg chg="modSp mod">
-        <pc:chgData name="Umar Waqar 27668" userId="f0186443-8082-43fc-bb02-6aa6a4f82a32" providerId="ADAL" clId="{AA2F82D3-8C1A-4E19-B7C7-D63EE0C4B045}" dt="2025-06-23T09:33:33.418" v="6"/>
-        <pc:sldMkLst>
-          <pc:docMk/>
-          <pc:sldMk cId="1200839246" sldId="302"/>
-        </pc:sldMkLst>
-        <pc:spChg chg="mod">
-          <ac:chgData name="Umar Waqar 27668" userId="f0186443-8082-43fc-bb02-6aa6a4f82a32" providerId="ADAL" clId="{AA2F82D3-8C1A-4E19-B7C7-D63EE0C4B045}" dt="2025-06-23T09:33:33.418" v="6"/>
-          <ac:spMkLst>
-            <pc:docMk/>
-            <pc:sldMk cId="1200839246" sldId="302"/>
-            <ac:spMk id="3" creationId="{49CA9F76-1928-7241-8CB5-C901A00B0F65}"/>
-          </ac:spMkLst>
-        </pc:spChg>
-      </pc:sldChg>
-      <pc:sldChg chg="modSp del mod">
-        <pc:chgData name="Umar Waqar 27668" userId="f0186443-8082-43fc-bb02-6aa6a4f82a32" providerId="ADAL" clId="{AA2F82D3-8C1A-4E19-B7C7-D63EE0C4B045}" dt="2025-06-23T09:33:45.478" v="7" actId="47"/>
-        <pc:sldMkLst>
-          <pc:docMk/>
-          <pc:sldMk cId="113743702" sldId="303"/>
-        </pc:sldMkLst>
-        <pc:spChg chg="mod">
-          <ac:chgData name="Umar Waqar 27668" userId="f0186443-8082-43fc-bb02-6aa6a4f82a32" providerId="ADAL" clId="{AA2F82D3-8C1A-4E19-B7C7-D63EE0C4B045}" dt="2025-06-23T09:33:10.721" v="3" actId="20577"/>
-          <ac:spMkLst>
-            <pc:docMk/>
-            <pc:sldMk cId="113743702" sldId="303"/>
-            <ac:spMk id="3" creationId="{D719A41B-6884-DCEA-F323-1561DBB2C37D}"/>
-          </ac:spMkLst>
-        </pc:spChg>
-      </pc:sldChg>
-      <pc:sldChg chg="modSp mod">
-        <pc:chgData name="Umar Waqar 27668" userId="f0186443-8082-43fc-bb02-6aa6a4f82a32" providerId="ADAL" clId="{AA2F82D3-8C1A-4E19-B7C7-D63EE0C4B045}" dt="2025-06-23T09:34:00.332" v="34" actId="20577"/>
-        <pc:sldMkLst>
-          <pc:docMk/>
-          <pc:sldMk cId="2066457212" sldId="304"/>
-        </pc:sldMkLst>
-        <pc:spChg chg="mod">
-          <ac:chgData name="Umar Waqar 27668" userId="f0186443-8082-43fc-bb02-6aa6a4f82a32" providerId="ADAL" clId="{AA2F82D3-8C1A-4E19-B7C7-D63EE0C4B045}" dt="2025-06-23T09:34:00.332" v="34" actId="20577"/>
-          <ac:spMkLst>
-            <pc:docMk/>
-            <pc:sldMk cId="2066457212" sldId="304"/>
-            <ac:spMk id="3" creationId="{C65B92E4-AC16-A82F-161C-D06000732C2D}"/>
-          </ac:spMkLst>
-        </pc:spChg>
-      </pc:sldChg>
-      <pc:sldChg chg="modSp mod">
-        <pc:chgData name="Umar Waqar 27668" userId="f0186443-8082-43fc-bb02-6aa6a4f82a32" providerId="ADAL" clId="{AA2F82D3-8C1A-4E19-B7C7-D63EE0C4B045}" dt="2025-06-23T09:36:52.182" v="57" actId="20577"/>
-        <pc:sldMkLst>
-          <pc:docMk/>
-          <pc:sldMk cId="2429851732" sldId="308"/>
-        </pc:sldMkLst>
-        <pc:spChg chg="mod">
-          <ac:chgData name="Umar Waqar 27668" userId="f0186443-8082-43fc-bb02-6aa6a4f82a32" providerId="ADAL" clId="{AA2F82D3-8C1A-4E19-B7C7-D63EE0C4B045}" dt="2025-06-23T09:36:52.182" v="57" actId="20577"/>
-          <ac:spMkLst>
-            <pc:docMk/>
-            <pc:sldMk cId="2429851732" sldId="308"/>
-            <ac:spMk id="3" creationId="{A6B868DC-6504-08F7-C5EA-98C7BF255E9F}"/>
-          </ac:spMkLst>
-        </pc:spChg>
-      </pc:sldChg>
-      <pc:sldChg chg="modSp mod">
-        <pc:chgData name="Umar Waqar 27668" userId="f0186443-8082-43fc-bb02-6aa6a4f82a32" providerId="ADAL" clId="{AA2F82D3-8C1A-4E19-B7C7-D63EE0C4B045}" dt="2025-06-23T09:35:41.584" v="51" actId="20577"/>
-        <pc:sldMkLst>
-          <pc:docMk/>
-          <pc:sldMk cId="3381778271" sldId="309"/>
-        </pc:sldMkLst>
-        <pc:spChg chg="mod">
-          <ac:chgData name="Umar Waqar 27668" userId="f0186443-8082-43fc-bb02-6aa6a4f82a32" providerId="ADAL" clId="{AA2F82D3-8C1A-4E19-B7C7-D63EE0C4B045}" dt="2025-06-23T09:35:41.584" v="51" actId="20577"/>
-          <ac:spMkLst>
-            <pc:docMk/>
-            <pc:sldMk cId="3381778271" sldId="309"/>
-            <ac:spMk id="3" creationId="{F8A65EC5-D0B7-0782-3C3C-DA1D127B9AEC}"/>
-          </ac:spMkLst>
-        </pc:spChg>
-      </pc:sldChg>
-      <pc:sldChg chg="modSp mod">
-        <pc:chgData name="Umar Waqar 27668" userId="f0186443-8082-43fc-bb02-6aa6a4f82a32" providerId="ADAL" clId="{AA2F82D3-8C1A-4E19-B7C7-D63EE0C4B045}" dt="2025-06-23T09:36:07.112" v="55" actId="20577"/>
-        <pc:sldMkLst>
-          <pc:docMk/>
-          <pc:sldMk cId="3611066053" sldId="310"/>
-        </pc:sldMkLst>
-        <pc:spChg chg="mod">
-          <ac:chgData name="Umar Waqar 27668" userId="f0186443-8082-43fc-bb02-6aa6a4f82a32" providerId="ADAL" clId="{AA2F82D3-8C1A-4E19-B7C7-D63EE0C4B045}" dt="2025-06-23T09:36:07.112" v="55" actId="20577"/>
-          <ac:spMkLst>
-            <pc:docMk/>
-            <pc:sldMk cId="3611066053" sldId="310"/>
-            <ac:spMk id="3" creationId="{6F3CEBD9-A9F8-77A4-F0E6-3B0A2AC77BE6}"/>
-          </ac:spMkLst>
-        </pc:spChg>
-      </pc:sldChg>
-      <pc:sldChg chg="modSp mod">
-        <pc:chgData name="Umar Waqar 27668" userId="f0186443-8082-43fc-bb02-6aa6a4f82a32" providerId="ADAL" clId="{AA2F82D3-8C1A-4E19-B7C7-D63EE0C4B045}" dt="2025-06-23T09:37:32.483" v="69" actId="20577"/>
-        <pc:sldMkLst>
-          <pc:docMk/>
-          <pc:sldMk cId="3504246648" sldId="334"/>
-        </pc:sldMkLst>
-        <pc:spChg chg="mod">
-          <ac:chgData name="Umar Waqar 27668" userId="f0186443-8082-43fc-bb02-6aa6a4f82a32" providerId="ADAL" clId="{AA2F82D3-8C1A-4E19-B7C7-D63EE0C4B045}" dt="2025-06-23T09:37:32.483" v="69" actId="20577"/>
-          <ac:spMkLst>
-            <pc:docMk/>
-            <pc:sldMk cId="3504246648" sldId="334"/>
-            <ac:spMk id="3" creationId="{8C78470B-DD5D-6FCB-9FF4-EFEBBA3CEF17}"/>
-          </ac:spMkLst>
-        </pc:spChg>
-      </pc:sldChg>
-    </pc:docChg>
-  </pc:docChgLst>
-</pc:chgInfo>
 </file>
 
 <file path=ppt/notesMasters/notesMaster1.xml><?xml version="1.0" encoding="utf-8"?>
@@ -26146,27 +26006,6 @@
               <a:rPr lang="en-GB" sz="2800" b="1" dirty="0"/>
               <a:t>Testing Tools:</a:t>
             </a:r>
-            <a:r>
-              <a:rPr lang="en-GB" sz="2800" dirty="0"/>
-              <a:t>	</a:t>
-            </a:r>
-          </a:p>
-          <a:p>
-            <a:pPr>
-              <a:buNone/>
-            </a:pPr>
-            <a:r>
-              <a:rPr lang="en-US" sz="2800" b="1" dirty="0"/>
-              <a:t>-</a:t>
-            </a:r>
-            <a:r>
-              <a:rPr lang="en-PK" sz="2800" b="1" dirty="0"/>
-              <a:t> </a:t>
-            </a:r>
-            <a:r>
-              <a:rPr lang="en-GB" sz="2800" b="1" dirty="0"/>
-              <a:t>Database:</a:t>
-            </a:r>
           </a:p>
           <a:p>
             <a:pPr>
@@ -26175,7 +26014,7 @@
             </a:pPr>
             <a:r>
               <a:rPr lang="en-GB" sz="2800" b="1" dirty="0"/>
-              <a:t>PostgreSQL</a:t>
+              <a:t>Jest</a:t>
             </a:r>
             <a:r>
               <a:rPr lang="en-GB" sz="2800" dirty="0"/>
@@ -26188,16 +26027,7 @@
             </a:pPr>
             <a:r>
               <a:rPr lang="en-GB" sz="2400" dirty="0"/>
-              <a:t>	– Relational database management system</a:t>
-            </a:r>
-          </a:p>
-          <a:p>
-            <a:pPr>
-              <a:buNone/>
-            </a:pPr>
-            <a:r>
-              <a:rPr lang="en-GB" sz="2800" b="1" dirty="0"/>
-              <a:t>Security &amp; Authentication:</a:t>
+              <a:t>	– JavaScript testing framework</a:t>
             </a:r>
           </a:p>
           <a:p>
@@ -26207,7 +26037,7 @@
             </a:pPr>
             <a:r>
               <a:rPr lang="en-GB" sz="2800" b="1" dirty="0"/>
-              <a:t>JWT (JSON Web Tokens)</a:t>
+              <a:t>Cypress</a:t>
             </a:r>
             <a:r>
               <a:rPr lang="en-GB" sz="2800" dirty="0"/>
@@ -26220,9 +26050,57 @@
             </a:pPr>
             <a:r>
               <a:rPr lang="en-GB" sz="2400" dirty="0"/>
-              <a:t>	– Token-based</a:t>
-            </a:r>
-            <a:endParaRPr lang="en-GB" sz="2400" b="1" dirty="0"/>
+              <a:t>	– End-to-end testing for frontend authentication</a:t>
+            </a:r>
+          </a:p>
+          <a:p>
+            <a:pPr>
+              <a:buNone/>
+            </a:pPr>
+            <a:r>
+              <a:rPr lang="en-GB" sz="2800" dirty="0"/>
+              <a:t>	</a:t>
+            </a:r>
+          </a:p>
+          <a:p>
+            <a:pPr>
+              <a:buNone/>
+            </a:pPr>
+            <a:r>
+              <a:rPr lang="en-US" sz="2800" b="1" dirty="0"/>
+              <a:t>-</a:t>
+            </a:r>
+            <a:r>
+              <a:rPr lang="en-PK" sz="2800" b="1" dirty="0"/>
+              <a:t> </a:t>
+            </a:r>
+            <a:r>
+              <a:rPr lang="en-GB" sz="2800" b="1" dirty="0"/>
+              <a:t>Database:</a:t>
+            </a:r>
+          </a:p>
+          <a:p>
+            <a:pPr>
+              <a:buFont typeface="Arial" panose="020B0604020202020204" pitchFamily="34" charset="0"/>
+              <a:buChar char="•"/>
+            </a:pPr>
+            <a:r>
+              <a:rPr lang="en-GB" sz="2800" b="1" dirty="0"/>
+              <a:t>PostgreSQL</a:t>
+            </a:r>
+            <a:r>
+              <a:rPr lang="en-GB" sz="2800" dirty="0"/>
+              <a:t> </a:t>
+            </a:r>
+          </a:p>
+          <a:p>
+            <a:pPr marL="571500" lvl="1" indent="0">
+              <a:buNone/>
+            </a:pPr>
+            <a:r>
+              <a:rPr lang="en-GB" sz="2400" dirty="0"/>
+              <a:t>	– Relational database management system</a:t>
+            </a:r>
           </a:p>
           <a:p>
             <a:pPr>
@@ -26270,6 +26148,200 @@
           <p:cNvPr id="2" name="Title 1">
             <a:extLst>
               <a:ext uri="{FF2B5EF4-FFF2-40B4-BE49-F238E27FC236}">
+                <a16:creationId xmlns:a16="http://schemas.microsoft.com/office/drawing/2014/main" id="{33946DDE-DDF6-198C-1CE2-0ACDBB677C43}"/>
+              </a:ext>
+            </a:extLst>
+          </p:cNvPr>
+          <p:cNvSpPr>
+            <a:spLocks noGrp="1"/>
+          </p:cNvSpPr>
+          <p:nvPr>
+            <p:ph type="title"/>
+          </p:nvPr>
+        </p:nvSpPr>
+        <p:spPr/>
+        <p:txBody>
+          <a:bodyPr/>
+          <a:lstStyle/>
+          <a:p>
+            <a:r>
+              <a:rPr lang="en-US" dirty="0">
+                <a:solidFill>
+                  <a:srgbClr val="C00000"/>
+                </a:solidFill>
+              </a:rPr>
+              <a:t>Implementation</a:t>
+            </a:r>
+            <a:endParaRPr lang="en-PK" dirty="0">
+              <a:solidFill>
+                <a:srgbClr val="C00000"/>
+              </a:solidFill>
+            </a:endParaRPr>
+          </a:p>
+        </p:txBody>
+      </p:sp>
+      <p:sp>
+        <p:nvSpPr>
+          <p:cNvPr id="3" name="Text Placeholder 2">
+            <a:extLst>
+              <a:ext uri="{FF2B5EF4-FFF2-40B4-BE49-F238E27FC236}">
+                <a16:creationId xmlns:a16="http://schemas.microsoft.com/office/drawing/2014/main" id="{D719A41B-6884-DCEA-F323-1561DBB2C37D}"/>
+              </a:ext>
+            </a:extLst>
+          </p:cNvPr>
+          <p:cNvSpPr>
+            <a:spLocks noGrp="1"/>
+          </p:cNvSpPr>
+          <p:nvPr>
+            <p:ph type="body" idx="1"/>
+          </p:nvPr>
+        </p:nvSpPr>
+        <p:spPr/>
+        <p:txBody>
+          <a:bodyPr/>
+          <a:lstStyle/>
+          <a:p>
+            <a:pPr>
+              <a:buNone/>
+            </a:pPr>
+            <a:r>
+              <a:rPr lang="en-GB" sz="2800" b="1" dirty="0"/>
+              <a:t>- Security &amp; Authentication:</a:t>
+            </a:r>
+          </a:p>
+          <a:p>
+            <a:pPr>
+              <a:buFont typeface="Arial" panose="020B0604020202020204" pitchFamily="34" charset="0"/>
+              <a:buChar char="•"/>
+            </a:pPr>
+            <a:r>
+              <a:rPr lang="en-GB" sz="2800" b="1" dirty="0"/>
+              <a:t>JWT (JSON Web Tokens)</a:t>
+            </a:r>
+            <a:r>
+              <a:rPr lang="en-GB" sz="2800" dirty="0"/>
+              <a:t> </a:t>
+            </a:r>
+          </a:p>
+          <a:p>
+            <a:pPr marL="571500" lvl="1" indent="0">
+              <a:buNone/>
+            </a:pPr>
+            <a:r>
+              <a:rPr lang="en-GB" sz="2400" dirty="0"/>
+              <a:t>	– Token-based</a:t>
+            </a:r>
+            <a:endParaRPr lang="en-GB" sz="2400" b="1" dirty="0"/>
+          </a:p>
+          <a:p>
+            <a:pPr>
+              <a:buFont typeface="Arial" panose="020B0604020202020204" pitchFamily="34" charset="0"/>
+              <a:buChar char="•"/>
+            </a:pPr>
+            <a:r>
+              <a:rPr lang="en-GB" sz="2800" b="1" dirty="0"/>
+              <a:t>OAuth</a:t>
+            </a:r>
+            <a:r>
+              <a:rPr lang="en-GB" sz="2800" dirty="0"/>
+              <a:t> </a:t>
+            </a:r>
+          </a:p>
+          <a:p>
+            <a:pPr marL="571500" lvl="1" indent="0">
+              <a:buNone/>
+            </a:pPr>
+            <a:r>
+              <a:rPr lang="en-GB" sz="2400" dirty="0"/>
+              <a:t>	– Open standard for access delegation</a:t>
+            </a:r>
+          </a:p>
+          <a:p>
+            <a:pPr>
+              <a:buFont typeface="Arial" panose="020B0604020202020204" pitchFamily="34" charset="0"/>
+              <a:buChar char="•"/>
+            </a:pPr>
+            <a:r>
+              <a:rPr lang="en-GB" sz="2800" b="1" dirty="0"/>
+              <a:t>Google reCAPTCHA</a:t>
+            </a:r>
+            <a:r>
+              <a:rPr lang="en-GB" sz="2800" dirty="0"/>
+              <a:t> </a:t>
+            </a:r>
+          </a:p>
+          <a:p>
+            <a:pPr marL="571500" lvl="1" indent="0">
+              <a:buNone/>
+            </a:pPr>
+            <a:r>
+              <a:rPr lang="en-GB" sz="2400" dirty="0"/>
+              <a:t>	– Bot detection and spam prevention</a:t>
+            </a:r>
+          </a:p>
+          <a:p>
+            <a:pPr>
+              <a:buFont typeface="Arial" panose="020B0604020202020204" pitchFamily="34" charset="0"/>
+              <a:buChar char="•"/>
+            </a:pPr>
+            <a:r>
+              <a:rPr lang="en-GB" sz="2800" b="1" dirty="0"/>
+              <a:t>MFA (Multi-Factor Authentication)</a:t>
+            </a:r>
+            <a:r>
+              <a:rPr lang="en-GB" sz="2800" dirty="0"/>
+              <a:t> </a:t>
+            </a:r>
+          </a:p>
+          <a:p>
+            <a:pPr marL="571500" lvl="1" indent="0">
+              <a:buNone/>
+            </a:pPr>
+            <a:r>
+              <a:rPr lang="en-GB" sz="2400" dirty="0"/>
+              <a:t>	– Enhanced access control</a:t>
+            </a:r>
+          </a:p>
+          <a:p>
+            <a:endParaRPr lang="en-PK" sz="2800" dirty="0"/>
+          </a:p>
+        </p:txBody>
+      </p:sp>
+    </p:spTree>
+    <p:extLst>
+      <p:ext uri="{BB962C8B-B14F-4D97-AF65-F5344CB8AC3E}">
+        <p14:creationId xmlns:p14="http://schemas.microsoft.com/office/powerpoint/2010/main" val="113743702"/>
+      </p:ext>
+    </p:extLst>
+  </p:cSld>
+  <p:clrMapOvr>
+    <a:masterClrMapping/>
+  </p:clrMapOvr>
+</p:sld>
+</file>
+
+<file path=ppt/slides/slide43.xml><?xml version="1.0" encoding="utf-8"?>
+<p:sld xmlns:a="http://schemas.openxmlformats.org/drawingml/2006/main" xmlns:r="http://schemas.openxmlformats.org/officeDocument/2006/relationships" xmlns:p="http://schemas.openxmlformats.org/presentationml/2006/main">
+  <p:cSld>
+    <p:spTree>
+      <p:nvGrpSpPr>
+        <p:cNvPr id="1" name=""/>
+        <p:cNvGrpSpPr/>
+        <p:nvPr/>
+      </p:nvGrpSpPr>
+      <p:grpSpPr>
+        <a:xfrm>
+          <a:off x="0" y="0"/>
+          <a:ext cx="0" cy="0"/>
+          <a:chOff x="0" y="0"/>
+          <a:chExt cx="0" cy="0"/>
+        </a:xfrm>
+      </p:grpSpPr>
+      <p:sp>
+        <p:nvSpPr>
+          <p:cNvPr id="2" name="Title 1">
+            <a:extLst>
+              <a:ext uri="{FF2B5EF4-FFF2-40B4-BE49-F238E27FC236}">
                 <a16:creationId xmlns:a16="http://schemas.microsoft.com/office/drawing/2014/main" id="{D013DF4F-693F-01AF-B494-6155991B6574}"/>
               </a:ext>
             </a:extLst>
@@ -26336,9 +26408,8 @@
             </a:r>
             <a:r>
               <a:rPr lang="en-GB" sz="2800" b="1" dirty="0"/>
-              <a:t>DevOps:</a:t>
-            </a:r>
-            <a:endParaRPr lang="en-GB" sz="2400" dirty="0"/>
+              <a:t>DevOps &amp; Containerization:</a:t>
+            </a:r>
           </a:p>
           <a:p>
             <a:pPr>
@@ -26347,7 +26418,7 @@
             </a:pPr>
             <a:r>
               <a:rPr lang="en-GB" sz="2800" b="1" dirty="0"/>
-              <a:t>GitHub</a:t>
+              <a:t>Docker</a:t>
             </a:r>
             <a:r>
               <a:rPr lang="en-GB" sz="2800" dirty="0"/>
@@ -26360,9 +26431,62 @@
             </a:pPr>
             <a:r>
               <a:rPr lang="en-GB" sz="2400" dirty="0"/>
+              <a:t>	– Containerization and deployment</a:t>
+            </a:r>
+          </a:p>
+          <a:p>
+            <a:pPr>
+              <a:buFont typeface="Arial" panose="020B0604020202020204" pitchFamily="34" charset="0"/>
+              <a:buChar char="•"/>
+            </a:pPr>
+            <a:r>
+              <a:rPr lang="en-GB" sz="2800" b="1" dirty="0"/>
+              <a:t>GitHub</a:t>
+            </a:r>
+            <a:r>
+              <a:rPr lang="en-GB" sz="2800" dirty="0"/>
+              <a:t> </a:t>
+            </a:r>
+          </a:p>
+          <a:p>
+            <a:pPr marL="571500" lvl="1" indent="0">
+              <a:buNone/>
+            </a:pPr>
+            <a:r>
+              <a:rPr lang="en-GB" sz="2400" dirty="0"/>
               <a:t>	– Source code repository and version control</a:t>
             </a:r>
             <a:endParaRPr lang="en-GB" sz="2400" b="1" dirty="0"/>
+          </a:p>
+          <a:p>
+            <a:pPr>
+              <a:buFont typeface="Arial" panose="020B0604020202020204" pitchFamily="34" charset="0"/>
+              <a:buChar char="•"/>
+            </a:pPr>
+            <a:r>
+              <a:rPr lang="en-GB" sz="2800" b="1" dirty="0"/>
+              <a:t>GitHub Actions</a:t>
+            </a:r>
+            <a:r>
+              <a:rPr lang="en-GB" sz="2800" dirty="0"/>
+              <a:t> </a:t>
+            </a:r>
+          </a:p>
+          <a:p>
+            <a:pPr marL="571500" lvl="1" indent="0">
+              <a:buNone/>
+            </a:pPr>
+            <a:r>
+              <a:rPr lang="en-GB" sz="2400" dirty="0"/>
+              <a:t>	– CI/CD automation tool</a:t>
+            </a:r>
+          </a:p>
+          <a:p>
+            <a:pPr>
+              <a:buFont typeface="Arial" panose="020B0604020202020204" pitchFamily="34" charset="0"/>
+              <a:buChar char="•"/>
+            </a:pPr>
+            <a:endParaRPr lang="en-GB" sz="2800" dirty="0"/>
           </a:p>
         </p:txBody>
       </p:sp>
@@ -26379,7 +26503,7 @@
 </p:sld>
 </file>
 
-<file path=ppt/slides/slide43.xml><?xml version="1.0" encoding="utf-8"?>
+<file path=ppt/slides/slide44.xml><?xml version="1.0" encoding="utf-8"?>
 <p:sld xmlns:a="http://schemas.openxmlformats.org/drawingml/2006/main" xmlns:r="http://schemas.openxmlformats.org/officeDocument/2006/relationships" xmlns:p="http://schemas.openxmlformats.org/presentationml/2006/main">
   <p:cSld>
     <p:spTree>
@@ -26572,7 +26696,7 @@
 </p:sld>
 </file>
 
-<file path=ppt/slides/slide44.xml><?xml version="1.0" encoding="utf-8"?>
+<file path=ppt/slides/slide45.xml><?xml version="1.0" encoding="utf-8"?>
 <p:sld xmlns:a="http://schemas.openxmlformats.org/drawingml/2006/main" xmlns:r="http://schemas.openxmlformats.org/officeDocument/2006/relationships" xmlns:p="http://schemas.openxmlformats.org/presentationml/2006/main">
   <p:cSld>
     <p:spTree>
@@ -26749,7 +26873,7 @@
 </p:sld>
 </file>
 
-<file path=ppt/slides/slide45.xml><?xml version="1.0" encoding="utf-8"?>
+<file path=ppt/slides/slide46.xml><?xml version="1.0" encoding="utf-8"?>
 <p:sld xmlns:a="http://schemas.openxmlformats.org/drawingml/2006/main" xmlns:r="http://schemas.openxmlformats.org/officeDocument/2006/relationships" xmlns:p="http://schemas.openxmlformats.org/presentationml/2006/main">
   <p:cSld>
     <p:spTree>
@@ -26982,7 +27106,7 @@
 </p:sld>
 </file>
 
-<file path=ppt/slides/slide46.xml><?xml version="1.0" encoding="utf-8"?>
+<file path=ppt/slides/slide47.xml><?xml version="1.0" encoding="utf-8"?>
 <p:sld xmlns:a="http://schemas.openxmlformats.org/drawingml/2006/main" xmlns:r="http://schemas.openxmlformats.org/officeDocument/2006/relationships" xmlns:p="http://schemas.openxmlformats.org/presentationml/2006/main">
   <p:cSld>
     <p:spTree>
@@ -27130,6 +27254,20 @@
               <a:t> – For displaying interactive charts</a:t>
             </a:r>
           </a:p>
+          <a:p>
+            <a:pPr>
+              <a:buFont typeface="Arial" panose="020B0604020202020204" pitchFamily="34" charset="0"/>
+              <a:buChar char="•"/>
+            </a:pPr>
+            <a:r>
+              <a:rPr lang="en-GB" sz="2800" b="1" dirty="0"/>
+              <a:t>Framer Motion</a:t>
+            </a:r>
+            <a:r>
+              <a:rPr lang="en-GB" sz="2800" dirty="0"/>
+              <a:t> – For animation and transitions</a:t>
+            </a:r>
+          </a:p>
         </p:txBody>
       </p:sp>
     </p:spTree>
@@ -27145,7 +27283,7 @@
 </p:sld>
 </file>
 
-<file path=ppt/slides/slide47.xml><?xml version="1.0" encoding="utf-8"?>
+<file path=ppt/slides/slide48.xml><?xml version="1.0" encoding="utf-8"?>
 <p:sld xmlns:a="http://schemas.openxmlformats.org/drawingml/2006/main" xmlns:r="http://schemas.openxmlformats.org/officeDocument/2006/relationships" xmlns:p="http://schemas.openxmlformats.org/presentationml/2006/main">
   <p:cSld>
     <p:spTree>
@@ -27226,6 +27364,24 @@
             </a:pPr>
             <a:r>
               <a:rPr lang="en-GB" sz="2800" b="1" dirty="0" err="1"/>
+              <a:t>ShadCN</a:t>
+            </a:r>
+            <a:r>
+              <a:rPr lang="en-GB" sz="2800" b="1" dirty="0"/>
+              <a:t>/UI</a:t>
+            </a:r>
+            <a:r>
+              <a:rPr lang="en-GB" sz="2800" dirty="0"/>
+              <a:t> – Component library for Tailwind-based UIs</a:t>
+            </a:r>
+          </a:p>
+          <a:p>
+            <a:pPr>
+              <a:buFont typeface="Arial" panose="020B0604020202020204" pitchFamily="34" charset="0"/>
+              <a:buChar char="•"/>
+            </a:pPr>
+            <a:r>
+              <a:rPr lang="en-GB" sz="2800" b="1" dirty="0" err="1"/>
               <a:t>Lucide</a:t>
             </a:r>
             <a:r>
@@ -27239,11 +27395,46 @@
           </a:p>
           <a:p>
             <a:pPr>
+              <a:buFont typeface="Arial" panose="020B0604020202020204" pitchFamily="34" charset="0"/>
+              <a:buChar char="•"/>
+            </a:pPr>
+            <a:endParaRPr lang="en-GB" sz="2800" dirty="0"/>
+          </a:p>
+          <a:p>
+            <a:pPr>
               <a:buNone/>
             </a:pPr>
             <a:r>
               <a:rPr lang="en-GB" sz="2800" b="1" dirty="0"/>
-              <a:t>Backend (Express):</a:t>
+              <a:t>Backend (Django):</a:t>
+            </a:r>
+          </a:p>
+          <a:p>
+            <a:pPr>
+              <a:buFont typeface="Arial" panose="020B0604020202020204" pitchFamily="34" charset="0"/>
+              <a:buChar char="•"/>
+            </a:pPr>
+            <a:r>
+              <a:rPr lang="en-GB" sz="2800" b="1" dirty="0"/>
+              <a:t>Django REST Framework</a:t>
+            </a:r>
+            <a:r>
+              <a:rPr lang="en-GB" sz="2800" dirty="0"/>
+              <a:t> – For creating REST APIs</a:t>
+            </a:r>
+          </a:p>
+          <a:p>
+            <a:pPr>
+              <a:buFont typeface="Arial" panose="020B0604020202020204" pitchFamily="34" charset="0"/>
+              <a:buChar char="•"/>
+            </a:pPr>
+            <a:r>
+              <a:rPr lang="en-GB" sz="2800" b="1" dirty="0"/>
+              <a:t>Django CORS Headers</a:t>
+            </a:r>
+            <a:r>
+              <a:rPr lang="en-GB" sz="2800" dirty="0"/>
+              <a:t> – To handle cross-origin requests</a:t>
             </a:r>
           </a:p>
           <a:p>
@@ -27267,7 +27458,7 @@
 </p:sld>
 </file>
 
-<file path=ppt/slides/slide48.xml><?xml version="1.0" encoding="utf-8"?>
+<file path=ppt/slides/slide49.xml><?xml version="1.0" encoding="utf-8"?>
 <p:sld xmlns:a="http://schemas.openxmlformats.org/drawingml/2006/main" xmlns:r="http://schemas.openxmlformats.org/officeDocument/2006/relationships" xmlns:p="http://schemas.openxmlformats.org/presentationml/2006/main">
   <p:cSld>
     <p:spTree>
@@ -27366,8 +27557,41 @@
             </a:r>
             <a:r>
               <a:rPr lang="en-GB" sz="2800" dirty="0"/>
-              <a:t> – For server-side HTTP requests</a:t>
-            </a:r>
+              <a:t> – For server-side HTTP requests (e.g., </a:t>
+            </a:r>
+            <a:r>
+              <a:rPr lang="en-GB" sz="2800" dirty="0" err="1"/>
+              <a:t>Gophish</a:t>
+            </a:r>
+            <a:r>
+              <a:rPr lang="en-GB" sz="2800" dirty="0"/>
+              <a:t> API)</a:t>
+            </a:r>
+          </a:p>
+          <a:p>
+            <a:pPr>
+              <a:buFont typeface="Arial" panose="020B0604020202020204" pitchFamily="34" charset="0"/>
+              <a:buChar char="•"/>
+            </a:pPr>
+            <a:r>
+              <a:rPr lang="en-GB" sz="2800" b="1" dirty="0"/>
+              <a:t>Django </a:t>
+            </a:r>
+            <a:r>
+              <a:rPr lang="en-GB" sz="2800" b="1" dirty="0" err="1"/>
+              <a:t>Allauth</a:t>
+            </a:r>
+            <a:r>
+              <a:rPr lang="en-GB" sz="2800" b="1" dirty="0"/>
+              <a:t> / Social Auth</a:t>
+            </a:r>
+            <a:r>
+              <a:rPr lang="en-GB" sz="2800" dirty="0"/>
+              <a:t> – For OAuth integration</a:t>
+            </a:r>
+          </a:p>
+          <a:p>
+            <a:endParaRPr lang="en-PK" sz="2800" dirty="0"/>
           </a:p>
         </p:txBody>
       </p:sp>
@@ -27375,146 +27599,6 @@
     <p:extLst>
       <p:ext uri="{BB962C8B-B14F-4D97-AF65-F5344CB8AC3E}">
         <p14:creationId xmlns:p14="http://schemas.microsoft.com/office/powerpoint/2010/main" val="3611066053"/>
-      </p:ext>
-    </p:extLst>
-  </p:cSld>
-  <p:clrMapOvr>
-    <a:masterClrMapping/>
-  </p:clrMapOvr>
-</p:sld>
-</file>
-
-<file path=ppt/slides/slide49.xml><?xml version="1.0" encoding="utf-8"?>
-<p:sld xmlns:a="http://schemas.openxmlformats.org/drawingml/2006/main" xmlns:r="http://schemas.openxmlformats.org/officeDocument/2006/relationships" xmlns:p="http://schemas.openxmlformats.org/presentationml/2006/main">
-  <p:cSld>
-    <p:spTree>
-      <p:nvGrpSpPr>
-        <p:cNvPr id="1" name=""/>
-        <p:cNvGrpSpPr/>
-        <p:nvPr/>
-      </p:nvGrpSpPr>
-      <p:grpSpPr>
-        <a:xfrm>
-          <a:off x="0" y="0"/>
-          <a:ext cx="0" cy="0"/>
-          <a:chOff x="0" y="0"/>
-          <a:chExt cx="0" cy="0"/>
-        </a:xfrm>
-      </p:grpSpPr>
-      <p:sp>
-        <p:nvSpPr>
-          <p:cNvPr id="2" name="Title 1">
-            <a:extLst>
-              <a:ext uri="{FF2B5EF4-FFF2-40B4-BE49-F238E27FC236}">
-                <a16:creationId xmlns:a16="http://schemas.microsoft.com/office/drawing/2014/main" id="{77F125E4-16FF-AD16-E9B3-4ABDFA472144}"/>
-              </a:ext>
-            </a:extLst>
-          </p:cNvPr>
-          <p:cNvSpPr>
-            <a:spLocks noGrp="1"/>
-          </p:cNvSpPr>
-          <p:nvPr>
-            <p:ph type="title"/>
-          </p:nvPr>
-        </p:nvSpPr>
-        <p:spPr/>
-        <p:txBody>
-          <a:bodyPr/>
-          <a:lstStyle/>
-          <a:p>
-            <a:r>
-              <a:rPr lang="en-US" dirty="0">
-                <a:solidFill>
-                  <a:srgbClr val="C00000"/>
-                </a:solidFill>
-              </a:rPr>
-              <a:t>Implementation</a:t>
-            </a:r>
-            <a:endParaRPr lang="en-PK" dirty="0">
-              <a:solidFill>
-                <a:srgbClr val="C00000"/>
-              </a:solidFill>
-            </a:endParaRPr>
-          </a:p>
-        </p:txBody>
-      </p:sp>
-      <p:sp>
-        <p:nvSpPr>
-          <p:cNvPr id="3" name="Text Placeholder 2">
-            <a:extLst>
-              <a:ext uri="{FF2B5EF4-FFF2-40B4-BE49-F238E27FC236}">
-                <a16:creationId xmlns:a16="http://schemas.microsoft.com/office/drawing/2014/main" id="{83A6D601-79D5-1CD6-F84D-B3BF0CA013DE}"/>
-              </a:ext>
-            </a:extLst>
-          </p:cNvPr>
-          <p:cNvSpPr>
-            <a:spLocks noGrp="1"/>
-          </p:cNvSpPr>
-          <p:nvPr>
-            <p:ph type="body" idx="1"/>
-          </p:nvPr>
-        </p:nvSpPr>
-        <p:spPr/>
-        <p:txBody>
-          <a:bodyPr/>
-          <a:lstStyle/>
-          <a:p>
-            <a:pPr>
-              <a:buNone/>
-            </a:pPr>
-            <a:r>
-              <a:rPr lang="en-GB" sz="2800" b="1" dirty="0"/>
-              <a:t>Components</a:t>
-            </a:r>
-          </a:p>
-          <a:p>
-            <a:pPr>
-              <a:buFont typeface="Arial" panose="020B0604020202020204" pitchFamily="34" charset="0"/>
-              <a:buChar char="•"/>
-            </a:pPr>
-            <a:r>
-              <a:rPr lang="en-GB" sz="2800" b="1" dirty="0"/>
-              <a:t>Authentication System</a:t>
-            </a:r>
-            <a:r>
-              <a:rPr lang="en-GB" sz="2800" dirty="0"/>
-              <a:t> – Login, registration, MFA, and token management</a:t>
-            </a:r>
-          </a:p>
-          <a:p>
-            <a:pPr>
-              <a:buFont typeface="Arial" panose="020B0604020202020204" pitchFamily="34" charset="0"/>
-              <a:buChar char="•"/>
-            </a:pPr>
-            <a:r>
-              <a:rPr lang="en-GB" sz="2800" b="1" dirty="0"/>
-              <a:t>Email Campaign Manager</a:t>
-            </a:r>
-            <a:r>
-              <a:rPr lang="en-GB" sz="2800" dirty="0"/>
-              <a:t> – Interface for phishing campaign creation and scheduling</a:t>
-            </a:r>
-          </a:p>
-          <a:p>
-            <a:pPr>
-              <a:buFont typeface="Arial" panose="020B0604020202020204" pitchFamily="34" charset="0"/>
-              <a:buChar char="•"/>
-            </a:pPr>
-            <a:r>
-              <a:rPr lang="en-GB" sz="2800" b="1" dirty="0"/>
-              <a:t>Real-Time Tracker</a:t>
-            </a:r>
-            <a:r>
-              <a:rPr lang="en-GB" sz="2800" dirty="0"/>
-              <a:t> – Tracks email interactions (open, click, submit)</a:t>
-            </a:r>
-          </a:p>
-        </p:txBody>
-      </p:sp>
-    </p:spTree>
-    <p:extLst>
-      <p:ext uri="{BB962C8B-B14F-4D97-AF65-F5344CB8AC3E}">
-        <p14:creationId xmlns:p14="http://schemas.microsoft.com/office/powerpoint/2010/main" val="3736650636"/>
       </p:ext>
     </p:extLst>
   </p:cSld>
@@ -27721,6 +27805,146 @@
           <p:cNvPr id="2" name="Title 1">
             <a:extLst>
               <a:ext uri="{FF2B5EF4-FFF2-40B4-BE49-F238E27FC236}">
+                <a16:creationId xmlns:a16="http://schemas.microsoft.com/office/drawing/2014/main" id="{77F125E4-16FF-AD16-E9B3-4ABDFA472144}"/>
+              </a:ext>
+            </a:extLst>
+          </p:cNvPr>
+          <p:cNvSpPr>
+            <a:spLocks noGrp="1"/>
+          </p:cNvSpPr>
+          <p:nvPr>
+            <p:ph type="title"/>
+          </p:nvPr>
+        </p:nvSpPr>
+        <p:spPr/>
+        <p:txBody>
+          <a:bodyPr/>
+          <a:lstStyle/>
+          <a:p>
+            <a:r>
+              <a:rPr lang="en-US" dirty="0">
+                <a:solidFill>
+                  <a:srgbClr val="C00000"/>
+                </a:solidFill>
+              </a:rPr>
+              <a:t>Implementation</a:t>
+            </a:r>
+            <a:endParaRPr lang="en-PK" dirty="0">
+              <a:solidFill>
+                <a:srgbClr val="C00000"/>
+              </a:solidFill>
+            </a:endParaRPr>
+          </a:p>
+        </p:txBody>
+      </p:sp>
+      <p:sp>
+        <p:nvSpPr>
+          <p:cNvPr id="3" name="Text Placeholder 2">
+            <a:extLst>
+              <a:ext uri="{FF2B5EF4-FFF2-40B4-BE49-F238E27FC236}">
+                <a16:creationId xmlns:a16="http://schemas.microsoft.com/office/drawing/2014/main" id="{83A6D601-79D5-1CD6-F84D-B3BF0CA013DE}"/>
+              </a:ext>
+            </a:extLst>
+          </p:cNvPr>
+          <p:cNvSpPr>
+            <a:spLocks noGrp="1"/>
+          </p:cNvSpPr>
+          <p:nvPr>
+            <p:ph type="body" idx="1"/>
+          </p:nvPr>
+        </p:nvSpPr>
+        <p:spPr/>
+        <p:txBody>
+          <a:bodyPr/>
+          <a:lstStyle/>
+          <a:p>
+            <a:pPr>
+              <a:buNone/>
+            </a:pPr>
+            <a:r>
+              <a:rPr lang="en-GB" sz="2800" b="1" dirty="0"/>
+              <a:t>Components</a:t>
+            </a:r>
+          </a:p>
+          <a:p>
+            <a:pPr>
+              <a:buFont typeface="Arial" panose="020B0604020202020204" pitchFamily="34" charset="0"/>
+              <a:buChar char="•"/>
+            </a:pPr>
+            <a:r>
+              <a:rPr lang="en-GB" sz="2800" b="1" dirty="0"/>
+              <a:t>Authentication System</a:t>
+            </a:r>
+            <a:r>
+              <a:rPr lang="en-GB" sz="2800" dirty="0"/>
+              <a:t> – Login, registration, MFA, and token management</a:t>
+            </a:r>
+          </a:p>
+          <a:p>
+            <a:pPr>
+              <a:buFont typeface="Arial" panose="020B0604020202020204" pitchFamily="34" charset="0"/>
+              <a:buChar char="•"/>
+            </a:pPr>
+            <a:r>
+              <a:rPr lang="en-GB" sz="2800" b="1" dirty="0"/>
+              <a:t>Email Campaign Manager</a:t>
+            </a:r>
+            <a:r>
+              <a:rPr lang="en-GB" sz="2800" dirty="0"/>
+              <a:t> – Interface for phishing campaign creation and scheduling</a:t>
+            </a:r>
+          </a:p>
+          <a:p>
+            <a:pPr>
+              <a:buFont typeface="Arial" panose="020B0604020202020204" pitchFamily="34" charset="0"/>
+              <a:buChar char="•"/>
+            </a:pPr>
+            <a:r>
+              <a:rPr lang="en-GB" sz="2800" b="1" dirty="0"/>
+              <a:t>Real-Time Tracker</a:t>
+            </a:r>
+            <a:r>
+              <a:rPr lang="en-GB" sz="2800" dirty="0"/>
+              <a:t> – Tracks email interactions (open, click, submit)</a:t>
+            </a:r>
+          </a:p>
+        </p:txBody>
+      </p:sp>
+    </p:spTree>
+    <p:extLst>
+      <p:ext uri="{BB962C8B-B14F-4D97-AF65-F5344CB8AC3E}">
+        <p14:creationId xmlns:p14="http://schemas.microsoft.com/office/powerpoint/2010/main" val="3736650636"/>
+      </p:ext>
+    </p:extLst>
+  </p:cSld>
+  <p:clrMapOvr>
+    <a:masterClrMapping/>
+  </p:clrMapOvr>
+</p:sld>
+</file>
+
+<file path=ppt/slides/slide51.xml><?xml version="1.0" encoding="utf-8"?>
+<p:sld xmlns:a="http://schemas.openxmlformats.org/drawingml/2006/main" xmlns:r="http://schemas.openxmlformats.org/officeDocument/2006/relationships" xmlns:p="http://schemas.openxmlformats.org/presentationml/2006/main">
+  <p:cSld>
+    <p:spTree>
+      <p:nvGrpSpPr>
+        <p:cNvPr id="1" name=""/>
+        <p:cNvGrpSpPr/>
+        <p:nvPr/>
+      </p:nvGrpSpPr>
+      <p:grpSpPr>
+        <a:xfrm>
+          <a:off x="0" y="0"/>
+          <a:ext cx="0" cy="0"/>
+          <a:chOff x="0" y="0"/>
+          <a:chExt cx="0" cy="0"/>
+        </a:xfrm>
+      </p:grpSpPr>
+      <p:sp>
+        <p:nvSpPr>
+          <p:cNvPr id="2" name="Title 1">
+            <a:extLst>
+              <a:ext uri="{FF2B5EF4-FFF2-40B4-BE49-F238E27FC236}">
                 <a16:creationId xmlns:a16="http://schemas.microsoft.com/office/drawing/2014/main" id="{941306E5-1673-F3D3-513D-470B4C641816}"/>
               </a:ext>
             </a:extLst>
@@ -27840,7 +28064,7 @@
 </p:sld>
 </file>
 
-<file path=ppt/slides/slide51.xml><?xml version="1.0" encoding="utf-8"?>
+<file path=ppt/slides/slide52.xml><?xml version="1.0" encoding="utf-8"?>
 <p:sld xmlns:a="http://schemas.openxmlformats.org/drawingml/2006/main" xmlns:r="http://schemas.openxmlformats.org/officeDocument/2006/relationships" xmlns:p="http://schemas.openxmlformats.org/presentationml/2006/main">
   <p:cSld>
     <p:spTree>
@@ -27929,12 +28153,44 @@
               <a:buChar char="•"/>
             </a:pPr>
             <a:r>
+              <a:rPr lang="en-GB" sz="2800" b="1" dirty="0" err="1"/>
+              <a:t>Gophish</a:t>
+            </a:r>
+            <a:r>
               <a:rPr lang="en-GB" sz="2800" b="1" dirty="0"/>
-              <a:t>API</a:t>
+              <a:t> API</a:t>
             </a:r>
             <a:r>
               <a:rPr lang="en-GB" sz="2800" dirty="0"/>
               <a:t> – For launching, managing, and tracking phishing campaigns</a:t>
+            </a:r>
+          </a:p>
+          <a:p>
+            <a:pPr>
+              <a:buFont typeface="Arial" panose="020B0604020202020204" pitchFamily="34" charset="0"/>
+              <a:buChar char="•"/>
+            </a:pPr>
+            <a:r>
+              <a:rPr lang="en-GB" sz="2800" b="1" dirty="0"/>
+              <a:t>Google reCAPTCHA API</a:t>
+            </a:r>
+            <a:r>
+              <a:rPr lang="en-GB" sz="2800" dirty="0"/>
+              <a:t> – For bot prevention on login/registration forms</a:t>
+            </a:r>
+          </a:p>
+          <a:p>
+            <a:pPr>
+              <a:buFont typeface="Arial" panose="020B0604020202020204" pitchFamily="34" charset="0"/>
+              <a:buChar char="•"/>
+            </a:pPr>
+            <a:r>
+              <a:rPr lang="en-GB" sz="2800" b="1" dirty="0"/>
+              <a:t>OAuth 2.0 Providers (e.g., Google)</a:t>
+            </a:r>
+            <a:r>
+              <a:rPr lang="en-GB" sz="2800" dirty="0"/>
+              <a:t> – For secure federated login</a:t>
             </a:r>
           </a:p>
           <a:p>
@@ -27969,7 +28225,7 @@
 </p:sld>
 </file>
 
-<file path=ppt/slides/slide52.xml><?xml version="1.0" encoding="utf-8"?>
+<file path=ppt/slides/slide53.xml><?xml version="1.0" encoding="utf-8"?>
 <p:sld xmlns:a="http://schemas.openxmlformats.org/drawingml/2006/main" xmlns:r="http://schemas.openxmlformats.org/officeDocument/2006/relationships" xmlns:p="http://schemas.openxmlformats.org/presentationml/2006/main">
   <p:cSld>
     <p:spTree>
@@ -28190,7 +28446,7 @@
 </p:sld>
 </file>
 
-<file path=ppt/slides/slide53.xml><?xml version="1.0" encoding="utf-8"?>
+<file path=ppt/slides/slide54.xml><?xml version="1.0" encoding="utf-8"?>
 <p:sld xmlns:a="http://schemas.openxmlformats.org/drawingml/2006/main" xmlns:r="http://schemas.openxmlformats.org/officeDocument/2006/relationships" xmlns:p="http://schemas.openxmlformats.org/presentationml/2006/main">
   <p:cSld>
     <p:spTree>
@@ -28337,55 +28593,7 @@
                 <a:ea typeface="Times New Roman" panose="02020603050405020304" pitchFamily="18" charset="0"/>
                 <a:cs typeface="Calibri" panose="020F0502020204030204" pitchFamily="34" charset="0"/>
               </a:rPr>
-              <a:t>Backend: </a:t>
-            </a:r>
-            <a:r>
-              <a:rPr lang="en-US" sz="2800" dirty="0">
-                <a:solidFill>
-                  <a:srgbClr val="000000"/>
-                </a:solidFill>
-                <a:effectLst/>
-                <a:latin typeface="Calibri" panose="020F0502020204030204" pitchFamily="34" charset="0"/>
-                <a:ea typeface="Times New Roman" panose="02020603050405020304" pitchFamily="18" charset="0"/>
-                <a:cs typeface="Calibri" panose="020F0502020204030204" pitchFamily="34" charset="0"/>
-              </a:rPr>
-              <a:t>Express</a:t>
-            </a:r>
-            <a:r>
-              <a:rPr lang="en-PK" sz="2800" dirty="0">
-                <a:solidFill>
-                  <a:srgbClr val="000000"/>
-                </a:solidFill>
-                <a:effectLst/>
-                <a:latin typeface="Calibri" panose="020F0502020204030204" pitchFamily="34" charset="0"/>
-                <a:ea typeface="Times New Roman" panose="02020603050405020304" pitchFamily="18" charset="0"/>
-                <a:cs typeface="Calibri" panose="020F0502020204030204" pitchFamily="34" charset="0"/>
-              </a:rPr>
-              <a:t> (</a:t>
-            </a:r>
-            <a:r>
-              <a:rPr lang="en-US" sz="2800" dirty="0" err="1">
-                <a:solidFill>
-                  <a:srgbClr val="000000"/>
-                </a:solidFill>
-                <a:effectLst/>
-                <a:latin typeface="Calibri" panose="020F0502020204030204" pitchFamily="34" charset="0"/>
-                <a:ea typeface="Times New Roman" panose="02020603050405020304" pitchFamily="18" charset="0"/>
-                <a:cs typeface="Calibri" panose="020F0502020204030204" pitchFamily="34" charset="0"/>
-              </a:rPr>
-              <a:t>js</a:t>
-            </a:r>
-            <a:r>
-              <a:rPr lang="en-PK" sz="2800" dirty="0">
-                <a:solidFill>
-                  <a:srgbClr val="000000"/>
-                </a:solidFill>
-                <a:effectLst/>
-                <a:latin typeface="Calibri" panose="020F0502020204030204" pitchFamily="34" charset="0"/>
-                <a:ea typeface="Times New Roman" panose="02020603050405020304" pitchFamily="18" charset="0"/>
-                <a:cs typeface="Calibri" panose="020F0502020204030204" pitchFamily="34" charset="0"/>
-              </a:rPr>
-              <a:t>), Database</a:t>
+              <a:t>Backend: Django (Python), Database</a:t>
             </a:r>
           </a:p>
           <a:p>
@@ -28435,7 +28643,7 @@
                 <a:ea typeface="Times New Roman" panose="02020603050405020304" pitchFamily="18" charset="0"/>
                 <a:cs typeface="Calibri" panose="020F0502020204030204" pitchFamily="34" charset="0"/>
               </a:rPr>
-              <a:t>Tools: GitHub, Jest, Cypress</a:t>
+              <a:t>Tools: Docker, GitHub, GitHub Actions, Jest, Cypress</a:t>
             </a:r>
           </a:p>
           <a:p>
@@ -28456,7 +28664,7 @@
 </p:sld>
 </file>
 
-<file path=ppt/slides/slide54.xml><?xml version="1.0" encoding="utf-8"?>
+<file path=ppt/slides/slide55.xml><?xml version="1.0" encoding="utf-8"?>
 <p:sld xmlns:a="http://schemas.openxmlformats.org/drawingml/2006/main" xmlns:r="http://schemas.openxmlformats.org/officeDocument/2006/relationships" xmlns:p="http://schemas.openxmlformats.org/presentationml/2006/main">
   <p:cSld>
     <p:spTree>
@@ -28656,7 +28864,7 @@
 </p:sld>
 </file>
 
-<file path=ppt/slides/slide55.xml><?xml version="1.0" encoding="utf-8"?>
+<file path=ppt/slides/slide56.xml><?xml version="1.0" encoding="utf-8"?>
 <p:sld xmlns:a="http://schemas.openxmlformats.org/drawingml/2006/main" xmlns:r="http://schemas.openxmlformats.org/officeDocument/2006/relationships" xmlns:p="http://schemas.openxmlformats.org/presentationml/2006/main">
   <p:cSld>
     <p:spTree>
@@ -28830,7 +29038,7 @@
 </p:sld>
 </file>
 
-<file path=ppt/slides/slide56.xml><?xml version="1.0" encoding="utf-8"?>
+<file path=ppt/slides/slide57.xml><?xml version="1.0" encoding="utf-8"?>
 <p:sld xmlns:a="http://schemas.openxmlformats.org/drawingml/2006/main" xmlns:r="http://schemas.openxmlformats.org/officeDocument/2006/relationships" xmlns:p="http://schemas.openxmlformats.org/presentationml/2006/main">
   <p:cSld>
     <p:spTree>
@@ -28992,7 +29200,7 @@
 </p:sld>
 </file>
 
-<file path=ppt/slides/slide57.xml><?xml version="1.0" encoding="utf-8"?>
+<file path=ppt/slides/slide58.xml><?xml version="1.0" encoding="utf-8"?>
 <p:sld xmlns:a="http://schemas.openxmlformats.org/drawingml/2006/main" xmlns:r="http://schemas.openxmlformats.org/officeDocument/2006/relationships" xmlns:p="http://schemas.openxmlformats.org/presentationml/2006/main">
   <p:cSld>
     <p:spTree>
@@ -29175,7 +29383,7 @@
 </p:sld>
 </file>
 
-<file path=ppt/slides/slide58.xml><?xml version="1.0" encoding="utf-8"?>
+<file path=ppt/slides/slide59.xml><?xml version="1.0" encoding="utf-8"?>
 <p:sld xmlns:a="http://schemas.openxmlformats.org/drawingml/2006/main" xmlns:r="http://schemas.openxmlformats.org/officeDocument/2006/relationships" xmlns:p="http://schemas.openxmlformats.org/presentationml/2006/main">
   <p:cSld>
     <p:spTree>
@@ -29313,167 +29521,6 @@
     <p:extLst>
       <p:ext uri="{BB962C8B-B14F-4D97-AF65-F5344CB8AC3E}">
         <p14:creationId xmlns:p14="http://schemas.microsoft.com/office/powerpoint/2010/main" val="3372659393"/>
-      </p:ext>
-    </p:extLst>
-  </p:cSld>
-  <p:clrMapOvr>
-    <a:masterClrMapping/>
-  </p:clrMapOvr>
-</p:sld>
-</file>
-
-<file path=ppt/slides/slide59.xml><?xml version="1.0" encoding="utf-8"?>
-<p:sld xmlns:a="http://schemas.openxmlformats.org/drawingml/2006/main" xmlns:r="http://schemas.openxmlformats.org/officeDocument/2006/relationships" xmlns:p="http://schemas.openxmlformats.org/presentationml/2006/main">
-  <p:cSld>
-    <p:spTree>
-      <p:nvGrpSpPr>
-        <p:cNvPr id="1" name=""/>
-        <p:cNvGrpSpPr/>
-        <p:nvPr/>
-      </p:nvGrpSpPr>
-      <p:grpSpPr>
-        <a:xfrm>
-          <a:off x="0" y="0"/>
-          <a:ext cx="0" cy="0"/>
-          <a:chOff x="0" y="0"/>
-          <a:chExt cx="0" cy="0"/>
-        </a:xfrm>
-      </p:grpSpPr>
-      <p:sp>
-        <p:nvSpPr>
-          <p:cNvPr id="2" name="Title 1">
-            <a:extLst>
-              <a:ext uri="{FF2B5EF4-FFF2-40B4-BE49-F238E27FC236}">
-                <a16:creationId xmlns:a16="http://schemas.microsoft.com/office/drawing/2014/main" id="{000607CB-0F73-69D5-F49B-BC7B91944829}"/>
-              </a:ext>
-            </a:extLst>
-          </p:cNvPr>
-          <p:cNvSpPr>
-            <a:spLocks noGrp="1"/>
-          </p:cNvSpPr>
-          <p:nvPr>
-            <p:ph type="title"/>
-          </p:nvPr>
-        </p:nvSpPr>
-        <p:spPr/>
-        <p:txBody>
-          <a:bodyPr/>
-          <a:lstStyle/>
-          <a:p>
-            <a:r>
-              <a:rPr lang="en-US" dirty="0">
-                <a:solidFill>
-                  <a:srgbClr val="C00000"/>
-                </a:solidFill>
-              </a:rPr>
-              <a:t>Testing</a:t>
-            </a:r>
-            <a:endParaRPr lang="en-PK" dirty="0">
-              <a:solidFill>
-                <a:srgbClr val="C00000"/>
-              </a:solidFill>
-            </a:endParaRPr>
-          </a:p>
-        </p:txBody>
-      </p:sp>
-      <p:sp>
-        <p:nvSpPr>
-          <p:cNvPr id="3" name="Text Placeholder 2">
-            <a:extLst>
-              <a:ext uri="{FF2B5EF4-FFF2-40B4-BE49-F238E27FC236}">
-                <a16:creationId xmlns:a16="http://schemas.microsoft.com/office/drawing/2014/main" id="{6D498138-668B-D5EA-1ED8-CCB41528F22E}"/>
-              </a:ext>
-            </a:extLst>
-          </p:cNvPr>
-          <p:cNvSpPr>
-            <a:spLocks noGrp="1"/>
-          </p:cNvSpPr>
-          <p:nvPr>
-            <p:ph type="body" idx="1"/>
-          </p:nvPr>
-        </p:nvSpPr>
-        <p:spPr/>
-        <p:txBody>
-          <a:bodyPr/>
-          <a:lstStyle/>
-          <a:p>
-            <a:pPr>
-              <a:buFont typeface="Arial" panose="020B0604020202020204" pitchFamily="34" charset="0"/>
-              <a:buChar char="•"/>
-            </a:pPr>
-            <a:r>
-              <a:rPr lang="en-GB" sz="2800" b="1" dirty="0"/>
-              <a:t>Analytics Dashboard Accuracy</a:t>
-            </a:r>
-            <a:r>
-              <a:rPr lang="en-GB" sz="2800" dirty="0"/>
-              <a:t> – Ensure real-time updates reflect actual clicks</a:t>
-            </a:r>
-          </a:p>
-          <a:p>
-            <a:pPr>
-              <a:buFont typeface="Arial" panose="020B0604020202020204" pitchFamily="34" charset="0"/>
-              <a:buChar char="•"/>
-            </a:pPr>
-            <a:r>
-              <a:rPr lang="en-GB" sz="2800" b="1" dirty="0"/>
-              <a:t>ReCAPTCHA Check</a:t>
-            </a:r>
-            <a:r>
-              <a:rPr lang="en-GB" sz="2800" dirty="0"/>
-              <a:t> – Prevent automated login attempts</a:t>
-            </a:r>
-          </a:p>
-          <a:p>
-            <a:pPr>
-              <a:buNone/>
-            </a:pPr>
-            <a:r>
-              <a:rPr lang="en-PK" sz="2800" b="1" dirty="0"/>
-              <a:t>5. </a:t>
-            </a:r>
-            <a:r>
-              <a:rPr lang="en-GB" sz="2800" b="1" dirty="0"/>
-              <a:t>Results &amp; Observations</a:t>
-            </a:r>
-          </a:p>
-          <a:p>
-            <a:pPr>
-              <a:buFont typeface="Arial" panose="020B0604020202020204" pitchFamily="34" charset="0"/>
-              <a:buChar char="•"/>
-            </a:pPr>
-            <a:r>
-              <a:rPr lang="en-GB" sz="2800" b="1" dirty="0"/>
-              <a:t>All critical paths passed</a:t>
-            </a:r>
-            <a:r>
-              <a:rPr lang="en-GB" sz="2800" dirty="0"/>
-              <a:t> (login, campaign, tracking, RBAC enforcement)</a:t>
-            </a:r>
-          </a:p>
-          <a:p>
-            <a:pPr>
-              <a:buFont typeface="Arial" panose="020B0604020202020204" pitchFamily="34" charset="0"/>
-              <a:buChar char="•"/>
-            </a:pPr>
-            <a:r>
-              <a:rPr lang="en-GB" sz="2800" b="1" dirty="0"/>
-              <a:t>Security vulnerabilities mitigated</a:t>
-            </a:r>
-            <a:r>
-              <a:rPr lang="en-GB" sz="2800" dirty="0"/>
-              <a:t> with WAF, token auth, and rate limits</a:t>
-            </a:r>
-          </a:p>
-          <a:p>
-            <a:endParaRPr lang="en-PK" sz="2800" dirty="0"/>
-          </a:p>
-        </p:txBody>
-      </p:sp>
-    </p:spTree>
-    <p:extLst>
-      <p:ext uri="{BB962C8B-B14F-4D97-AF65-F5344CB8AC3E}">
-        <p14:creationId xmlns:p14="http://schemas.microsoft.com/office/powerpoint/2010/main" val="671261424"/>
       </p:ext>
     </p:extLst>
   </p:cSld>
@@ -29656,6 +29703,167 @@
           <p:cNvPr id="2" name="Title 1">
             <a:extLst>
               <a:ext uri="{FF2B5EF4-FFF2-40B4-BE49-F238E27FC236}">
+                <a16:creationId xmlns:a16="http://schemas.microsoft.com/office/drawing/2014/main" id="{000607CB-0F73-69D5-F49B-BC7B91944829}"/>
+              </a:ext>
+            </a:extLst>
+          </p:cNvPr>
+          <p:cNvSpPr>
+            <a:spLocks noGrp="1"/>
+          </p:cNvSpPr>
+          <p:nvPr>
+            <p:ph type="title"/>
+          </p:nvPr>
+        </p:nvSpPr>
+        <p:spPr/>
+        <p:txBody>
+          <a:bodyPr/>
+          <a:lstStyle/>
+          <a:p>
+            <a:r>
+              <a:rPr lang="en-US" dirty="0">
+                <a:solidFill>
+                  <a:srgbClr val="C00000"/>
+                </a:solidFill>
+              </a:rPr>
+              <a:t>Testing</a:t>
+            </a:r>
+            <a:endParaRPr lang="en-PK" dirty="0">
+              <a:solidFill>
+                <a:srgbClr val="C00000"/>
+              </a:solidFill>
+            </a:endParaRPr>
+          </a:p>
+        </p:txBody>
+      </p:sp>
+      <p:sp>
+        <p:nvSpPr>
+          <p:cNvPr id="3" name="Text Placeholder 2">
+            <a:extLst>
+              <a:ext uri="{FF2B5EF4-FFF2-40B4-BE49-F238E27FC236}">
+                <a16:creationId xmlns:a16="http://schemas.microsoft.com/office/drawing/2014/main" id="{6D498138-668B-D5EA-1ED8-CCB41528F22E}"/>
+              </a:ext>
+            </a:extLst>
+          </p:cNvPr>
+          <p:cNvSpPr>
+            <a:spLocks noGrp="1"/>
+          </p:cNvSpPr>
+          <p:nvPr>
+            <p:ph type="body" idx="1"/>
+          </p:nvPr>
+        </p:nvSpPr>
+        <p:spPr/>
+        <p:txBody>
+          <a:bodyPr/>
+          <a:lstStyle/>
+          <a:p>
+            <a:pPr>
+              <a:buFont typeface="Arial" panose="020B0604020202020204" pitchFamily="34" charset="0"/>
+              <a:buChar char="•"/>
+            </a:pPr>
+            <a:r>
+              <a:rPr lang="en-GB" sz="2800" b="1" dirty="0"/>
+              <a:t>Analytics Dashboard Accuracy</a:t>
+            </a:r>
+            <a:r>
+              <a:rPr lang="en-GB" sz="2800" dirty="0"/>
+              <a:t> – Ensure real-time updates reflect actual clicks</a:t>
+            </a:r>
+          </a:p>
+          <a:p>
+            <a:pPr>
+              <a:buFont typeface="Arial" panose="020B0604020202020204" pitchFamily="34" charset="0"/>
+              <a:buChar char="•"/>
+            </a:pPr>
+            <a:r>
+              <a:rPr lang="en-GB" sz="2800" b="1" dirty="0"/>
+              <a:t>ReCAPTCHA Check</a:t>
+            </a:r>
+            <a:r>
+              <a:rPr lang="en-GB" sz="2800" dirty="0"/>
+              <a:t> – Prevent automated login attempts</a:t>
+            </a:r>
+          </a:p>
+          <a:p>
+            <a:pPr>
+              <a:buNone/>
+            </a:pPr>
+            <a:r>
+              <a:rPr lang="en-PK" sz="2800" b="1" dirty="0"/>
+              <a:t>5. </a:t>
+            </a:r>
+            <a:r>
+              <a:rPr lang="en-GB" sz="2800" b="1" dirty="0"/>
+              <a:t>Results &amp; Observations</a:t>
+            </a:r>
+          </a:p>
+          <a:p>
+            <a:pPr>
+              <a:buFont typeface="Arial" panose="020B0604020202020204" pitchFamily="34" charset="0"/>
+              <a:buChar char="•"/>
+            </a:pPr>
+            <a:r>
+              <a:rPr lang="en-GB" sz="2800" b="1" dirty="0"/>
+              <a:t>All critical paths passed</a:t>
+            </a:r>
+            <a:r>
+              <a:rPr lang="en-GB" sz="2800" dirty="0"/>
+              <a:t> (login, campaign, tracking, RBAC enforcement)</a:t>
+            </a:r>
+          </a:p>
+          <a:p>
+            <a:pPr>
+              <a:buFont typeface="Arial" panose="020B0604020202020204" pitchFamily="34" charset="0"/>
+              <a:buChar char="•"/>
+            </a:pPr>
+            <a:r>
+              <a:rPr lang="en-GB" sz="2800" b="1" dirty="0"/>
+              <a:t>Security vulnerabilities mitigated</a:t>
+            </a:r>
+            <a:r>
+              <a:rPr lang="en-GB" sz="2800" dirty="0"/>
+              <a:t> with WAF, token auth, and rate limits</a:t>
+            </a:r>
+          </a:p>
+          <a:p>
+            <a:endParaRPr lang="en-PK" sz="2800" dirty="0"/>
+          </a:p>
+        </p:txBody>
+      </p:sp>
+    </p:spTree>
+    <p:extLst>
+      <p:ext uri="{BB962C8B-B14F-4D97-AF65-F5344CB8AC3E}">
+        <p14:creationId xmlns:p14="http://schemas.microsoft.com/office/powerpoint/2010/main" val="671261424"/>
+      </p:ext>
+    </p:extLst>
+  </p:cSld>
+  <p:clrMapOvr>
+    <a:masterClrMapping/>
+  </p:clrMapOvr>
+</p:sld>
+</file>
+
+<file path=ppt/slides/slide61.xml><?xml version="1.0" encoding="utf-8"?>
+<p:sld xmlns:a="http://schemas.openxmlformats.org/drawingml/2006/main" xmlns:r="http://schemas.openxmlformats.org/officeDocument/2006/relationships" xmlns:p="http://schemas.openxmlformats.org/presentationml/2006/main">
+  <p:cSld>
+    <p:spTree>
+      <p:nvGrpSpPr>
+        <p:cNvPr id="1" name=""/>
+        <p:cNvGrpSpPr/>
+        <p:nvPr/>
+      </p:nvGrpSpPr>
+      <p:grpSpPr>
+        <a:xfrm>
+          <a:off x="0" y="0"/>
+          <a:ext cx="0" cy="0"/>
+          <a:chOff x="0" y="0"/>
+          <a:chExt cx="0" cy="0"/>
+        </a:xfrm>
+      </p:grpSpPr>
+      <p:sp>
+        <p:nvSpPr>
+          <p:cNvPr id="2" name="Title 1">
+            <a:extLst>
+              <a:ext uri="{FF2B5EF4-FFF2-40B4-BE49-F238E27FC236}">
                 <a16:creationId xmlns:a16="http://schemas.microsoft.com/office/drawing/2014/main" id="{1BEBA162-197E-A31B-C10A-4947F517368B}"/>
               </a:ext>
             </a:extLst>
@@ -29809,7 +30017,7 @@
 </p:sld>
 </file>
 
-<file path=ppt/slides/slide61.xml><?xml version="1.0" encoding="utf-8"?>
+<file path=ppt/slides/slide62.xml><?xml version="1.0" encoding="utf-8"?>
 <p:sld xmlns:a="http://schemas.openxmlformats.org/drawingml/2006/main" xmlns:r="http://schemas.openxmlformats.org/officeDocument/2006/relationships" xmlns:p="http://schemas.openxmlformats.org/presentationml/2006/main">
   <p:cSld>
     <p:spTree>
@@ -29934,7 +30142,7 @@
 </p:sld>
 </file>
 
-<file path=ppt/slides/slide62.xml><?xml version="1.0" encoding="utf-8"?>
+<file path=ppt/slides/slide63.xml><?xml version="1.0" encoding="utf-8"?>
 <p:sld xmlns:a="http://schemas.openxmlformats.org/drawingml/2006/main" xmlns:r="http://schemas.openxmlformats.org/officeDocument/2006/relationships" xmlns:p="http://schemas.openxmlformats.org/presentationml/2006/main">
   <p:cSld>
     <p:spTree>
@@ -30344,7 +30552,7 @@
 </p:sld>
 </file>
 
-<file path=ppt/slides/slide63.xml><?xml version="1.0" encoding="utf-8"?>
+<file path=ppt/slides/slide64.xml><?xml version="1.0" encoding="utf-8"?>
 <p:sld xmlns:a="http://schemas.openxmlformats.org/drawingml/2006/main" xmlns:r="http://schemas.openxmlformats.org/officeDocument/2006/relationships" xmlns:p="http://schemas.openxmlformats.org/presentationml/2006/main">
   <p:cSld>
     <p:spTree>
@@ -30496,7 +30704,7 @@
 </p:sld>
 </file>
 
-<file path=ppt/slides/slide64.xml><?xml version="1.0" encoding="utf-8"?>
+<file path=ppt/slides/slide65.xml><?xml version="1.0" encoding="utf-8"?>
 <p:sld xmlns:a="http://schemas.openxmlformats.org/drawingml/2006/main" xmlns:r="http://schemas.openxmlformats.org/officeDocument/2006/relationships" xmlns:p="http://schemas.openxmlformats.org/presentationml/2006/main">
   <p:cSld>
     <p:spTree>
@@ -30639,7 +30847,7 @@
 </p:sld>
 </file>
 
-<file path=ppt/slides/slide65.xml><?xml version="1.0" encoding="utf-8"?>
+<file path=ppt/slides/slide66.xml><?xml version="1.0" encoding="utf-8"?>
 <p:sld xmlns:a="http://schemas.openxmlformats.org/drawingml/2006/main" xmlns:r="http://schemas.openxmlformats.org/officeDocument/2006/relationships" xmlns:p="http://schemas.openxmlformats.org/presentationml/2006/main">
   <p:cSld>
     <p:spTree>
@@ -30797,7 +31005,7 @@
 </p:sld>
 </file>
 
-<file path=ppt/slides/slide66.xml><?xml version="1.0" encoding="utf-8"?>
+<file path=ppt/slides/slide67.xml><?xml version="1.0" encoding="utf-8"?>
 <p:sld xmlns:a="http://schemas.openxmlformats.org/drawingml/2006/main" xmlns:r="http://schemas.openxmlformats.org/officeDocument/2006/relationships" xmlns:p="http://schemas.openxmlformats.org/presentationml/2006/main">
   <p:cSld>
     <p:spTree>
@@ -30959,7 +31167,7 @@
 </p:sld>
 </file>
 
-<file path=ppt/slides/slide67.xml><?xml version="1.0" encoding="utf-8"?>
+<file path=ppt/slides/slide68.xml><?xml version="1.0" encoding="utf-8"?>
 <p:sld xmlns:a="http://schemas.openxmlformats.org/drawingml/2006/main" xmlns:r="http://schemas.openxmlformats.org/officeDocument/2006/relationships" xmlns:p="http://schemas.openxmlformats.org/presentationml/2006/main">
   <p:cSld>
     <p:spTree>
@@ -31128,7 +31336,7 @@
 </p:sld>
 </file>
 
-<file path=ppt/slides/slide68.xml><?xml version="1.0" encoding="utf-8"?>
+<file path=ppt/slides/slide69.xml><?xml version="1.0" encoding="utf-8"?>
 <p:sld xmlns:a="http://schemas.openxmlformats.org/drawingml/2006/main" xmlns:r="http://schemas.openxmlformats.org/officeDocument/2006/relationships" xmlns:p="http://schemas.openxmlformats.org/presentationml/2006/main">
   <p:cSld>
     <p:spTree>
@@ -31263,178 +31471,6 @@
     <p:extLst>
       <p:ext uri="{BB962C8B-B14F-4D97-AF65-F5344CB8AC3E}">
         <p14:creationId xmlns:p14="http://schemas.microsoft.com/office/powerpoint/2010/main" val="3425642810"/>
-      </p:ext>
-    </p:extLst>
-  </p:cSld>
-  <p:clrMapOvr>
-    <a:masterClrMapping/>
-  </p:clrMapOvr>
-</p:sld>
-</file>
-
-<file path=ppt/slides/slide69.xml><?xml version="1.0" encoding="utf-8"?>
-<p:sld xmlns:a="http://schemas.openxmlformats.org/drawingml/2006/main" xmlns:r="http://schemas.openxmlformats.org/officeDocument/2006/relationships" xmlns:p="http://schemas.openxmlformats.org/presentationml/2006/main">
-  <p:cSld>
-    <p:spTree>
-      <p:nvGrpSpPr>
-        <p:cNvPr id="1" name=""/>
-        <p:cNvGrpSpPr/>
-        <p:nvPr/>
-      </p:nvGrpSpPr>
-      <p:grpSpPr>
-        <a:xfrm>
-          <a:off x="0" y="0"/>
-          <a:ext cx="0" cy="0"/>
-          <a:chOff x="0" y="0"/>
-          <a:chExt cx="0" cy="0"/>
-        </a:xfrm>
-      </p:grpSpPr>
-      <p:sp>
-        <p:nvSpPr>
-          <p:cNvPr id="2" name="Title 1">
-            <a:extLst>
-              <a:ext uri="{FF2B5EF4-FFF2-40B4-BE49-F238E27FC236}">
-                <a16:creationId xmlns:a16="http://schemas.microsoft.com/office/drawing/2014/main" id="{567E9EC4-AD2E-D74E-68CF-65BA9C81AE11}"/>
-              </a:ext>
-            </a:extLst>
-          </p:cNvPr>
-          <p:cNvSpPr>
-            <a:spLocks noGrp="1"/>
-          </p:cNvSpPr>
-          <p:nvPr>
-            <p:ph type="title"/>
-          </p:nvPr>
-        </p:nvSpPr>
-        <p:spPr/>
-        <p:txBody>
-          <a:bodyPr/>
-          <a:lstStyle/>
-          <a:p>
-            <a:r>
-              <a:rPr lang="en-US" dirty="0">
-                <a:solidFill>
-                  <a:srgbClr val="C00000"/>
-                </a:solidFill>
-              </a:rPr>
-              <a:t>Endeavour</a:t>
-            </a:r>
-            <a:endParaRPr lang="en-PK" dirty="0">
-              <a:solidFill>
-                <a:srgbClr val="C00000"/>
-              </a:solidFill>
-            </a:endParaRPr>
-          </a:p>
-        </p:txBody>
-      </p:sp>
-      <p:sp>
-        <p:nvSpPr>
-          <p:cNvPr id="3" name="Text Placeholder 2">
-            <a:extLst>
-              <a:ext uri="{FF2B5EF4-FFF2-40B4-BE49-F238E27FC236}">
-                <a16:creationId xmlns:a16="http://schemas.microsoft.com/office/drawing/2014/main" id="{05F85161-0BB4-C9B3-8014-EE8211542D45}"/>
-              </a:ext>
-            </a:extLst>
-          </p:cNvPr>
-          <p:cNvSpPr>
-            <a:spLocks noGrp="1"/>
-          </p:cNvSpPr>
-          <p:nvPr>
-            <p:ph type="body" idx="1"/>
-          </p:nvPr>
-        </p:nvSpPr>
-        <p:spPr/>
-        <p:txBody>
-          <a:bodyPr/>
-          <a:lstStyle/>
-          <a:p>
-            <a:pPr>
-              <a:buFont typeface="Arial" panose="020B0604020202020204" pitchFamily="34" charset="0"/>
-              <a:buChar char="•"/>
-            </a:pPr>
-            <a:r>
-              <a:rPr lang="en-GB" sz="2800" b="1" dirty="0"/>
-              <a:t>Documentation:</a:t>
-            </a:r>
-            <a:r>
-              <a:rPr lang="en-GB" sz="2800" dirty="0"/>
-              <a:t> Structured FYP report, threat modelling, technical sections</a:t>
-            </a:r>
-          </a:p>
-          <a:p>
-            <a:pPr>
-              <a:buFont typeface="Arial" panose="020B0604020202020204" pitchFamily="34" charset="0"/>
-              <a:buChar char="•"/>
-            </a:pPr>
-            <a:r>
-              <a:rPr lang="en-GB" sz="2800" b="1" dirty="0"/>
-              <a:t>GUI Design:</a:t>
-            </a:r>
-            <a:r>
-              <a:rPr lang="en-GB" sz="2800" dirty="0"/>
-              <a:t> Created UI mock-ups and implemented Tailwind-based layouts</a:t>
-            </a:r>
-          </a:p>
-          <a:p>
-            <a:pPr>
-              <a:buFont typeface="Arial" panose="020B0604020202020204" pitchFamily="34" charset="0"/>
-              <a:buChar char="•"/>
-            </a:pPr>
-            <a:r>
-              <a:rPr lang="en-GB" sz="2800" b="1" dirty="0"/>
-              <a:t>Database:</a:t>
-            </a:r>
-            <a:r>
-              <a:rPr lang="en-GB" sz="2800" dirty="0"/>
-              <a:t> Helped model schema, normalization, indexing</a:t>
-            </a:r>
-          </a:p>
-          <a:p>
-            <a:endParaRPr lang="en-US" sz="2800" dirty="0"/>
-          </a:p>
-          <a:p>
-            <a:pPr>
-              <a:buNone/>
-            </a:pPr>
-            <a:r>
-              <a:rPr lang="en-GB" sz="2800" b="1" dirty="0"/>
-              <a:t>Umar Waqar – Development</a:t>
-            </a:r>
-          </a:p>
-          <a:p>
-            <a:pPr>
-              <a:buFont typeface="Arial" panose="020B0604020202020204" pitchFamily="34" charset="0"/>
-              <a:buChar char="•"/>
-            </a:pPr>
-            <a:r>
-              <a:rPr lang="en-GB" sz="2800" b="1" dirty="0"/>
-              <a:t>Responsibility:</a:t>
-            </a:r>
-            <a:r>
-              <a:rPr lang="en-GB" sz="2800" dirty="0"/>
-              <a:t> ?</a:t>
-            </a:r>
-          </a:p>
-          <a:p>
-            <a:pPr>
-              <a:buFont typeface="Arial" panose="020B0604020202020204" pitchFamily="34" charset="0"/>
-              <a:buChar char="•"/>
-            </a:pPr>
-            <a:r>
-              <a:rPr lang="en-GB" sz="2800" b="1" dirty="0"/>
-              <a:t>Responsibility:</a:t>
-            </a:r>
-            <a:r>
-              <a:rPr lang="en-GB" sz="2800" dirty="0"/>
-              <a:t> ?</a:t>
-            </a:r>
-            <a:endParaRPr lang="en-PK" sz="2800" dirty="0"/>
-          </a:p>
-        </p:txBody>
-      </p:sp>
-    </p:spTree>
-    <p:extLst>
-      <p:ext uri="{BB962C8B-B14F-4D97-AF65-F5344CB8AC3E}">
-        <p14:creationId xmlns:p14="http://schemas.microsoft.com/office/powerpoint/2010/main" val="1601989764"/>
       </p:ext>
     </p:extLst>
   </p:cSld>
@@ -31717,6 +31753,178 @@
   <p:cSld>
     <p:spTree>
       <p:nvGrpSpPr>
+        <p:cNvPr id="1" name=""/>
+        <p:cNvGrpSpPr/>
+        <p:nvPr/>
+      </p:nvGrpSpPr>
+      <p:grpSpPr>
+        <a:xfrm>
+          <a:off x="0" y="0"/>
+          <a:ext cx="0" cy="0"/>
+          <a:chOff x="0" y="0"/>
+          <a:chExt cx="0" cy="0"/>
+        </a:xfrm>
+      </p:grpSpPr>
+      <p:sp>
+        <p:nvSpPr>
+          <p:cNvPr id="2" name="Title 1">
+            <a:extLst>
+              <a:ext uri="{FF2B5EF4-FFF2-40B4-BE49-F238E27FC236}">
+                <a16:creationId xmlns:a16="http://schemas.microsoft.com/office/drawing/2014/main" id="{567E9EC4-AD2E-D74E-68CF-65BA9C81AE11}"/>
+              </a:ext>
+            </a:extLst>
+          </p:cNvPr>
+          <p:cNvSpPr>
+            <a:spLocks noGrp="1"/>
+          </p:cNvSpPr>
+          <p:nvPr>
+            <p:ph type="title"/>
+          </p:nvPr>
+        </p:nvSpPr>
+        <p:spPr/>
+        <p:txBody>
+          <a:bodyPr/>
+          <a:lstStyle/>
+          <a:p>
+            <a:r>
+              <a:rPr lang="en-US" dirty="0">
+                <a:solidFill>
+                  <a:srgbClr val="C00000"/>
+                </a:solidFill>
+              </a:rPr>
+              <a:t>Endeavour</a:t>
+            </a:r>
+            <a:endParaRPr lang="en-PK" dirty="0">
+              <a:solidFill>
+                <a:srgbClr val="C00000"/>
+              </a:solidFill>
+            </a:endParaRPr>
+          </a:p>
+        </p:txBody>
+      </p:sp>
+      <p:sp>
+        <p:nvSpPr>
+          <p:cNvPr id="3" name="Text Placeholder 2">
+            <a:extLst>
+              <a:ext uri="{FF2B5EF4-FFF2-40B4-BE49-F238E27FC236}">
+                <a16:creationId xmlns:a16="http://schemas.microsoft.com/office/drawing/2014/main" id="{05F85161-0BB4-C9B3-8014-EE8211542D45}"/>
+              </a:ext>
+            </a:extLst>
+          </p:cNvPr>
+          <p:cNvSpPr>
+            <a:spLocks noGrp="1"/>
+          </p:cNvSpPr>
+          <p:nvPr>
+            <p:ph type="body" idx="1"/>
+          </p:nvPr>
+        </p:nvSpPr>
+        <p:spPr/>
+        <p:txBody>
+          <a:bodyPr/>
+          <a:lstStyle/>
+          <a:p>
+            <a:pPr>
+              <a:buFont typeface="Arial" panose="020B0604020202020204" pitchFamily="34" charset="0"/>
+              <a:buChar char="•"/>
+            </a:pPr>
+            <a:r>
+              <a:rPr lang="en-GB" sz="2800" b="1" dirty="0"/>
+              <a:t>Documentation:</a:t>
+            </a:r>
+            <a:r>
+              <a:rPr lang="en-GB" sz="2800" dirty="0"/>
+              <a:t> Structured FYP report, threat modelling, technical sections</a:t>
+            </a:r>
+          </a:p>
+          <a:p>
+            <a:pPr>
+              <a:buFont typeface="Arial" panose="020B0604020202020204" pitchFamily="34" charset="0"/>
+              <a:buChar char="•"/>
+            </a:pPr>
+            <a:r>
+              <a:rPr lang="en-GB" sz="2800" b="1" dirty="0"/>
+              <a:t>GUI Design:</a:t>
+            </a:r>
+            <a:r>
+              <a:rPr lang="en-GB" sz="2800" dirty="0"/>
+              <a:t> Created UI mock-ups and implemented Tailwind-based layouts</a:t>
+            </a:r>
+          </a:p>
+          <a:p>
+            <a:pPr>
+              <a:buFont typeface="Arial" panose="020B0604020202020204" pitchFamily="34" charset="0"/>
+              <a:buChar char="•"/>
+            </a:pPr>
+            <a:r>
+              <a:rPr lang="en-GB" sz="2800" b="1" dirty="0"/>
+              <a:t>Database:</a:t>
+            </a:r>
+            <a:r>
+              <a:rPr lang="en-GB" sz="2800" dirty="0"/>
+              <a:t> Helped model schema, normalization, indexing</a:t>
+            </a:r>
+          </a:p>
+          <a:p>
+            <a:endParaRPr lang="en-US" sz="2800" dirty="0"/>
+          </a:p>
+          <a:p>
+            <a:pPr>
+              <a:buNone/>
+            </a:pPr>
+            <a:r>
+              <a:rPr lang="en-GB" sz="2800" b="1" dirty="0"/>
+              <a:t>Umar Waqar – Development</a:t>
+            </a:r>
+          </a:p>
+          <a:p>
+            <a:pPr>
+              <a:buFont typeface="Arial" panose="020B0604020202020204" pitchFamily="34" charset="0"/>
+              <a:buChar char="•"/>
+            </a:pPr>
+            <a:r>
+              <a:rPr lang="en-GB" sz="2800" b="1" dirty="0"/>
+              <a:t>Responsibility:</a:t>
+            </a:r>
+            <a:r>
+              <a:rPr lang="en-GB" sz="2800" dirty="0"/>
+              <a:t> ?</a:t>
+            </a:r>
+          </a:p>
+          <a:p>
+            <a:pPr>
+              <a:buFont typeface="Arial" panose="020B0604020202020204" pitchFamily="34" charset="0"/>
+              <a:buChar char="•"/>
+            </a:pPr>
+            <a:r>
+              <a:rPr lang="en-GB" sz="2800" b="1" dirty="0"/>
+              <a:t>Responsibility:</a:t>
+            </a:r>
+            <a:r>
+              <a:rPr lang="en-GB" sz="2800" dirty="0"/>
+              <a:t> ?</a:t>
+            </a:r>
+            <a:endParaRPr lang="en-PK" sz="2800" dirty="0"/>
+          </a:p>
+        </p:txBody>
+      </p:sp>
+    </p:spTree>
+    <p:extLst>
+      <p:ext uri="{BB962C8B-B14F-4D97-AF65-F5344CB8AC3E}">
+        <p14:creationId xmlns:p14="http://schemas.microsoft.com/office/powerpoint/2010/main" val="1601989764"/>
+      </p:ext>
+    </p:extLst>
+  </p:cSld>
+  <p:clrMapOvr>
+    <a:masterClrMapping/>
+  </p:clrMapOvr>
+</p:sld>
+</file>
+
+<file path=ppt/slides/slide71.xml><?xml version="1.0" encoding="utf-8"?>
+<p:sld xmlns:a="http://schemas.openxmlformats.org/drawingml/2006/main" xmlns:r="http://schemas.openxmlformats.org/officeDocument/2006/relationships" xmlns:p="http://schemas.openxmlformats.org/presentationml/2006/main">
+  <p:cSld>
+    <p:spTree>
+      <p:nvGrpSpPr>
         <p:cNvPr id="1" name="Shape 180"/>
         <p:cNvGrpSpPr/>
         <p:nvPr/>
@@ -31837,7 +32045,7 @@
 </p:sld>
 </file>
 
-<file path=ppt/slides/slide71.xml><?xml version="1.0" encoding="utf-8"?>
+<file path=ppt/slides/slide72.xml><?xml version="1.0" encoding="utf-8"?>
 <p:sld xmlns:a="http://schemas.openxmlformats.org/drawingml/2006/main" xmlns:r="http://schemas.openxmlformats.org/officeDocument/2006/relationships" xmlns:p="http://schemas.openxmlformats.org/presentationml/2006/main">
   <p:cSld>
     <p:spTree>
@@ -32541,7 +32749,7 @@
 </p:sld>
 </file>
 
-<file path=ppt/slides/slide72.xml><?xml version="1.0" encoding="utf-8"?>
+<file path=ppt/slides/slide73.xml><?xml version="1.0" encoding="utf-8"?>
 <p:sld xmlns:a="http://schemas.openxmlformats.org/drawingml/2006/main" xmlns:r="http://schemas.openxmlformats.org/officeDocument/2006/relationships" xmlns:p="http://schemas.openxmlformats.org/presentationml/2006/main">
   <p:cSld>
     <p:spTree>
@@ -32752,7 +32960,7 @@
 </p:sld>
 </file>
 
-<file path=ppt/slides/slide73.xml><?xml version="1.0" encoding="utf-8"?>
+<file path=ppt/slides/slide74.xml><?xml version="1.0" encoding="utf-8"?>
 <p:sld xmlns:a="http://schemas.openxmlformats.org/drawingml/2006/main" xmlns:r="http://schemas.openxmlformats.org/officeDocument/2006/relationships" xmlns:p="http://schemas.openxmlformats.org/presentationml/2006/main">
   <p:cSld>
     <p:spTree>
@@ -32895,7 +33103,7 @@
 </p:sld>
 </file>
 
-<file path=ppt/slides/slide74.xml><?xml version="1.0" encoding="utf-8"?>
+<file path=ppt/slides/slide75.xml><?xml version="1.0" encoding="utf-8"?>
 <p:sld xmlns:a="http://schemas.openxmlformats.org/drawingml/2006/main" xmlns:r="http://schemas.openxmlformats.org/officeDocument/2006/relationships" xmlns:p="http://schemas.openxmlformats.org/presentationml/2006/main">
   <p:cSld>
     <p:spTree>
@@ -33039,7 +33247,7 @@
 </p:sld>
 </file>
 
-<file path=ppt/slides/slide75.xml><?xml version="1.0" encoding="utf-8"?>
+<file path=ppt/slides/slide76.xml><?xml version="1.0" encoding="utf-8"?>
 <p:sld xmlns:a="http://schemas.openxmlformats.org/drawingml/2006/main" xmlns:r="http://schemas.openxmlformats.org/officeDocument/2006/relationships" xmlns:p="http://schemas.openxmlformats.org/presentationml/2006/main">
   <p:cSld>
     <p:spTree>
@@ -33183,7 +33391,7 @@
 </p:sld>
 </file>
 
-<file path=ppt/slides/slide76.xml><?xml version="1.0" encoding="utf-8"?>
+<file path=ppt/slides/slide77.xml><?xml version="1.0" encoding="utf-8"?>
 <p:sld xmlns:a="http://schemas.openxmlformats.org/drawingml/2006/main" xmlns:r="http://schemas.openxmlformats.org/officeDocument/2006/relationships" xmlns:p="http://schemas.openxmlformats.org/presentationml/2006/main">
   <p:cSld>
     <p:spTree>
@@ -33327,7 +33535,7 @@
 </p:sld>
 </file>
 
-<file path=ppt/slides/slide77.xml><?xml version="1.0" encoding="utf-8"?>
+<file path=ppt/slides/slide78.xml><?xml version="1.0" encoding="utf-8"?>
 <p:sld xmlns:a="http://schemas.openxmlformats.org/drawingml/2006/main" xmlns:r="http://schemas.openxmlformats.org/officeDocument/2006/relationships" xmlns:p="http://schemas.openxmlformats.org/presentationml/2006/main">
   <p:cSld>
     <p:spTree>
@@ -33452,7 +33660,7 @@
 </p:sld>
 </file>
 
-<file path=ppt/slides/slide78.xml><?xml version="1.0" encoding="utf-8"?>
+<file path=ppt/slides/slide79.xml><?xml version="1.0" encoding="utf-8"?>
 <p:sld xmlns:a="http://schemas.openxmlformats.org/drawingml/2006/main" xmlns:r="http://schemas.openxmlformats.org/officeDocument/2006/relationships" xmlns:p="http://schemas.openxmlformats.org/presentationml/2006/main">
   <p:cSld>
     <p:spTree>
@@ -33647,152 +33855,6 @@
 </p:sld>
 </file>
 
-<file path=ppt/slides/slide79.xml><?xml version="1.0" encoding="utf-8"?>
-<p:sld xmlns:a="http://schemas.openxmlformats.org/drawingml/2006/main" xmlns:r="http://schemas.openxmlformats.org/officeDocument/2006/relationships" xmlns:p="http://schemas.openxmlformats.org/presentationml/2006/main">
-  <p:cSld>
-    <p:spTree>
-      <p:nvGrpSpPr>
-        <p:cNvPr id="1" name=""/>
-        <p:cNvGrpSpPr/>
-        <p:nvPr/>
-      </p:nvGrpSpPr>
-      <p:grpSpPr>
-        <a:xfrm>
-          <a:off x="0" y="0"/>
-          <a:ext cx="0" cy="0"/>
-          <a:chOff x="0" y="0"/>
-          <a:chExt cx="0" cy="0"/>
-        </a:xfrm>
-      </p:grpSpPr>
-      <p:sp>
-        <p:nvSpPr>
-          <p:cNvPr id="2" name="Title 1">
-            <a:extLst>
-              <a:ext uri="{FF2B5EF4-FFF2-40B4-BE49-F238E27FC236}">
-                <a16:creationId xmlns:a16="http://schemas.microsoft.com/office/drawing/2014/main" id="{112613E0-967E-E673-8DFF-D93A3DE62F49}"/>
-              </a:ext>
-            </a:extLst>
-          </p:cNvPr>
-          <p:cNvSpPr>
-            <a:spLocks noGrp="1"/>
-          </p:cNvSpPr>
-          <p:nvPr>
-            <p:ph type="title"/>
-          </p:nvPr>
-        </p:nvSpPr>
-        <p:spPr/>
-        <p:txBody>
-          <a:bodyPr/>
-          <a:lstStyle/>
-          <a:p>
-            <a:r>
-              <a:rPr lang="en-US" dirty="0"/>
-              <a:t>Prototype</a:t>
-            </a:r>
-            <a:endParaRPr lang="en-PK" dirty="0"/>
-          </a:p>
-        </p:txBody>
-      </p:sp>
-      <p:sp>
-        <p:nvSpPr>
-          <p:cNvPr id="3" name="Text Placeholder 2">
-            <a:extLst>
-              <a:ext uri="{FF2B5EF4-FFF2-40B4-BE49-F238E27FC236}">
-                <a16:creationId xmlns:a16="http://schemas.microsoft.com/office/drawing/2014/main" id="{C68997B6-038D-1952-4887-0CA6CED4AE22}"/>
-              </a:ext>
-            </a:extLst>
-          </p:cNvPr>
-          <p:cNvSpPr>
-            <a:spLocks noGrp="1"/>
-          </p:cNvSpPr>
-          <p:nvPr>
-            <p:ph type="body" idx="1"/>
-          </p:nvPr>
-        </p:nvSpPr>
-        <p:spPr/>
-        <p:txBody>
-          <a:bodyPr/>
-          <a:lstStyle/>
-          <a:p>
-            <a:pPr>
-              <a:buFont typeface="Arial" panose="020B0604020202020204" pitchFamily="34" charset="0"/>
-              <a:buChar char="•"/>
-            </a:pPr>
-            <a:r>
-              <a:rPr lang="en-GB" sz="2800" b="1" dirty="0"/>
-              <a:t>Notification Mechanism:</a:t>
-            </a:r>
-            <a:endParaRPr lang="en-GB" sz="2800" dirty="0"/>
-          </a:p>
-          <a:p>
-            <a:pPr marL="742950" lvl="1" indent="-285750">
-              <a:buFont typeface="Arial" panose="020B0604020202020204" pitchFamily="34" charset="0"/>
-              <a:buChar char="•"/>
-            </a:pPr>
-            <a:r>
-              <a:rPr lang="en-GB" dirty="0"/>
-              <a:t>Real-time feedback for campaign results and system alerts.</a:t>
-            </a:r>
-          </a:p>
-          <a:p>
-            <a:pPr marL="742950" lvl="1" indent="-285750">
-              <a:buFont typeface="Arial" panose="020B0604020202020204" pitchFamily="34" charset="0"/>
-              <a:buChar char="•"/>
-            </a:pPr>
-            <a:r>
-              <a:rPr lang="en-GB" dirty="0"/>
-              <a:t>Email-based notifications for role-based tasks and updates.</a:t>
-            </a:r>
-          </a:p>
-          <a:p>
-            <a:pPr>
-              <a:buFont typeface="Arial" panose="020B0604020202020204" pitchFamily="34" charset="0"/>
-              <a:buChar char="•"/>
-            </a:pPr>
-            <a:r>
-              <a:rPr lang="en-GB" sz="2800" b="1" dirty="0"/>
-              <a:t>Dashboards:</a:t>
-            </a:r>
-            <a:endParaRPr lang="en-GB" sz="2800" dirty="0"/>
-          </a:p>
-          <a:p>
-            <a:pPr marL="742950" lvl="1" indent="-285750">
-              <a:buFont typeface="Arial" panose="020B0604020202020204" pitchFamily="34" charset="0"/>
-              <a:buChar char="•"/>
-            </a:pPr>
-            <a:r>
-              <a:rPr lang="en-GB" dirty="0"/>
-              <a:t>Role-specific dashboards for Admin, Tutor, User, and Managers.</a:t>
-            </a:r>
-          </a:p>
-          <a:p>
-            <a:pPr marL="742950" lvl="1" indent="-285750">
-              <a:buFont typeface="Arial" panose="020B0604020202020204" pitchFamily="34" charset="0"/>
-              <a:buChar char="•"/>
-            </a:pPr>
-            <a:r>
-              <a:rPr lang="en-GB" dirty="0"/>
-              <a:t>Real-time campaign statistics, email interaction metrics, and alerts.</a:t>
-            </a:r>
-          </a:p>
-          <a:p>
-            <a:endParaRPr lang="en-PK" dirty="0"/>
-          </a:p>
-        </p:txBody>
-      </p:sp>
-    </p:spTree>
-    <p:extLst>
-      <p:ext uri="{BB962C8B-B14F-4D97-AF65-F5344CB8AC3E}">
-        <p14:creationId xmlns:p14="http://schemas.microsoft.com/office/powerpoint/2010/main" val="23143656"/>
-      </p:ext>
-    </p:extLst>
-  </p:cSld>
-  <p:clrMapOvr>
-    <a:masterClrMapping/>
-  </p:clrMapOvr>
-</p:sld>
-</file>
-
 <file path=ppt/slides/slide8.xml><?xml version="1.0" encoding="utf-8"?>
 <p:sld xmlns:a="http://schemas.openxmlformats.org/drawingml/2006/main" xmlns:r="http://schemas.openxmlformats.org/officeDocument/2006/relationships" xmlns:p="http://schemas.openxmlformats.org/presentationml/2006/main">
   <p:cSld>
@@ -34054,6 +34116,152 @@
           <p:cNvPr id="2" name="Title 1">
             <a:extLst>
               <a:ext uri="{FF2B5EF4-FFF2-40B4-BE49-F238E27FC236}">
+                <a16:creationId xmlns:a16="http://schemas.microsoft.com/office/drawing/2014/main" id="{112613E0-967E-E673-8DFF-D93A3DE62F49}"/>
+              </a:ext>
+            </a:extLst>
+          </p:cNvPr>
+          <p:cNvSpPr>
+            <a:spLocks noGrp="1"/>
+          </p:cNvSpPr>
+          <p:nvPr>
+            <p:ph type="title"/>
+          </p:nvPr>
+        </p:nvSpPr>
+        <p:spPr/>
+        <p:txBody>
+          <a:bodyPr/>
+          <a:lstStyle/>
+          <a:p>
+            <a:r>
+              <a:rPr lang="en-US" dirty="0"/>
+              <a:t>Prototype</a:t>
+            </a:r>
+            <a:endParaRPr lang="en-PK" dirty="0"/>
+          </a:p>
+        </p:txBody>
+      </p:sp>
+      <p:sp>
+        <p:nvSpPr>
+          <p:cNvPr id="3" name="Text Placeholder 2">
+            <a:extLst>
+              <a:ext uri="{FF2B5EF4-FFF2-40B4-BE49-F238E27FC236}">
+                <a16:creationId xmlns:a16="http://schemas.microsoft.com/office/drawing/2014/main" id="{C68997B6-038D-1952-4887-0CA6CED4AE22}"/>
+              </a:ext>
+            </a:extLst>
+          </p:cNvPr>
+          <p:cNvSpPr>
+            <a:spLocks noGrp="1"/>
+          </p:cNvSpPr>
+          <p:nvPr>
+            <p:ph type="body" idx="1"/>
+          </p:nvPr>
+        </p:nvSpPr>
+        <p:spPr/>
+        <p:txBody>
+          <a:bodyPr/>
+          <a:lstStyle/>
+          <a:p>
+            <a:pPr>
+              <a:buFont typeface="Arial" panose="020B0604020202020204" pitchFamily="34" charset="0"/>
+              <a:buChar char="•"/>
+            </a:pPr>
+            <a:r>
+              <a:rPr lang="en-GB" sz="2800" b="1" dirty="0"/>
+              <a:t>Notification Mechanism:</a:t>
+            </a:r>
+            <a:endParaRPr lang="en-GB" sz="2800" dirty="0"/>
+          </a:p>
+          <a:p>
+            <a:pPr marL="742950" lvl="1" indent="-285750">
+              <a:buFont typeface="Arial" panose="020B0604020202020204" pitchFamily="34" charset="0"/>
+              <a:buChar char="•"/>
+            </a:pPr>
+            <a:r>
+              <a:rPr lang="en-GB" dirty="0"/>
+              <a:t>Real-time feedback for campaign results and system alerts.</a:t>
+            </a:r>
+          </a:p>
+          <a:p>
+            <a:pPr marL="742950" lvl="1" indent="-285750">
+              <a:buFont typeface="Arial" panose="020B0604020202020204" pitchFamily="34" charset="0"/>
+              <a:buChar char="•"/>
+            </a:pPr>
+            <a:r>
+              <a:rPr lang="en-GB" dirty="0"/>
+              <a:t>Email-based notifications for role-based tasks and updates.</a:t>
+            </a:r>
+          </a:p>
+          <a:p>
+            <a:pPr>
+              <a:buFont typeface="Arial" panose="020B0604020202020204" pitchFamily="34" charset="0"/>
+              <a:buChar char="•"/>
+            </a:pPr>
+            <a:r>
+              <a:rPr lang="en-GB" sz="2800" b="1" dirty="0"/>
+              <a:t>Dashboards:</a:t>
+            </a:r>
+            <a:endParaRPr lang="en-GB" sz="2800" dirty="0"/>
+          </a:p>
+          <a:p>
+            <a:pPr marL="742950" lvl="1" indent="-285750">
+              <a:buFont typeface="Arial" panose="020B0604020202020204" pitchFamily="34" charset="0"/>
+              <a:buChar char="•"/>
+            </a:pPr>
+            <a:r>
+              <a:rPr lang="en-GB" dirty="0"/>
+              <a:t>Role-specific dashboards for Admin, Tutor, User, and Managers.</a:t>
+            </a:r>
+          </a:p>
+          <a:p>
+            <a:pPr marL="742950" lvl="1" indent="-285750">
+              <a:buFont typeface="Arial" panose="020B0604020202020204" pitchFamily="34" charset="0"/>
+              <a:buChar char="•"/>
+            </a:pPr>
+            <a:r>
+              <a:rPr lang="en-GB" dirty="0"/>
+              <a:t>Real-time campaign statistics, email interaction metrics, and alerts.</a:t>
+            </a:r>
+          </a:p>
+          <a:p>
+            <a:endParaRPr lang="en-PK" dirty="0"/>
+          </a:p>
+        </p:txBody>
+      </p:sp>
+    </p:spTree>
+    <p:extLst>
+      <p:ext uri="{BB962C8B-B14F-4D97-AF65-F5344CB8AC3E}">
+        <p14:creationId xmlns:p14="http://schemas.microsoft.com/office/powerpoint/2010/main" val="23143656"/>
+      </p:ext>
+    </p:extLst>
+  </p:cSld>
+  <p:clrMapOvr>
+    <a:masterClrMapping/>
+  </p:clrMapOvr>
+</p:sld>
+</file>
+
+<file path=ppt/slides/slide81.xml><?xml version="1.0" encoding="utf-8"?>
+<p:sld xmlns:a="http://schemas.openxmlformats.org/drawingml/2006/main" xmlns:r="http://schemas.openxmlformats.org/officeDocument/2006/relationships" xmlns:p="http://schemas.openxmlformats.org/presentationml/2006/main">
+  <p:cSld>
+    <p:spTree>
+      <p:nvGrpSpPr>
+        <p:cNvPr id="1" name=""/>
+        <p:cNvGrpSpPr/>
+        <p:nvPr/>
+      </p:nvGrpSpPr>
+      <p:grpSpPr>
+        <a:xfrm>
+          <a:off x="0" y="0"/>
+          <a:ext cx="0" cy="0"/>
+          <a:chOff x="0" y="0"/>
+          <a:chExt cx="0" cy="0"/>
+        </a:xfrm>
+      </p:grpSpPr>
+      <p:sp>
+        <p:nvSpPr>
+          <p:cNvPr id="2" name="Title 1">
+            <a:extLst>
+              <a:ext uri="{FF2B5EF4-FFF2-40B4-BE49-F238E27FC236}">
                 <a16:creationId xmlns:a16="http://schemas.microsoft.com/office/drawing/2014/main" id="{681487BF-69D0-2B38-6071-AB9578A828D9}"/>
               </a:ext>
             </a:extLst>
@@ -34187,7 +34395,7 @@
 </p:sld>
 </file>
 
-<file path=ppt/slides/slide81.xml><?xml version="1.0" encoding="utf-8"?>
+<file path=ppt/slides/slide82.xml><?xml version="1.0" encoding="utf-8"?>
 <p:sld xmlns:a="http://schemas.openxmlformats.org/drawingml/2006/main" xmlns:r="http://schemas.openxmlformats.org/officeDocument/2006/relationships" xmlns:p="http://schemas.openxmlformats.org/presentationml/2006/main">
   <p:cSld>
     <p:spTree>
@@ -34341,7 +34549,7 @@
 </p:sld>
 </file>
 
-<file path=ppt/slides/slide82.xml><?xml version="1.0" encoding="utf-8"?>
+<file path=ppt/slides/slide83.xml><?xml version="1.0" encoding="utf-8"?>
 <p:sld xmlns:a="http://schemas.openxmlformats.org/drawingml/2006/main" xmlns:r="http://schemas.openxmlformats.org/officeDocument/2006/relationships" xmlns:p="http://schemas.openxmlformats.org/presentationml/2006/main">
   <p:cSld>
     <p:spTree>
